--- a/openpyxl/Mastering_Python’s_openpyxl.pptx
+++ b/openpyxl/Mastering_Python’s_openpyxl.pptx
@@ -5,11 +5,13 @@
     <p:sldMasterId id="2147483671" r:id="rId4"/>
   </p:sldMasterIdLst>
   <p:notesMasterIdLst>
-    <p:notesMasterId r:id="rId7"/>
+    <p:notesMasterId r:id="rId9"/>
   </p:notesMasterIdLst>
   <p:sldIdLst>
     <p:sldId id="320" r:id="rId5"/>
-    <p:sldId id="321" r:id="rId6"/>
+    <p:sldId id="322" r:id="rId6"/>
+    <p:sldId id="323" r:id="rId7"/>
+    <p:sldId id="321" r:id="rId8"/>
   </p:sldIdLst>
   <p:sldSz cx="12192000" cy="6858000"/>
   <p:notesSz cx="6858000" cy="9144000"/>
@@ -6296,60 +6298,6 @@
           <a:chExt cx="0" cy="0"/>
         </a:xfrm>
       </p:grpSpPr>
-      <p:sp>
-        <p:nvSpPr>
-          <p:cNvPr id="2" name="Title 1">
-            <a:extLst>
-              <a:ext uri="{FF2B5EF4-FFF2-40B4-BE49-F238E27FC236}">
-                <a16:creationId xmlns:a16="http://schemas.microsoft.com/office/drawing/2014/main" id="{FF1BBDD8-0A72-E913-2448-3BA8443C37E6}"/>
-              </a:ext>
-            </a:extLst>
-          </p:cNvPr>
-          <p:cNvSpPr>
-            <a:spLocks noGrp="1"/>
-          </p:cNvSpPr>
-          <p:nvPr>
-            <p:ph type="title"/>
-          </p:nvPr>
-        </p:nvSpPr>
-        <p:spPr>
-          <a:xfrm>
-            <a:off x="5120639" y="386080"/>
-            <a:ext cx="6715761" cy="3737187"/>
-          </a:xfrm>
-        </p:spPr>
-        <p:txBody>
-          <a:bodyPr/>
-          <a:lstStyle/>
-          <a:p>
-            <a:pPr>
-              <a:lnSpc>
-                <a:spcPct val="100000"/>
-              </a:lnSpc>
-            </a:pPr>
-            <a:r>
-              <a:rPr lang="en-US" sz="6000" dirty="0">
-                <a:latin typeface="Aharoni" panose="02010803020104030203" pitchFamily="2" charset="-79"/>
-                <a:cs typeface="Aharoni" panose="02010803020104030203" pitchFamily="2" charset="-79"/>
-              </a:rPr>
-              <a:t>Mastering Python’s openpyxl</a:t>
-            </a:r>
-            <a:br>
-              <a:rPr lang="en-US" sz="6000" dirty="0">
-                <a:latin typeface="Aharoni" panose="02010803020104030203" pitchFamily="2" charset="-79"/>
-                <a:cs typeface="Aharoni" panose="02010803020104030203" pitchFamily="2" charset="-79"/>
-              </a:rPr>
-            </a:br>
-            <a:r>
-              <a:rPr lang="en-US" sz="6000" dirty="0">
-                <a:latin typeface="Aharoni" panose="02010803020104030203" pitchFamily="2" charset="-79"/>
-                <a:cs typeface="Aharoni" panose="02010803020104030203" pitchFamily="2" charset="-79"/>
-              </a:rPr>
-              <a:t>- Opening &amp; Intro</a:t>
-            </a:r>
-          </a:p>
-        </p:txBody>
-      </p:sp>
       <p:pic>
         <p:nvPicPr>
           <p:cNvPr id="4" name="Picture 3">
@@ -6372,7 +6320,7 @@
         </p:blipFill>
         <p:spPr>
           <a:xfrm>
-            <a:off x="632363" y="386080"/>
+            <a:off x="-27720" y="386081"/>
             <a:ext cx="4305340" cy="6085840"/>
           </a:xfrm>
           <a:prstGeom prst="rect">
@@ -6546,6 +6494,75 @@
           </a:sp3d>
         </p:spPr>
       </p:pic>
+      <p:sp>
+        <p:nvSpPr>
+          <p:cNvPr id="2" name="Title 1">
+            <a:extLst>
+              <a:ext uri="{FF2B5EF4-FFF2-40B4-BE49-F238E27FC236}">
+                <a16:creationId xmlns:a16="http://schemas.microsoft.com/office/drawing/2014/main" id="{FF1BBDD8-0A72-E913-2448-3BA8443C37E6}"/>
+              </a:ext>
+            </a:extLst>
+          </p:cNvPr>
+          <p:cNvSpPr>
+            <a:spLocks noGrp="1"/>
+          </p:cNvSpPr>
+          <p:nvPr>
+            <p:ph type="title"/>
+          </p:nvPr>
+        </p:nvSpPr>
+        <p:spPr>
+          <a:xfrm>
+            <a:off x="3891280" y="386081"/>
+            <a:ext cx="8310880" cy="3169920"/>
+          </a:xfrm>
+        </p:spPr>
+        <p:txBody>
+          <a:bodyPr/>
+          <a:lstStyle/>
+          <a:p>
+            <a:pPr>
+              <a:lnSpc>
+                <a:spcPct val="100000"/>
+              </a:lnSpc>
+            </a:pPr>
+            <a:r>
+              <a:rPr lang="en-US" sz="6000" dirty="0">
+                <a:solidFill>
+                  <a:schemeClr val="accent4">
+                    <a:lumMod val="75000"/>
+                  </a:schemeClr>
+                </a:solidFill>
+                <a:latin typeface="Aharoni" panose="02010803020104030203" pitchFamily="2" charset="-79"/>
+                <a:cs typeface="Aharoni" panose="02010803020104030203" pitchFamily="2" charset="-79"/>
+              </a:rPr>
+              <a:t>Mastering Python’s openpyxl</a:t>
+            </a:r>
+            <a:br>
+              <a:rPr lang="en-US" sz="6000" dirty="0">
+                <a:solidFill>
+                  <a:schemeClr val="accent4">
+                    <a:lumMod val="75000"/>
+                  </a:schemeClr>
+                </a:solidFill>
+                <a:latin typeface="Aharoni" panose="02010803020104030203" pitchFamily="2" charset="-79"/>
+                <a:cs typeface="Aharoni" panose="02010803020104030203" pitchFamily="2" charset="-79"/>
+              </a:rPr>
+            </a:br>
+            <a:r>
+              <a:rPr lang="en-US" sz="6000" dirty="0">
+                <a:solidFill>
+                  <a:schemeClr val="accent4">
+                    <a:lumMod val="75000"/>
+                  </a:schemeClr>
+                </a:solidFill>
+                <a:latin typeface="Aharoni" panose="02010803020104030203" pitchFamily="2" charset="-79"/>
+                <a:cs typeface="Aharoni" panose="02010803020104030203" pitchFamily="2" charset="-79"/>
+              </a:rPr>
+              <a:t>- Opening &amp; Introduction</a:t>
+            </a:r>
+          </a:p>
+        </p:txBody>
+      </p:sp>
     </p:spTree>
     <p:extLst>
       <p:ext uri="{BB962C8B-B14F-4D97-AF65-F5344CB8AC3E}">
@@ -6560,6 +6577,558 @@
 </file>
 
 <file path=ppt/slides/slide2.xml><?xml version="1.0" encoding="utf-8"?>
+<p:sld xmlns:a="http://schemas.openxmlformats.org/drawingml/2006/main" xmlns:r="http://schemas.openxmlformats.org/officeDocument/2006/relationships" xmlns:p="http://schemas.openxmlformats.org/presentationml/2006/main">
+  <p:cSld>
+    <p:spTree>
+      <p:nvGrpSpPr>
+        <p:cNvPr id="1" name=""/>
+        <p:cNvGrpSpPr/>
+        <p:nvPr/>
+      </p:nvGrpSpPr>
+      <p:grpSpPr>
+        <a:xfrm>
+          <a:off x="0" y="0"/>
+          <a:ext cx="0" cy="0"/>
+          <a:chOff x="0" y="0"/>
+          <a:chExt cx="0" cy="0"/>
+        </a:xfrm>
+      </p:grpSpPr>
+      <p:sp>
+        <p:nvSpPr>
+          <p:cNvPr id="5" name="Title 4">
+            <a:extLst>
+              <a:ext uri="{FF2B5EF4-FFF2-40B4-BE49-F238E27FC236}">
+                <a16:creationId xmlns:a16="http://schemas.microsoft.com/office/drawing/2014/main" id="{480849CC-D2D0-686A-50A5-4EAE10477D8C}"/>
+              </a:ext>
+            </a:extLst>
+          </p:cNvPr>
+          <p:cNvSpPr>
+            <a:spLocks noGrp="1"/>
+          </p:cNvSpPr>
+          <p:nvPr>
+            <p:ph type="title"/>
+          </p:nvPr>
+        </p:nvSpPr>
+        <p:spPr>
+          <a:xfrm>
+            <a:off x="2174240" y="72887"/>
+            <a:ext cx="9255756" cy="1077003"/>
+          </a:xfrm>
+        </p:spPr>
+        <p:txBody>
+          <a:bodyPr/>
+          <a:lstStyle/>
+          <a:p>
+            <a:pPr algn="ctr"/>
+            <a:r>
+              <a:rPr lang="en-US" dirty="0">
+                <a:solidFill>
+                  <a:schemeClr val="accent4">
+                    <a:lumMod val="75000"/>
+                  </a:schemeClr>
+                </a:solidFill>
+                <a:latin typeface="Aharoni" panose="02010803020104030203" pitchFamily="2" charset="-79"/>
+                <a:cs typeface="Aharoni" panose="02010803020104030203" pitchFamily="2" charset="-79"/>
+              </a:rPr>
+              <a:t>Mastering openpyxl</a:t>
+            </a:r>
+          </a:p>
+        </p:txBody>
+      </p:sp>
+      <p:sp>
+        <p:nvSpPr>
+          <p:cNvPr id="8" name="TextBox 7">
+            <a:extLst>
+              <a:ext uri="{FF2B5EF4-FFF2-40B4-BE49-F238E27FC236}">
+                <a16:creationId xmlns:a16="http://schemas.microsoft.com/office/drawing/2014/main" id="{670F73AD-649A-60F2-3DAD-33E6267E44B2}"/>
+              </a:ext>
+            </a:extLst>
+          </p:cNvPr>
+          <p:cNvSpPr txBox="1"/>
+          <p:nvPr/>
+        </p:nvSpPr>
+        <p:spPr>
+          <a:xfrm>
+            <a:off x="10160" y="11225"/>
+            <a:ext cx="2123440" cy="1200329"/>
+          </a:xfrm>
+          <a:prstGeom prst="rect">
+            <a:avLst/>
+          </a:prstGeom>
+          <a:effectLst>
+            <a:outerShdw blurRad="76200" dist="12700" dir="2700000" sy="-23000" kx="-800400" algn="bl" rotWithShape="0">
+              <a:prstClr val="black">
+                <a:alpha val="20000"/>
+              </a:prstClr>
+            </a:outerShdw>
+          </a:effectLst>
+        </p:spPr>
+        <p:style>
+          <a:lnRef idx="1">
+            <a:schemeClr val="accent6"/>
+          </a:lnRef>
+          <a:fillRef idx="2">
+            <a:schemeClr val="accent6"/>
+          </a:fillRef>
+          <a:effectRef idx="1">
+            <a:schemeClr val="accent6"/>
+          </a:effectRef>
+          <a:fontRef idx="minor">
+            <a:schemeClr val="dk1"/>
+          </a:fontRef>
+        </p:style>
+        <p:txBody>
+          <a:bodyPr wrap="square" rtlCol="0" anchor="ctr">
+            <a:spAutoFit/>
+          </a:bodyPr>
+          <a:lstStyle/>
+          <a:p>
+            <a:pPr algn="ctr"/>
+            <a:r>
+              <a:rPr lang="en-US" sz="7200" dirty="0">
+                <a:solidFill>
+                  <a:schemeClr val="accent5"/>
+                </a:solidFill>
+                <a:latin typeface="Trade Gothic Next Heavy" panose="020F0502020204030204" pitchFamily="34" charset="0"/>
+              </a:rPr>
+              <a:t>002</a:t>
+            </a:r>
+          </a:p>
+        </p:txBody>
+      </p:sp>
+      <p:pic>
+        <p:nvPicPr>
+          <p:cNvPr id="9" name="Picture 8">
+            <a:extLst>
+              <a:ext uri="{FF2B5EF4-FFF2-40B4-BE49-F238E27FC236}">
+                <a16:creationId xmlns:a16="http://schemas.microsoft.com/office/drawing/2014/main" id="{C0929054-2F87-FC68-1F84-6FA7FB35ADEA}"/>
+              </a:ext>
+            </a:extLst>
+          </p:cNvPr>
+          <p:cNvPicPr>
+            <a:picLocks noChangeAspect="1"/>
+          </p:cNvPicPr>
+          <p:nvPr/>
+        </p:nvPicPr>
+        <p:blipFill>
+          <a:blip r:embed="rId2"/>
+          <a:stretch>
+            <a:fillRect/>
+          </a:stretch>
+        </p:blipFill>
+        <p:spPr>
+          <a:xfrm>
+            <a:off x="172720" y="5574693"/>
+            <a:ext cx="2661920" cy="1088498"/>
+          </a:xfrm>
+          <a:prstGeom prst="roundRect">
+            <a:avLst>
+              <a:gd name="adj" fmla="val 8594"/>
+            </a:avLst>
+          </a:prstGeom>
+          <a:solidFill>
+            <a:srgbClr val="FFFFFF">
+              <a:shade val="85000"/>
+            </a:srgbClr>
+          </a:solidFill>
+          <a:ln>
+            <a:noFill/>
+          </a:ln>
+          <a:effectLst>
+            <a:reflection blurRad="12700" stA="38000" endPos="28000" dist="5000" dir="5400000" sy="-100000" algn="bl" rotWithShape="0"/>
+          </a:effectLst>
+        </p:spPr>
+      </p:pic>
+      <p:pic>
+        <p:nvPicPr>
+          <p:cNvPr id="11" name="Picture 10">
+            <a:extLst>
+              <a:ext uri="{FF2B5EF4-FFF2-40B4-BE49-F238E27FC236}">
+                <a16:creationId xmlns:a16="http://schemas.microsoft.com/office/drawing/2014/main" id="{9B4D5254-134A-C452-4779-F107861EC2DB}"/>
+              </a:ext>
+            </a:extLst>
+          </p:cNvPr>
+          <p:cNvPicPr>
+            <a:picLocks noChangeAspect="1"/>
+          </p:cNvPicPr>
+          <p:nvPr/>
+        </p:nvPicPr>
+        <p:blipFill>
+          <a:blip r:embed="rId3"/>
+          <a:stretch>
+            <a:fillRect/>
+          </a:stretch>
+        </p:blipFill>
+        <p:spPr>
+          <a:xfrm>
+            <a:off x="633305" y="611388"/>
+            <a:ext cx="10044855" cy="4902761"/>
+          </a:xfrm>
+          <a:prstGeom prst="roundRect">
+            <a:avLst>
+              <a:gd name="adj" fmla="val 16667"/>
+            </a:avLst>
+          </a:prstGeom>
+          <a:ln>
+            <a:noFill/>
+          </a:ln>
+          <a:effectLst>
+            <a:outerShdw blurRad="152400" dist="12000" dir="900000" sy="98000" kx="110000" ky="200000" algn="tl" rotWithShape="0">
+              <a:srgbClr val="000000">
+                <a:alpha val="30000"/>
+              </a:srgbClr>
+            </a:outerShdw>
+          </a:effectLst>
+          <a:scene3d>
+            <a:camera prst="perspectiveRelaxed">
+              <a:rot lat="19800000" lon="1200000" rev="20820000"/>
+            </a:camera>
+            <a:lightRig rig="threePt" dir="t"/>
+          </a:scene3d>
+          <a:sp3d contourW="6350" prstMaterial="matte">
+            <a:bevelT w="101600" h="101600"/>
+            <a:contourClr>
+              <a:srgbClr val="969696"/>
+            </a:contourClr>
+          </a:sp3d>
+        </p:spPr>
+      </p:pic>
+      <p:sp>
+        <p:nvSpPr>
+          <p:cNvPr id="7" name="Content Placeholder 6">
+            <a:extLst>
+              <a:ext uri="{FF2B5EF4-FFF2-40B4-BE49-F238E27FC236}">
+                <a16:creationId xmlns:a16="http://schemas.microsoft.com/office/drawing/2014/main" id="{53C052DD-97AF-ACCB-ABCD-1A67F839C05E}"/>
+              </a:ext>
+            </a:extLst>
+          </p:cNvPr>
+          <p:cNvSpPr>
+            <a:spLocks noGrp="1"/>
+          </p:cNvSpPr>
+          <p:nvPr>
+            <p:ph sz="quarter" idx="10"/>
+          </p:nvPr>
+        </p:nvSpPr>
+        <p:spPr>
+          <a:xfrm>
+            <a:off x="3045460" y="5574693"/>
+            <a:ext cx="8750300" cy="1062293"/>
+          </a:xfrm>
+        </p:spPr>
+        <p:txBody>
+          <a:bodyPr anchor="ctr">
+            <a:normAutofit fontScale="85000" lnSpcReduction="10000"/>
+          </a:bodyPr>
+          <a:lstStyle/>
+          <a:p>
+            <a:r>
+              <a:rPr lang="en-US" sz="4400" b="1" dirty="0">
+                <a:solidFill>
+                  <a:schemeClr val="accent4">
+                    <a:lumMod val="75000"/>
+                  </a:schemeClr>
+                </a:solidFill>
+                <a:latin typeface="72 Black" panose="020B0A04030603020204" pitchFamily="34" charset="0"/>
+                <a:cs typeface="72 Black" panose="020B0A04030603020204" pitchFamily="34" charset="0"/>
+              </a:rPr>
+              <a:t>1. Introduction – About openpyxl</a:t>
+            </a:r>
+          </a:p>
+        </p:txBody>
+      </p:sp>
+    </p:spTree>
+    <p:extLst>
+      <p:ext uri="{BB962C8B-B14F-4D97-AF65-F5344CB8AC3E}">
+        <p14:creationId xmlns:p14="http://schemas.microsoft.com/office/powerpoint/2010/main" val="3086065589"/>
+      </p:ext>
+    </p:extLst>
+  </p:cSld>
+  <p:clrMapOvr>
+    <a:masterClrMapping/>
+  </p:clrMapOvr>
+</p:sld>
+</file>
+
+<file path=ppt/slides/slide3.xml><?xml version="1.0" encoding="utf-8"?>
+<p:sld xmlns:a="http://schemas.openxmlformats.org/drawingml/2006/main" xmlns:r="http://schemas.openxmlformats.org/officeDocument/2006/relationships" xmlns:p="http://schemas.openxmlformats.org/presentationml/2006/main">
+  <p:cSld>
+    <p:spTree>
+      <p:nvGrpSpPr>
+        <p:cNvPr id="1" name="">
+          <a:extLst>
+            <a:ext uri="{FF2B5EF4-FFF2-40B4-BE49-F238E27FC236}">
+              <a16:creationId xmlns:a16="http://schemas.microsoft.com/office/drawing/2014/main" id="{1366E447-63A2-3C97-9E86-66FB4F015D14}"/>
+            </a:ext>
+          </a:extLst>
+        </p:cNvPr>
+        <p:cNvGrpSpPr/>
+        <p:nvPr/>
+      </p:nvGrpSpPr>
+      <p:grpSpPr>
+        <a:xfrm>
+          <a:off x="0" y="0"/>
+          <a:ext cx="0" cy="0"/>
+          <a:chOff x="0" y="0"/>
+          <a:chExt cx="0" cy="0"/>
+        </a:xfrm>
+      </p:grpSpPr>
+      <p:sp>
+        <p:nvSpPr>
+          <p:cNvPr id="5" name="Title 4">
+            <a:extLst>
+              <a:ext uri="{FF2B5EF4-FFF2-40B4-BE49-F238E27FC236}">
+                <a16:creationId xmlns:a16="http://schemas.microsoft.com/office/drawing/2014/main" id="{3C265C4B-34A4-06A7-361A-CD8DE288256D}"/>
+              </a:ext>
+            </a:extLst>
+          </p:cNvPr>
+          <p:cNvSpPr>
+            <a:spLocks noGrp="1"/>
+          </p:cNvSpPr>
+          <p:nvPr>
+            <p:ph type="title"/>
+          </p:nvPr>
+        </p:nvSpPr>
+        <p:spPr>
+          <a:xfrm>
+            <a:off x="2174240" y="72887"/>
+            <a:ext cx="9255756" cy="1077003"/>
+          </a:xfrm>
+        </p:spPr>
+        <p:txBody>
+          <a:bodyPr/>
+          <a:lstStyle/>
+          <a:p>
+            <a:pPr algn="ctr"/>
+            <a:r>
+              <a:rPr lang="en-US" dirty="0">
+                <a:solidFill>
+                  <a:schemeClr val="accent4">
+                    <a:lumMod val="75000"/>
+                  </a:schemeClr>
+                </a:solidFill>
+                <a:latin typeface="Aharoni" panose="02010803020104030203" pitchFamily="2" charset="-79"/>
+                <a:cs typeface="Aharoni" panose="02010803020104030203" pitchFamily="2" charset="-79"/>
+              </a:rPr>
+              <a:t>Mastering openpyxl</a:t>
+            </a:r>
+          </a:p>
+        </p:txBody>
+      </p:sp>
+      <p:sp>
+        <p:nvSpPr>
+          <p:cNvPr id="8" name="TextBox 7">
+            <a:extLst>
+              <a:ext uri="{FF2B5EF4-FFF2-40B4-BE49-F238E27FC236}">
+                <a16:creationId xmlns:a16="http://schemas.microsoft.com/office/drawing/2014/main" id="{7B27F947-2888-4BC7-9B20-C115BC483D8A}"/>
+              </a:ext>
+            </a:extLst>
+          </p:cNvPr>
+          <p:cNvSpPr txBox="1"/>
+          <p:nvPr/>
+        </p:nvSpPr>
+        <p:spPr>
+          <a:xfrm>
+            <a:off x="10160" y="11225"/>
+            <a:ext cx="2123440" cy="1200329"/>
+          </a:xfrm>
+          <a:prstGeom prst="rect">
+            <a:avLst/>
+          </a:prstGeom>
+          <a:effectLst>
+            <a:outerShdw blurRad="76200" dist="12700" dir="2700000" sy="-23000" kx="-800400" algn="bl" rotWithShape="0">
+              <a:prstClr val="black">
+                <a:alpha val="20000"/>
+              </a:prstClr>
+            </a:outerShdw>
+          </a:effectLst>
+        </p:spPr>
+        <p:style>
+          <a:lnRef idx="1">
+            <a:schemeClr val="accent6"/>
+          </a:lnRef>
+          <a:fillRef idx="2">
+            <a:schemeClr val="accent6"/>
+          </a:fillRef>
+          <a:effectRef idx="1">
+            <a:schemeClr val="accent6"/>
+          </a:effectRef>
+          <a:fontRef idx="minor">
+            <a:schemeClr val="dk1"/>
+          </a:fontRef>
+        </p:style>
+        <p:txBody>
+          <a:bodyPr wrap="square" rtlCol="0" anchor="ctr">
+            <a:spAutoFit/>
+          </a:bodyPr>
+          <a:lstStyle/>
+          <a:p>
+            <a:pPr algn="ctr"/>
+            <a:r>
+              <a:rPr lang="en-US" sz="7200" dirty="0">
+                <a:solidFill>
+                  <a:schemeClr val="accent5"/>
+                </a:solidFill>
+                <a:latin typeface="Trade Gothic Next Heavy" panose="020F0502020204030204" pitchFamily="34" charset="0"/>
+              </a:rPr>
+              <a:t>003</a:t>
+            </a:r>
+          </a:p>
+        </p:txBody>
+      </p:sp>
+      <p:pic>
+        <p:nvPicPr>
+          <p:cNvPr id="9" name="Picture 8">
+            <a:extLst>
+              <a:ext uri="{FF2B5EF4-FFF2-40B4-BE49-F238E27FC236}">
+                <a16:creationId xmlns:a16="http://schemas.microsoft.com/office/drawing/2014/main" id="{BB91B3BC-A7E9-795C-615E-2747A3C79E59}"/>
+              </a:ext>
+            </a:extLst>
+          </p:cNvPr>
+          <p:cNvPicPr>
+            <a:picLocks noChangeAspect="1"/>
+          </p:cNvPicPr>
+          <p:nvPr/>
+        </p:nvPicPr>
+        <p:blipFill>
+          <a:blip r:embed="rId2"/>
+          <a:stretch>
+            <a:fillRect/>
+          </a:stretch>
+        </p:blipFill>
+        <p:spPr>
+          <a:xfrm>
+            <a:off x="172720" y="5574693"/>
+            <a:ext cx="2661920" cy="1088498"/>
+          </a:xfrm>
+          <a:prstGeom prst="roundRect">
+            <a:avLst>
+              <a:gd name="adj" fmla="val 8594"/>
+            </a:avLst>
+          </a:prstGeom>
+          <a:solidFill>
+            <a:srgbClr val="FFFFFF">
+              <a:shade val="85000"/>
+            </a:srgbClr>
+          </a:solidFill>
+          <a:ln>
+            <a:noFill/>
+          </a:ln>
+          <a:effectLst>
+            <a:reflection blurRad="12700" stA="38000" endPos="28000" dist="5000" dir="5400000" sy="-100000" algn="bl" rotWithShape="0"/>
+          </a:effectLst>
+        </p:spPr>
+      </p:pic>
+      <p:sp>
+        <p:nvSpPr>
+          <p:cNvPr id="7" name="Content Placeholder 6">
+            <a:extLst>
+              <a:ext uri="{FF2B5EF4-FFF2-40B4-BE49-F238E27FC236}">
+                <a16:creationId xmlns:a16="http://schemas.microsoft.com/office/drawing/2014/main" id="{B6551868-34DC-0F9A-9179-D8551CBB2B46}"/>
+              </a:ext>
+            </a:extLst>
+          </p:cNvPr>
+          <p:cNvSpPr>
+            <a:spLocks noGrp="1"/>
+          </p:cNvSpPr>
+          <p:nvPr>
+            <p:ph sz="quarter" idx="10"/>
+          </p:nvPr>
+        </p:nvSpPr>
+        <p:spPr>
+          <a:xfrm>
+            <a:off x="3045460" y="5574693"/>
+            <a:ext cx="8750300" cy="1062293"/>
+          </a:xfrm>
+        </p:spPr>
+        <p:txBody>
+          <a:bodyPr anchor="ctr">
+            <a:normAutofit/>
+          </a:bodyPr>
+          <a:lstStyle/>
+          <a:p>
+            <a:r>
+              <a:rPr lang="en-US" sz="4400" b="1" dirty="0">
+                <a:solidFill>
+                  <a:schemeClr val="accent4">
+                    <a:lumMod val="75000"/>
+                  </a:schemeClr>
+                </a:solidFill>
+                <a:latin typeface="72 Black" panose="020B0A04030603020204" pitchFamily="34" charset="0"/>
+                <a:cs typeface="72 Black" panose="020B0A04030603020204" pitchFamily="34" charset="0"/>
+              </a:rPr>
+              <a:t>1. Introduction – First Sample</a:t>
+            </a:r>
+          </a:p>
+        </p:txBody>
+      </p:sp>
+      <p:pic>
+        <p:nvPicPr>
+          <p:cNvPr id="3" name="Picture 2">
+            <a:extLst>
+              <a:ext uri="{FF2B5EF4-FFF2-40B4-BE49-F238E27FC236}">
+                <a16:creationId xmlns:a16="http://schemas.microsoft.com/office/drawing/2014/main" id="{B237E1FF-7FA4-C2F6-B828-778D76B26BEC}"/>
+              </a:ext>
+            </a:extLst>
+          </p:cNvPr>
+          <p:cNvPicPr>
+            <a:picLocks noChangeAspect="1"/>
+          </p:cNvPicPr>
+          <p:nvPr/>
+        </p:nvPicPr>
+        <p:blipFill>
+          <a:blip r:embed="rId3"/>
+          <a:stretch>
+            <a:fillRect/>
+          </a:stretch>
+        </p:blipFill>
+        <p:spPr>
+          <a:xfrm>
+            <a:off x="10160" y="611388"/>
+            <a:ext cx="10586720" cy="4772052"/>
+          </a:xfrm>
+          <a:prstGeom prst="roundRect">
+            <a:avLst>
+              <a:gd name="adj" fmla="val 16667"/>
+            </a:avLst>
+          </a:prstGeom>
+          <a:ln>
+            <a:noFill/>
+          </a:ln>
+          <a:effectLst>
+            <a:outerShdw blurRad="152400" dist="12000" dir="900000" sy="98000" kx="110000" ky="200000" algn="tl" rotWithShape="0">
+              <a:srgbClr val="000000">
+                <a:alpha val="30000"/>
+              </a:srgbClr>
+            </a:outerShdw>
+          </a:effectLst>
+          <a:scene3d>
+            <a:camera prst="perspectiveRelaxed">
+              <a:rot lat="19800000" lon="1200000" rev="20820000"/>
+            </a:camera>
+            <a:lightRig rig="threePt" dir="t"/>
+          </a:scene3d>
+          <a:sp3d contourW="6350" prstMaterial="matte">
+            <a:bevelT w="101600" h="101600"/>
+            <a:contourClr>
+              <a:srgbClr val="969696"/>
+            </a:contourClr>
+          </a:sp3d>
+        </p:spPr>
+      </p:pic>
+    </p:spTree>
+    <p:extLst>
+      <p:ext uri="{BB962C8B-B14F-4D97-AF65-F5344CB8AC3E}">
+        <p14:creationId xmlns:p14="http://schemas.microsoft.com/office/powerpoint/2010/main" val="232693401"/>
+      </p:ext>
+    </p:extLst>
+  </p:cSld>
+  <p:clrMapOvr>
+    <a:masterClrMapping/>
+  </p:clrMapOvr>
+</p:sld>
+</file>
+
+<file path=ppt/slides/slide4.xml><?xml version="1.0" encoding="utf-8"?>
 <p:sld xmlns:a="http://schemas.openxmlformats.org/drawingml/2006/main" xmlns:r="http://schemas.openxmlformats.org/officeDocument/2006/relationships" xmlns:p="http://schemas.openxmlformats.org/presentationml/2006/main">
   <p:cSld>
     <p:spTree>

--- a/openpyxl/Mastering_Python’s_openpyxl.pptx
+++ b/openpyxl/Mastering_Python’s_openpyxl.pptx
@@ -6334,49 +6334,6 @@
           </a:effectLst>
         </p:spPr>
       </p:pic>
-      <p:pic>
-        <p:nvPicPr>
-          <p:cNvPr id="6" name="Picture 5">
-            <a:extLst>
-              <a:ext uri="{FF2B5EF4-FFF2-40B4-BE49-F238E27FC236}">
-                <a16:creationId xmlns:a16="http://schemas.microsoft.com/office/drawing/2014/main" id="{72CC9015-B7F3-F24D-B127-B0466DA3C996}"/>
-              </a:ext>
-            </a:extLst>
-          </p:cNvPr>
-          <p:cNvPicPr>
-            <a:picLocks noChangeAspect="1"/>
-          </p:cNvPicPr>
-          <p:nvPr/>
-        </p:nvPicPr>
-        <p:blipFill>
-          <a:blip r:embed="rId3"/>
-          <a:stretch>
-            <a:fillRect/>
-          </a:stretch>
-        </p:blipFill>
-        <p:spPr>
-          <a:xfrm>
-            <a:off x="5768554" y="4123267"/>
-            <a:ext cx="4915586" cy="2010056"/>
-          </a:xfrm>
-          <a:prstGeom prst="roundRect">
-            <a:avLst>
-              <a:gd name="adj" fmla="val 8594"/>
-            </a:avLst>
-          </a:prstGeom>
-          <a:solidFill>
-            <a:srgbClr val="FFFFFF">
-              <a:shade val="85000"/>
-            </a:srgbClr>
-          </a:solidFill>
-          <a:ln>
-            <a:noFill/>
-          </a:ln>
-          <a:effectLst>
-            <a:reflection blurRad="12700" stA="38000" endPos="28000" dist="5000" dir="5400000" sy="-100000" algn="bl" rotWithShape="0"/>
-          </a:effectLst>
-        </p:spPr>
-      </p:pic>
       <p:sp>
         <p:nvSpPr>
           <p:cNvPr id="7" name="TextBox 6">
@@ -6453,7 +6410,7 @@
           <p:nvPr/>
         </p:nvPicPr>
         <p:blipFill>
-          <a:blip r:embed="rId4">
+          <a:blip r:embed="rId3">
             <a:alphaModFix amt="85000"/>
           </a:blip>
           <a:stretch>
@@ -6462,7 +6419,7 @@
         </p:blipFill>
         <p:spPr>
           <a:xfrm>
-            <a:off x="543651" y="2990474"/>
+            <a:off x="96611" y="2780714"/>
             <a:ext cx="5024357" cy="3359525"/>
           </a:xfrm>
           <a:prstGeom prst="roundRect">
@@ -6513,7 +6470,7 @@
         <p:spPr>
           <a:xfrm>
             <a:off x="3891280" y="386081"/>
-            <a:ext cx="8310880" cy="3169920"/>
+            <a:ext cx="8310880" cy="2813990"/>
           </a:xfrm>
         </p:spPr>
         <p:txBody>
@@ -6563,6 +6520,89 @@
           </a:p>
         </p:txBody>
       </p:sp>
+      <p:pic>
+        <p:nvPicPr>
+          <p:cNvPr id="11" name="Picture 10">
+            <a:extLst>
+              <a:ext uri="{FF2B5EF4-FFF2-40B4-BE49-F238E27FC236}">
+                <a16:creationId xmlns:a16="http://schemas.microsoft.com/office/drawing/2014/main" id="{0793CF43-D6DF-EC40-980C-97D5EFDF76A1}"/>
+              </a:ext>
+            </a:extLst>
+          </p:cNvPr>
+          <p:cNvPicPr>
+            <a:picLocks noChangeAspect="1"/>
+          </p:cNvPicPr>
+          <p:nvPr/>
+        </p:nvPicPr>
+        <p:blipFill>
+          <a:blip r:embed="rId4"/>
+          <a:stretch>
+            <a:fillRect/>
+          </a:stretch>
+        </p:blipFill>
+        <p:spPr>
+          <a:xfrm>
+            <a:off x="7914382" y="3285444"/>
+            <a:ext cx="4030076" cy="3359525"/>
+          </a:xfrm>
+          <a:prstGeom prst="rect">
+            <a:avLst/>
+          </a:prstGeom>
+          <a:ln>
+            <a:noFill/>
+          </a:ln>
+          <a:effectLst>
+            <a:outerShdw blurRad="292100" dist="139700" dir="2700000" algn="tl" rotWithShape="0">
+              <a:srgbClr val="333333">
+                <a:alpha val="65000"/>
+              </a:srgbClr>
+            </a:outerShdw>
+          </a:effectLst>
+        </p:spPr>
+      </p:pic>
+      <p:pic>
+        <p:nvPicPr>
+          <p:cNvPr id="6" name="Picture 5">
+            <a:extLst>
+              <a:ext uri="{FF2B5EF4-FFF2-40B4-BE49-F238E27FC236}">
+                <a16:creationId xmlns:a16="http://schemas.microsoft.com/office/drawing/2014/main" id="{72CC9015-B7F3-F24D-B127-B0466DA3C996}"/>
+              </a:ext>
+            </a:extLst>
+          </p:cNvPr>
+          <p:cNvPicPr>
+            <a:picLocks noChangeAspect="1"/>
+          </p:cNvPicPr>
+          <p:nvPr/>
+        </p:nvPicPr>
+        <p:blipFill>
+          <a:blip r:embed="rId5"/>
+          <a:stretch>
+            <a:fillRect/>
+          </a:stretch>
+        </p:blipFill>
+        <p:spPr>
+          <a:xfrm>
+            <a:off x="4200024" y="3930857"/>
+            <a:ext cx="3615903" cy="1478596"/>
+          </a:xfrm>
+          <a:prstGeom prst="roundRect">
+            <a:avLst>
+              <a:gd name="adj" fmla="val 8594"/>
+            </a:avLst>
+          </a:prstGeom>
+          <a:solidFill>
+            <a:srgbClr val="FFFFFF">
+              <a:shade val="85000"/>
+            </a:srgbClr>
+          </a:solidFill>
+          <a:ln>
+            <a:noFill/>
+          </a:ln>
+          <a:effectLst>
+            <a:reflection blurRad="12700" stA="38000" endPos="28000" dist="5000" dir="5400000" sy="-100000" algn="bl" rotWithShape="0"/>
+          </a:effectLst>
+        </p:spPr>
+      </p:pic>
     </p:spTree>
     <p:extLst>
       <p:ext uri="{BB962C8B-B14F-4D97-AF65-F5344CB8AC3E}">
@@ -6573,6 +6613,142 @@
   <p:clrMapOvr>
     <a:masterClrMapping/>
   </p:clrMapOvr>
+  <p:timing>
+    <p:tnLst>
+      <p:par>
+        <p:cTn id="1" dur="indefinite" restart="never" nodeType="tmRoot">
+          <p:childTnLst>
+            <p:seq concurrent="1" nextAc="seek">
+              <p:cTn id="2" dur="indefinite" nodeType="mainSeq">
+                <p:childTnLst>
+                  <p:par>
+                    <p:cTn id="3" fill="hold">
+                      <p:stCondLst>
+                        <p:cond delay="indefinite"/>
+                      </p:stCondLst>
+                      <p:childTnLst>
+                        <p:par>
+                          <p:cTn id="4" fill="hold">
+                            <p:stCondLst>
+                              <p:cond delay="0"/>
+                            </p:stCondLst>
+                            <p:childTnLst>
+                              <p:par>
+                                <p:cTn id="5" presetID="22" presetClass="entr" presetSubtype="2" fill="hold" nodeType="clickEffect">
+                                  <p:stCondLst>
+                                    <p:cond delay="0"/>
+                                  </p:stCondLst>
+                                  <p:childTnLst>
+                                    <p:set>
+                                      <p:cBhvr>
+                                        <p:cTn id="6" dur="1" fill="hold">
+                                          <p:stCondLst>
+                                            <p:cond delay="0"/>
+                                          </p:stCondLst>
+                                        </p:cTn>
+                                        <p:tgtEl>
+                                          <p:spTgt spid="11"/>
+                                        </p:tgtEl>
+                                        <p:attrNameLst>
+                                          <p:attrName>style.visibility</p:attrName>
+                                        </p:attrNameLst>
+                                      </p:cBhvr>
+                                      <p:to>
+                                        <p:strVal val="visible"/>
+                                      </p:to>
+                                    </p:set>
+                                    <p:animEffect transition="in" filter="wipe(right)">
+                                      <p:cBhvr>
+                                        <p:cTn id="7" dur="500"/>
+                                        <p:tgtEl>
+                                          <p:spTgt spid="11"/>
+                                        </p:tgtEl>
+                                      </p:cBhvr>
+                                    </p:animEffect>
+                                  </p:childTnLst>
+                                </p:cTn>
+                              </p:par>
+                            </p:childTnLst>
+                          </p:cTn>
+                        </p:par>
+                      </p:childTnLst>
+                    </p:cTn>
+                  </p:par>
+                  <p:par>
+                    <p:cTn id="8" fill="hold">
+                      <p:stCondLst>
+                        <p:cond delay="indefinite"/>
+                      </p:stCondLst>
+                      <p:childTnLst>
+                        <p:par>
+                          <p:cTn id="9" fill="hold">
+                            <p:stCondLst>
+                              <p:cond delay="0"/>
+                            </p:stCondLst>
+                            <p:childTnLst>
+                              <p:par>
+                                <p:cTn id="10" presetID="21" presetClass="entr" presetSubtype="1" fill="hold" nodeType="clickEffect">
+                                  <p:stCondLst>
+                                    <p:cond delay="0"/>
+                                  </p:stCondLst>
+                                  <p:childTnLst>
+                                    <p:set>
+                                      <p:cBhvr>
+                                        <p:cTn id="11" dur="1" fill="hold">
+                                          <p:stCondLst>
+                                            <p:cond delay="0"/>
+                                          </p:stCondLst>
+                                        </p:cTn>
+                                        <p:tgtEl>
+                                          <p:spTgt spid="9"/>
+                                        </p:tgtEl>
+                                        <p:attrNameLst>
+                                          <p:attrName>style.visibility</p:attrName>
+                                        </p:attrNameLst>
+                                      </p:cBhvr>
+                                      <p:to>
+                                        <p:strVal val="visible"/>
+                                      </p:to>
+                                    </p:set>
+                                    <p:animEffect transition="in" filter="wheel(1)">
+                                      <p:cBhvr>
+                                        <p:cTn id="12" dur="2000"/>
+                                        <p:tgtEl>
+                                          <p:spTgt spid="9"/>
+                                        </p:tgtEl>
+                                      </p:cBhvr>
+                                    </p:animEffect>
+                                  </p:childTnLst>
+                                </p:cTn>
+                              </p:par>
+                            </p:childTnLst>
+                          </p:cTn>
+                        </p:par>
+                      </p:childTnLst>
+                    </p:cTn>
+                  </p:par>
+                </p:childTnLst>
+              </p:cTn>
+              <p:prevCondLst>
+                <p:cond evt="onPrev" delay="0">
+                  <p:tgtEl>
+                    <p:sldTgt/>
+                  </p:tgtEl>
+                </p:cond>
+              </p:prevCondLst>
+              <p:nextCondLst>
+                <p:cond evt="onNext" delay="0">
+                  <p:tgtEl>
+                    <p:sldTgt/>
+                  </p:tgtEl>
+                </p:cond>
+              </p:nextCondLst>
+            </p:seq>
+          </p:childTnLst>
+        </p:cTn>
+      </p:par>
+    </p:tnLst>
+  </p:timing>
 </p:sld>
 </file>
 

--- a/openpyxl/Mastering_Python’s_openpyxl.pptx
+++ b/openpyxl/Mastering_Python’s_openpyxl.pptx
@@ -5,13 +5,14 @@
     <p:sldMasterId id="2147483671" r:id="rId4"/>
   </p:sldMasterIdLst>
   <p:notesMasterIdLst>
-    <p:notesMasterId r:id="rId9"/>
+    <p:notesMasterId r:id="rId10"/>
   </p:notesMasterIdLst>
   <p:sldIdLst>
     <p:sldId id="320" r:id="rId5"/>
     <p:sldId id="322" r:id="rId6"/>
     <p:sldId id="323" r:id="rId7"/>
-    <p:sldId id="321" r:id="rId8"/>
+    <p:sldId id="324" r:id="rId8"/>
+    <p:sldId id="321" r:id="rId9"/>
   </p:sldIdLst>
   <p:sldSz cx="12192000" cy="6858000"/>
   <p:notesSz cx="6858000" cy="9144000"/>
@@ -111,6 +112,27 @@
     </a:lvl9pPr>
   </p:defaultTextStyle>
   <p:extLst>
+    <p:ext uri="{521415D9-36F7-43E2-AB2F-B90AF26B5E84}">
+      <p14:sectionLst xmlns:p14="http://schemas.microsoft.com/office/powerpoint/2010/main">
+        <p14:section name="Default Section" id="{88C95AF4-4F36-4933-AB76-104D0C4C8A28}">
+          <p14:sldIdLst>
+            <p14:sldId id="320"/>
+          </p14:sldIdLst>
+        </p14:section>
+        <p14:section name="ch1_intro" id="{290FEBD6-7A84-4587-95BB-45C896E82F4A}">
+          <p14:sldIdLst>
+            <p14:sldId id="322"/>
+            <p14:sldId id="323"/>
+            <p14:sldId id="324"/>
+          </p14:sldIdLst>
+        </p14:section>
+        <p14:section name="ch2_wb-&amp;-ws" id="{04CB4299-6CCE-4778-AFDE-44CB65391529}">
+          <p14:sldIdLst>
+            <p14:sldId id="321"/>
+          </p14:sldIdLst>
+        </p14:section>
+      </p14:sectionLst>
+    </p:ext>
     <p:ext uri="{EFAFB233-063F-42B5-8137-9DF3F51BA10A}">
       <p15:sldGuideLst xmlns:p15="http://schemas.microsoft.com/office/powerpoint/2012/main"/>
     </p:ext>
@@ -6469,8 +6491,8 @@
         </p:nvSpPr>
         <p:spPr>
           <a:xfrm>
-            <a:off x="3891280" y="386081"/>
-            <a:ext cx="8310880" cy="2813990"/>
+            <a:off x="2257931" y="386081"/>
+            <a:ext cx="9944229" cy="2813990"/>
           </a:xfrm>
         </p:spPr>
         <p:txBody>
@@ -6515,17 +6537,32 @@
                 <a:latin typeface="Aharoni" panose="02010803020104030203" pitchFamily="2" charset="-79"/>
                 <a:cs typeface="Aharoni" panose="02010803020104030203" pitchFamily="2" charset="-79"/>
               </a:rPr>
-              <a:t>- Opening &amp; Introduction</a:t>
+              <a:t>- </a:t>
+            </a:r>
+            <a:r>
+              <a:rPr lang="en-US" sz="6000" dirty="0">
+                <a:solidFill>
+                  <a:schemeClr val="accent4">
+                    <a:lumMod val="75000"/>
+                  </a:schemeClr>
+                </a:solidFill>
+                <a:highlight>
+                  <a:srgbClr val="FFFF00"/>
+                </a:highlight>
+                <a:latin typeface="Aharoni" panose="02010803020104030203" pitchFamily="2" charset="-79"/>
+                <a:cs typeface="Aharoni" panose="02010803020104030203" pitchFamily="2" charset="-79"/>
+              </a:rPr>
+              <a:t>Opening &amp; Introduction</a:t>
             </a:r>
           </a:p>
         </p:txBody>
       </p:sp>
       <p:pic>
         <p:nvPicPr>
-          <p:cNvPr id="11" name="Picture 10">
-            <a:extLst>
-              <a:ext uri="{FF2B5EF4-FFF2-40B4-BE49-F238E27FC236}">
-                <a16:creationId xmlns:a16="http://schemas.microsoft.com/office/drawing/2014/main" id="{0793CF43-D6DF-EC40-980C-97D5EFDF76A1}"/>
+          <p:cNvPr id="6" name="Picture 5">
+            <a:extLst>
+              <a:ext uri="{FF2B5EF4-FFF2-40B4-BE49-F238E27FC236}">
+                <a16:creationId xmlns:a16="http://schemas.microsoft.com/office/drawing/2014/main" id="{72CC9015-B7F3-F24D-B127-B0466DA3C996}"/>
               </a:ext>
             </a:extLst>
           </p:cNvPr>
@@ -6536,46 +6573,6 @@
         </p:nvPicPr>
         <p:blipFill>
           <a:blip r:embed="rId4"/>
-          <a:stretch>
-            <a:fillRect/>
-          </a:stretch>
-        </p:blipFill>
-        <p:spPr>
-          <a:xfrm>
-            <a:off x="7914382" y="3285444"/>
-            <a:ext cx="4030076" cy="3359525"/>
-          </a:xfrm>
-          <a:prstGeom prst="rect">
-            <a:avLst/>
-          </a:prstGeom>
-          <a:ln>
-            <a:noFill/>
-          </a:ln>
-          <a:effectLst>
-            <a:outerShdw blurRad="292100" dist="139700" dir="2700000" algn="tl" rotWithShape="0">
-              <a:srgbClr val="333333">
-                <a:alpha val="65000"/>
-              </a:srgbClr>
-            </a:outerShdw>
-          </a:effectLst>
-        </p:spPr>
-      </p:pic>
-      <p:pic>
-        <p:nvPicPr>
-          <p:cNvPr id="6" name="Picture 5">
-            <a:extLst>
-              <a:ext uri="{FF2B5EF4-FFF2-40B4-BE49-F238E27FC236}">
-                <a16:creationId xmlns:a16="http://schemas.microsoft.com/office/drawing/2014/main" id="{72CC9015-B7F3-F24D-B127-B0466DA3C996}"/>
-              </a:ext>
-            </a:extLst>
-          </p:cNvPr>
-          <p:cNvPicPr>
-            <a:picLocks noChangeAspect="1"/>
-          </p:cNvPicPr>
-          <p:nvPr/>
-        </p:nvPicPr>
-        <p:blipFill>
-          <a:blip r:embed="rId5"/>
           <a:stretch>
             <a:fillRect/>
           </a:stretch>
@@ -6603,6 +6600,315 @@
           </a:effectLst>
         </p:spPr>
       </p:pic>
+      <p:grpSp>
+        <p:nvGrpSpPr>
+          <p:cNvPr id="16" name="Group 15">
+            <a:extLst>
+              <a:ext uri="{FF2B5EF4-FFF2-40B4-BE49-F238E27FC236}">
+                <a16:creationId xmlns:a16="http://schemas.microsoft.com/office/drawing/2014/main" id="{D546092E-BA63-3421-2087-D30B991B434D}"/>
+              </a:ext>
+            </a:extLst>
+          </p:cNvPr>
+          <p:cNvGrpSpPr/>
+          <p:nvPr/>
+        </p:nvGrpSpPr>
+        <p:grpSpPr>
+          <a:xfrm>
+            <a:off x="7914382" y="3200071"/>
+            <a:ext cx="4272378" cy="3190569"/>
+            <a:chOff x="7914382" y="3200071"/>
+            <a:chExt cx="4272378" cy="3190569"/>
+          </a:xfrm>
+        </p:grpSpPr>
+        <p:pic>
+          <p:nvPicPr>
+            <p:cNvPr id="11" name="Picture 10">
+              <a:extLst>
+                <a:ext uri="{FF2B5EF4-FFF2-40B4-BE49-F238E27FC236}">
+                  <a16:creationId xmlns:a16="http://schemas.microsoft.com/office/drawing/2014/main" id="{0793CF43-D6DF-EC40-980C-97D5EFDF76A1}"/>
+                </a:ext>
+              </a:extLst>
+            </p:cNvPr>
+            <p:cNvPicPr>
+              <a:picLocks noChangeAspect="1"/>
+            </p:cNvPicPr>
+            <p:nvPr/>
+          </p:nvPicPr>
+          <p:blipFill>
+            <a:blip r:embed="rId5"/>
+            <a:stretch>
+              <a:fillRect/>
+            </a:stretch>
+          </p:blipFill>
+          <p:spPr>
+            <a:xfrm>
+              <a:off x="7914382" y="3200071"/>
+              <a:ext cx="3827397" cy="3190569"/>
+            </a:xfrm>
+            <a:prstGeom prst="rect">
+              <a:avLst/>
+            </a:prstGeom>
+            <a:ln>
+              <a:noFill/>
+            </a:ln>
+            <a:effectLst>
+              <a:outerShdw blurRad="292100" dist="139700" dir="2700000" algn="tl" rotWithShape="0">
+                <a:srgbClr val="333333">
+                  <a:alpha val="65000"/>
+                </a:srgbClr>
+              </a:outerShdw>
+            </a:effectLst>
+          </p:spPr>
+        </p:pic>
+        <p:sp>
+          <p:nvSpPr>
+            <p:cNvPr id="12" name="TextBox 11">
+              <a:extLst>
+                <a:ext uri="{FF2B5EF4-FFF2-40B4-BE49-F238E27FC236}">
+                  <a16:creationId xmlns:a16="http://schemas.microsoft.com/office/drawing/2014/main" id="{4DC8A5E2-B67B-8ADD-54E6-EAE0078635D7}"/>
+                </a:ext>
+              </a:extLst>
+            </p:cNvPr>
+            <p:cNvSpPr txBox="1"/>
+            <p:nvPr/>
+          </p:nvSpPr>
+          <p:spPr>
+            <a:xfrm>
+              <a:off x="11005026" y="3334764"/>
+              <a:ext cx="1031051" cy="307777"/>
+            </a:xfrm>
+            <a:prstGeom prst="rect">
+              <a:avLst/>
+            </a:prstGeom>
+            <a:solidFill>
+              <a:schemeClr val="accent6"/>
+            </a:solidFill>
+            <a:ln>
+              <a:noFill/>
+            </a:ln>
+          </p:spPr>
+          <p:style>
+            <a:lnRef idx="0">
+              <a:scrgbClr r="0" g="0" b="0"/>
+            </a:lnRef>
+            <a:fillRef idx="0">
+              <a:scrgbClr r="0" g="0" b="0"/>
+            </a:fillRef>
+            <a:effectRef idx="0">
+              <a:scrgbClr r="0" g="0" b="0"/>
+            </a:effectRef>
+            <a:fontRef idx="minor">
+              <a:schemeClr val="lt1"/>
+            </a:fontRef>
+          </p:style>
+          <p:txBody>
+            <a:bodyPr wrap="none" rtlCol="0" anchor="ctr">
+              <a:spAutoFit/>
+            </a:bodyPr>
+            <a:lstStyle/>
+            <a:p>
+              <a:pPr algn="ctr"/>
+              <a:r>
+                <a:rPr lang="en-US" altLang="zh-CN" sz="1400" dirty="0">
+                  <a:latin typeface="72 Black" panose="020B0A04030603020204" pitchFamily="34" charset="0"/>
+                  <a:cs typeface="72 Black" panose="020B0A04030603020204" pitchFamily="34" charset="0"/>
+                </a:rPr>
+                <a:t>openpyxl</a:t>
+              </a:r>
+              <a:endParaRPr lang="en-US" sz="1400" dirty="0">
+                <a:latin typeface="72 Black" panose="020B0A04030603020204" pitchFamily="34" charset="0"/>
+                <a:cs typeface="72 Black" panose="020B0A04030603020204" pitchFamily="34" charset="0"/>
+              </a:endParaRPr>
+            </a:p>
+          </p:txBody>
+        </p:sp>
+        <p:sp>
+          <p:nvSpPr>
+            <p:cNvPr id="13" name="TextBox 12">
+              <a:extLst>
+                <a:ext uri="{FF2B5EF4-FFF2-40B4-BE49-F238E27FC236}">
+                  <a16:creationId xmlns:a16="http://schemas.microsoft.com/office/drawing/2014/main" id="{B245706D-BF86-F10B-43B2-8E9C8B7A2F4F}"/>
+                </a:ext>
+              </a:extLst>
+            </p:cNvPr>
+            <p:cNvSpPr txBox="1"/>
+            <p:nvPr/>
+          </p:nvSpPr>
+          <p:spPr>
+            <a:xfrm>
+              <a:off x="10854344" y="3852924"/>
+              <a:ext cx="1332416" cy="307777"/>
+            </a:xfrm>
+            <a:prstGeom prst="rect">
+              <a:avLst/>
+            </a:prstGeom>
+            <a:solidFill>
+              <a:schemeClr val="accent6"/>
+            </a:solidFill>
+            <a:ln>
+              <a:noFill/>
+            </a:ln>
+          </p:spPr>
+          <p:style>
+            <a:lnRef idx="0">
+              <a:scrgbClr r="0" g="0" b="0"/>
+            </a:lnRef>
+            <a:fillRef idx="0">
+              <a:scrgbClr r="0" g="0" b="0"/>
+            </a:fillRef>
+            <a:effectRef idx="0">
+              <a:scrgbClr r="0" g="0" b="0"/>
+            </a:effectRef>
+            <a:fontRef idx="minor">
+              <a:schemeClr val="lt1"/>
+            </a:fontRef>
+          </p:style>
+          <p:txBody>
+            <a:bodyPr wrap="none" rtlCol="0" anchor="ctr">
+              <a:spAutoFit/>
+            </a:bodyPr>
+            <a:lstStyle/>
+            <a:p>
+              <a:pPr algn="ctr"/>
+              <a:r>
+                <a:rPr lang="en-US" altLang="zh-CN" sz="1400" dirty="0">
+                  <a:latin typeface="72 Black" panose="020B0A04030603020204" pitchFamily="34" charset="0"/>
+                  <a:cs typeface="72 Black" panose="020B0A04030603020204" pitchFamily="34" charset="0"/>
+                </a:rPr>
+                <a:t>python-docx</a:t>
+              </a:r>
+              <a:endParaRPr lang="en-US" sz="1400" dirty="0">
+                <a:latin typeface="72 Black" panose="020B0A04030603020204" pitchFamily="34" charset="0"/>
+                <a:cs typeface="72 Black" panose="020B0A04030603020204" pitchFamily="34" charset="0"/>
+              </a:endParaRPr>
+            </a:p>
+          </p:txBody>
+        </p:sp>
+        <p:sp>
+          <p:nvSpPr>
+            <p:cNvPr id="14" name="TextBox 13">
+              <a:extLst>
+                <a:ext uri="{FF2B5EF4-FFF2-40B4-BE49-F238E27FC236}">
+                  <a16:creationId xmlns:a16="http://schemas.microsoft.com/office/drawing/2014/main" id="{0BEE9D83-C01D-37B8-5635-8CDB8ED32076}"/>
+                </a:ext>
+              </a:extLst>
+            </p:cNvPr>
+            <p:cNvSpPr txBox="1"/>
+            <p:nvPr/>
+          </p:nvSpPr>
+          <p:spPr>
+            <a:xfrm>
+              <a:off x="10885774" y="4371084"/>
+              <a:ext cx="1300356" cy="307777"/>
+            </a:xfrm>
+            <a:prstGeom prst="rect">
+              <a:avLst/>
+            </a:prstGeom>
+            <a:solidFill>
+              <a:schemeClr val="accent6"/>
+            </a:solidFill>
+            <a:ln>
+              <a:noFill/>
+            </a:ln>
+          </p:spPr>
+          <p:style>
+            <a:lnRef idx="0">
+              <a:scrgbClr r="0" g="0" b="0"/>
+            </a:lnRef>
+            <a:fillRef idx="0">
+              <a:scrgbClr r="0" g="0" b="0"/>
+            </a:fillRef>
+            <a:effectRef idx="0">
+              <a:scrgbClr r="0" g="0" b="0"/>
+            </a:effectRef>
+            <a:fontRef idx="minor">
+              <a:schemeClr val="lt1"/>
+            </a:fontRef>
+          </p:style>
+          <p:txBody>
+            <a:bodyPr wrap="none" rtlCol="0" anchor="ctr">
+              <a:spAutoFit/>
+            </a:bodyPr>
+            <a:lstStyle/>
+            <a:p>
+              <a:pPr algn="ctr"/>
+              <a:r>
+                <a:rPr lang="en-US" altLang="zh-CN" sz="1400" dirty="0">
+                  <a:latin typeface="72 Black" panose="020B0A04030603020204" pitchFamily="34" charset="0"/>
+                  <a:cs typeface="72 Black" panose="020B0A04030603020204" pitchFamily="34" charset="0"/>
+                </a:rPr>
+                <a:t>python-pptx</a:t>
+              </a:r>
+              <a:endParaRPr lang="en-US" sz="1400" dirty="0">
+                <a:latin typeface="72 Black" panose="020B0A04030603020204" pitchFamily="34" charset="0"/>
+                <a:cs typeface="72 Black" panose="020B0A04030603020204" pitchFamily="34" charset="0"/>
+              </a:endParaRPr>
+            </a:p>
+          </p:txBody>
+        </p:sp>
+        <p:sp>
+          <p:nvSpPr>
+            <p:cNvPr id="15" name="TextBox 14">
+              <a:extLst>
+                <a:ext uri="{FF2B5EF4-FFF2-40B4-BE49-F238E27FC236}">
+                  <a16:creationId xmlns:a16="http://schemas.microsoft.com/office/drawing/2014/main" id="{7B00E66C-AC94-186B-75D3-F00C8F612F3B}"/>
+                </a:ext>
+              </a:extLst>
+            </p:cNvPr>
+            <p:cNvSpPr txBox="1"/>
+            <p:nvPr/>
+          </p:nvSpPr>
+          <p:spPr>
+            <a:xfrm>
+              <a:off x="11046074" y="4967893"/>
+              <a:ext cx="1011815" cy="307777"/>
+            </a:xfrm>
+            <a:prstGeom prst="rect">
+              <a:avLst/>
+            </a:prstGeom>
+            <a:solidFill>
+              <a:schemeClr val="accent6"/>
+            </a:solidFill>
+            <a:ln>
+              <a:noFill/>
+            </a:ln>
+          </p:spPr>
+          <p:style>
+            <a:lnRef idx="0">
+              <a:scrgbClr r="0" g="0" b="0"/>
+            </a:lnRef>
+            <a:fillRef idx="0">
+              <a:scrgbClr r="0" g="0" b="0"/>
+            </a:fillRef>
+            <a:effectRef idx="0">
+              <a:scrgbClr r="0" g="0" b="0"/>
+            </a:effectRef>
+            <a:fontRef idx="minor">
+              <a:schemeClr val="lt1"/>
+            </a:fontRef>
+          </p:style>
+          <p:txBody>
+            <a:bodyPr wrap="none" rtlCol="0" anchor="ctr">
+              <a:spAutoFit/>
+            </a:bodyPr>
+            <a:lstStyle/>
+            <a:p>
+              <a:pPr algn="ctr"/>
+              <a:r>
+                <a:rPr lang="en-US" altLang="zh-CN" sz="1400" dirty="0">
+                  <a:latin typeface="72 Black" panose="020B0A04030603020204" pitchFamily="34" charset="0"/>
+                  <a:cs typeface="72 Black" panose="020B0A04030603020204" pitchFamily="34" charset="0"/>
+                </a:rPr>
+                <a:t>pypdf2/3</a:t>
+              </a:r>
+              <a:endParaRPr lang="en-US" sz="1400" dirty="0">
+                <a:latin typeface="72 Black" panose="020B0A04030603020204" pitchFamily="34" charset="0"/>
+                <a:cs typeface="72 Black" panose="020B0A04030603020204" pitchFamily="34" charset="0"/>
+              </a:endParaRPr>
+            </a:p>
+          </p:txBody>
+        </p:sp>
+      </p:grpSp>
     </p:spTree>
     <p:extLst>
       <p:ext uri="{BB962C8B-B14F-4D97-AF65-F5344CB8AC3E}">
@@ -6647,7 +6953,7 @@
                                           </p:stCondLst>
                                         </p:cTn>
                                         <p:tgtEl>
-                                          <p:spTgt spid="11"/>
+                                          <p:spTgt spid="16"/>
                                         </p:tgtEl>
                                         <p:attrNameLst>
                                           <p:attrName>style.visibility</p:attrName>
@@ -6661,7 +6967,7 @@
                                       <p:cBhvr>
                                         <p:cTn id="7" dur="500"/>
                                         <p:tgtEl>
-                                          <p:spTgt spid="11"/>
+                                          <p:spTgt spid="16"/>
                                         </p:tgtEl>
                                       </p:cBhvr>
                                     </p:animEffect>
@@ -6769,115 +7075,12 @@
           <a:chExt cx="0" cy="0"/>
         </a:xfrm>
       </p:grpSpPr>
-      <p:sp>
-        <p:nvSpPr>
-          <p:cNvPr id="5" name="Title 4">
-            <a:extLst>
-              <a:ext uri="{FF2B5EF4-FFF2-40B4-BE49-F238E27FC236}">
-                <a16:creationId xmlns:a16="http://schemas.microsoft.com/office/drawing/2014/main" id="{480849CC-D2D0-686A-50A5-4EAE10477D8C}"/>
-              </a:ext>
-            </a:extLst>
-          </p:cNvPr>
-          <p:cNvSpPr>
-            <a:spLocks noGrp="1"/>
-          </p:cNvSpPr>
-          <p:nvPr>
-            <p:ph type="title"/>
-          </p:nvPr>
-        </p:nvSpPr>
-        <p:spPr>
-          <a:xfrm>
-            <a:off x="2174240" y="72887"/>
-            <a:ext cx="9255756" cy="1077003"/>
-          </a:xfrm>
-        </p:spPr>
-        <p:txBody>
-          <a:bodyPr/>
-          <a:lstStyle/>
-          <a:p>
-            <a:pPr algn="ctr"/>
-            <a:r>
-              <a:rPr lang="en-US" dirty="0">
-                <a:solidFill>
-                  <a:schemeClr val="accent4">
-                    <a:lumMod val="75000"/>
-                  </a:schemeClr>
-                </a:solidFill>
-                <a:latin typeface="Aharoni" panose="02010803020104030203" pitchFamily="2" charset="-79"/>
-                <a:cs typeface="Aharoni" panose="02010803020104030203" pitchFamily="2" charset="-79"/>
-              </a:rPr>
-              <a:t>Mastering openpyxl</a:t>
-            </a:r>
-          </a:p>
-        </p:txBody>
-      </p:sp>
-      <p:sp>
-        <p:nvSpPr>
-          <p:cNvPr id="8" name="TextBox 7">
-            <a:extLst>
-              <a:ext uri="{FF2B5EF4-FFF2-40B4-BE49-F238E27FC236}">
-                <a16:creationId xmlns:a16="http://schemas.microsoft.com/office/drawing/2014/main" id="{670F73AD-649A-60F2-3DAD-33E6267E44B2}"/>
-              </a:ext>
-            </a:extLst>
-          </p:cNvPr>
-          <p:cNvSpPr txBox="1"/>
-          <p:nvPr/>
-        </p:nvSpPr>
-        <p:spPr>
-          <a:xfrm>
-            <a:off x="10160" y="11225"/>
-            <a:ext cx="2123440" cy="1200329"/>
-          </a:xfrm>
-          <a:prstGeom prst="rect">
-            <a:avLst/>
-          </a:prstGeom>
-          <a:effectLst>
-            <a:outerShdw blurRad="76200" dist="12700" dir="2700000" sy="-23000" kx="-800400" algn="bl" rotWithShape="0">
-              <a:prstClr val="black">
-                <a:alpha val="20000"/>
-              </a:prstClr>
-            </a:outerShdw>
-          </a:effectLst>
-        </p:spPr>
-        <p:style>
-          <a:lnRef idx="1">
-            <a:schemeClr val="accent6"/>
-          </a:lnRef>
-          <a:fillRef idx="2">
-            <a:schemeClr val="accent6"/>
-          </a:fillRef>
-          <a:effectRef idx="1">
-            <a:schemeClr val="accent6"/>
-          </a:effectRef>
-          <a:fontRef idx="minor">
-            <a:schemeClr val="dk1"/>
-          </a:fontRef>
-        </p:style>
-        <p:txBody>
-          <a:bodyPr wrap="square" rtlCol="0" anchor="ctr">
-            <a:spAutoFit/>
-          </a:bodyPr>
-          <a:lstStyle/>
-          <a:p>
-            <a:pPr algn="ctr"/>
-            <a:r>
-              <a:rPr lang="en-US" sz="7200" dirty="0">
-                <a:solidFill>
-                  <a:schemeClr val="accent5"/>
-                </a:solidFill>
-                <a:latin typeface="Trade Gothic Next Heavy" panose="020F0502020204030204" pitchFamily="34" charset="0"/>
-              </a:rPr>
-              <a:t>002</a:t>
-            </a:r>
-          </a:p>
-        </p:txBody>
-      </p:sp>
       <p:pic>
         <p:nvPicPr>
-          <p:cNvPr id="9" name="Picture 8">
-            <a:extLst>
-              <a:ext uri="{FF2B5EF4-FFF2-40B4-BE49-F238E27FC236}">
-                <a16:creationId xmlns:a16="http://schemas.microsoft.com/office/drawing/2014/main" id="{C0929054-2F87-FC68-1F84-6FA7FB35ADEA}"/>
+          <p:cNvPr id="11" name="Picture 10">
+            <a:extLst>
+              <a:ext uri="{FF2B5EF4-FFF2-40B4-BE49-F238E27FC236}">
+                <a16:creationId xmlns:a16="http://schemas.microsoft.com/office/drawing/2014/main" id="{9B4D5254-134A-C452-4779-F107861EC2DB}"/>
               </a:ext>
             </a:extLst>
           </p:cNvPr>
@@ -6888,49 +7091,6 @@
         </p:nvPicPr>
         <p:blipFill>
           <a:blip r:embed="rId2"/>
-          <a:stretch>
-            <a:fillRect/>
-          </a:stretch>
-        </p:blipFill>
-        <p:spPr>
-          <a:xfrm>
-            <a:off x="172720" y="5574693"/>
-            <a:ext cx="2661920" cy="1088498"/>
-          </a:xfrm>
-          <a:prstGeom prst="roundRect">
-            <a:avLst>
-              <a:gd name="adj" fmla="val 8594"/>
-            </a:avLst>
-          </a:prstGeom>
-          <a:solidFill>
-            <a:srgbClr val="FFFFFF">
-              <a:shade val="85000"/>
-            </a:srgbClr>
-          </a:solidFill>
-          <a:ln>
-            <a:noFill/>
-          </a:ln>
-          <a:effectLst>
-            <a:reflection blurRad="12700" stA="38000" endPos="28000" dist="5000" dir="5400000" sy="-100000" algn="bl" rotWithShape="0"/>
-          </a:effectLst>
-        </p:spPr>
-      </p:pic>
-      <p:pic>
-        <p:nvPicPr>
-          <p:cNvPr id="11" name="Picture 10">
-            <a:extLst>
-              <a:ext uri="{FF2B5EF4-FFF2-40B4-BE49-F238E27FC236}">
-                <a16:creationId xmlns:a16="http://schemas.microsoft.com/office/drawing/2014/main" id="{9B4D5254-134A-C452-4779-F107861EC2DB}"/>
-              </a:ext>
-            </a:extLst>
-          </p:cNvPr>
-          <p:cNvPicPr>
-            <a:picLocks noChangeAspect="1"/>
-          </p:cNvPicPr>
-          <p:nvPr/>
-        </p:nvPicPr>
-        <p:blipFill>
-          <a:blip r:embed="rId3"/>
           <a:stretch>
             <a:fillRect/>
           </a:stretch>
@@ -6967,6 +7127,152 @@
               <a:srgbClr val="969696"/>
             </a:contourClr>
           </a:sp3d>
+        </p:spPr>
+      </p:pic>
+      <p:sp>
+        <p:nvSpPr>
+          <p:cNvPr id="5" name="Title 4">
+            <a:extLst>
+              <a:ext uri="{FF2B5EF4-FFF2-40B4-BE49-F238E27FC236}">
+                <a16:creationId xmlns:a16="http://schemas.microsoft.com/office/drawing/2014/main" id="{480849CC-D2D0-686A-50A5-4EAE10477D8C}"/>
+              </a:ext>
+            </a:extLst>
+          </p:cNvPr>
+          <p:cNvSpPr>
+            <a:spLocks noGrp="1"/>
+          </p:cNvSpPr>
+          <p:nvPr>
+            <p:ph type="title"/>
+          </p:nvPr>
+        </p:nvSpPr>
+        <p:spPr>
+          <a:xfrm>
+            <a:off x="2174240" y="72887"/>
+            <a:ext cx="9255756" cy="1077003"/>
+          </a:xfrm>
+        </p:spPr>
+        <p:txBody>
+          <a:bodyPr/>
+          <a:lstStyle/>
+          <a:p>
+            <a:pPr algn="ctr"/>
+            <a:r>
+              <a:rPr lang="en-US" dirty="0">
+                <a:solidFill>
+                  <a:schemeClr val="accent4">
+                    <a:lumMod val="75000"/>
+                  </a:schemeClr>
+                </a:solidFill>
+                <a:latin typeface="Aharoni" panose="02010803020104030203" pitchFamily="2" charset="-79"/>
+                <a:cs typeface="Aharoni" panose="02010803020104030203" pitchFamily="2" charset="-79"/>
+              </a:rPr>
+              <a:t>Mastering openpyxl</a:t>
+            </a:r>
+          </a:p>
+        </p:txBody>
+      </p:sp>
+      <p:sp>
+        <p:nvSpPr>
+          <p:cNvPr id="8" name="TextBox 7">
+            <a:extLst>
+              <a:ext uri="{FF2B5EF4-FFF2-40B4-BE49-F238E27FC236}">
+                <a16:creationId xmlns:a16="http://schemas.microsoft.com/office/drawing/2014/main" id="{670F73AD-649A-60F2-3DAD-33E6267E44B2}"/>
+              </a:ext>
+            </a:extLst>
+          </p:cNvPr>
+          <p:cNvSpPr txBox="1"/>
+          <p:nvPr/>
+        </p:nvSpPr>
+        <p:spPr>
+          <a:xfrm>
+            <a:off x="10159" y="-19334"/>
+            <a:ext cx="2449407" cy="1569660"/>
+          </a:xfrm>
+          <a:prstGeom prst="rect">
+            <a:avLst/>
+          </a:prstGeom>
+          <a:effectLst>
+            <a:outerShdw blurRad="76200" dist="12700" dir="2700000" sy="-23000" kx="-800400" algn="bl" rotWithShape="0">
+              <a:prstClr val="black">
+                <a:alpha val="20000"/>
+              </a:prstClr>
+            </a:outerShdw>
+          </a:effectLst>
+        </p:spPr>
+        <p:style>
+          <a:lnRef idx="1">
+            <a:schemeClr val="accent6"/>
+          </a:lnRef>
+          <a:fillRef idx="2">
+            <a:schemeClr val="accent6"/>
+          </a:fillRef>
+          <a:effectRef idx="1">
+            <a:schemeClr val="accent6"/>
+          </a:effectRef>
+          <a:fontRef idx="minor">
+            <a:schemeClr val="dk1"/>
+          </a:fontRef>
+        </p:style>
+        <p:txBody>
+          <a:bodyPr wrap="square" rtlCol="0" anchor="ctr">
+            <a:spAutoFit/>
+          </a:bodyPr>
+          <a:lstStyle/>
+          <a:p>
+            <a:pPr algn="ctr"/>
+            <a:r>
+              <a:rPr lang="en-US" sz="9600" dirty="0">
+                <a:solidFill>
+                  <a:schemeClr val="accent5"/>
+                </a:solidFill>
+                <a:latin typeface="Trade Gothic Next Heavy" panose="020F0502020204030204" pitchFamily="34" charset="0"/>
+              </a:rPr>
+              <a:t>002</a:t>
+            </a:r>
+          </a:p>
+        </p:txBody>
+      </p:sp>
+      <p:pic>
+        <p:nvPicPr>
+          <p:cNvPr id="9" name="Picture 8">
+            <a:extLst>
+              <a:ext uri="{FF2B5EF4-FFF2-40B4-BE49-F238E27FC236}">
+                <a16:creationId xmlns:a16="http://schemas.microsoft.com/office/drawing/2014/main" id="{C0929054-2F87-FC68-1F84-6FA7FB35ADEA}"/>
+              </a:ext>
+            </a:extLst>
+          </p:cNvPr>
+          <p:cNvPicPr>
+            <a:picLocks noChangeAspect="1"/>
+          </p:cNvPicPr>
+          <p:nvPr/>
+        </p:nvPicPr>
+        <p:blipFill>
+          <a:blip r:embed="rId3"/>
+          <a:stretch>
+            <a:fillRect/>
+          </a:stretch>
+        </p:blipFill>
+        <p:spPr>
+          <a:xfrm>
+            <a:off x="172720" y="5574693"/>
+            <a:ext cx="2661920" cy="1088498"/>
+          </a:xfrm>
+          <a:prstGeom prst="roundRect">
+            <a:avLst>
+              <a:gd name="adj" fmla="val 8594"/>
+            </a:avLst>
+          </a:prstGeom>
+          <a:solidFill>
+            <a:srgbClr val="FFFFFF">
+              <a:shade val="85000"/>
+            </a:srgbClr>
+          </a:solidFill>
+          <a:ln>
+            <a:noFill/>
+          </a:ln>
+          <a:effectLst>
+            <a:reflection blurRad="12700" stA="38000" endPos="28000" dist="5000" dir="5400000" sy="-100000" algn="bl" rotWithShape="0"/>
+          </a:effectLst>
         </p:spPr>
       </p:pic>
       <p:sp>
@@ -7048,115 +7354,12 @@
           <a:chExt cx="0" cy="0"/>
         </a:xfrm>
       </p:grpSpPr>
-      <p:sp>
-        <p:nvSpPr>
-          <p:cNvPr id="5" name="Title 4">
-            <a:extLst>
-              <a:ext uri="{FF2B5EF4-FFF2-40B4-BE49-F238E27FC236}">
-                <a16:creationId xmlns:a16="http://schemas.microsoft.com/office/drawing/2014/main" id="{3C265C4B-34A4-06A7-361A-CD8DE288256D}"/>
-              </a:ext>
-            </a:extLst>
-          </p:cNvPr>
-          <p:cNvSpPr>
-            <a:spLocks noGrp="1"/>
-          </p:cNvSpPr>
-          <p:nvPr>
-            <p:ph type="title"/>
-          </p:nvPr>
-        </p:nvSpPr>
-        <p:spPr>
-          <a:xfrm>
-            <a:off x="2174240" y="72887"/>
-            <a:ext cx="9255756" cy="1077003"/>
-          </a:xfrm>
-        </p:spPr>
-        <p:txBody>
-          <a:bodyPr/>
-          <a:lstStyle/>
-          <a:p>
-            <a:pPr algn="ctr"/>
-            <a:r>
-              <a:rPr lang="en-US" dirty="0">
-                <a:solidFill>
-                  <a:schemeClr val="accent4">
-                    <a:lumMod val="75000"/>
-                  </a:schemeClr>
-                </a:solidFill>
-                <a:latin typeface="Aharoni" panose="02010803020104030203" pitchFamily="2" charset="-79"/>
-                <a:cs typeface="Aharoni" panose="02010803020104030203" pitchFamily="2" charset="-79"/>
-              </a:rPr>
-              <a:t>Mastering openpyxl</a:t>
-            </a:r>
-          </a:p>
-        </p:txBody>
-      </p:sp>
-      <p:sp>
-        <p:nvSpPr>
-          <p:cNvPr id="8" name="TextBox 7">
-            <a:extLst>
-              <a:ext uri="{FF2B5EF4-FFF2-40B4-BE49-F238E27FC236}">
-                <a16:creationId xmlns:a16="http://schemas.microsoft.com/office/drawing/2014/main" id="{7B27F947-2888-4BC7-9B20-C115BC483D8A}"/>
-              </a:ext>
-            </a:extLst>
-          </p:cNvPr>
-          <p:cNvSpPr txBox="1"/>
-          <p:nvPr/>
-        </p:nvSpPr>
-        <p:spPr>
-          <a:xfrm>
-            <a:off x="10160" y="11225"/>
-            <a:ext cx="2123440" cy="1200329"/>
-          </a:xfrm>
-          <a:prstGeom prst="rect">
-            <a:avLst/>
-          </a:prstGeom>
-          <a:effectLst>
-            <a:outerShdw blurRad="76200" dist="12700" dir="2700000" sy="-23000" kx="-800400" algn="bl" rotWithShape="0">
-              <a:prstClr val="black">
-                <a:alpha val="20000"/>
-              </a:prstClr>
-            </a:outerShdw>
-          </a:effectLst>
-        </p:spPr>
-        <p:style>
-          <a:lnRef idx="1">
-            <a:schemeClr val="accent6"/>
-          </a:lnRef>
-          <a:fillRef idx="2">
-            <a:schemeClr val="accent6"/>
-          </a:fillRef>
-          <a:effectRef idx="1">
-            <a:schemeClr val="accent6"/>
-          </a:effectRef>
-          <a:fontRef idx="minor">
-            <a:schemeClr val="dk1"/>
-          </a:fontRef>
-        </p:style>
-        <p:txBody>
-          <a:bodyPr wrap="square" rtlCol="0" anchor="ctr">
-            <a:spAutoFit/>
-          </a:bodyPr>
-          <a:lstStyle/>
-          <a:p>
-            <a:pPr algn="ctr"/>
-            <a:r>
-              <a:rPr lang="en-US" sz="7200" dirty="0">
-                <a:solidFill>
-                  <a:schemeClr val="accent5"/>
-                </a:solidFill>
-                <a:latin typeface="Trade Gothic Next Heavy" panose="020F0502020204030204" pitchFamily="34" charset="0"/>
-              </a:rPr>
-              <a:t>003</a:t>
-            </a:r>
-          </a:p>
-        </p:txBody>
-      </p:sp>
       <p:pic>
         <p:nvPicPr>
-          <p:cNvPr id="9" name="Picture 8">
-            <a:extLst>
-              <a:ext uri="{FF2B5EF4-FFF2-40B4-BE49-F238E27FC236}">
-                <a16:creationId xmlns:a16="http://schemas.microsoft.com/office/drawing/2014/main" id="{BB91B3BC-A7E9-795C-615E-2747A3C79E59}"/>
+          <p:cNvPr id="3" name="Picture 2">
+            <a:extLst>
+              <a:ext uri="{FF2B5EF4-FFF2-40B4-BE49-F238E27FC236}">
+                <a16:creationId xmlns:a16="http://schemas.microsoft.com/office/drawing/2014/main" id="{B237E1FF-7FA4-C2F6-B828-778D76B26BEC}"/>
               </a:ext>
             </a:extLst>
           </p:cNvPr>
@@ -7167,92 +7370,6 @@
         </p:nvPicPr>
         <p:blipFill>
           <a:blip r:embed="rId2"/>
-          <a:stretch>
-            <a:fillRect/>
-          </a:stretch>
-        </p:blipFill>
-        <p:spPr>
-          <a:xfrm>
-            <a:off x="172720" y="5574693"/>
-            <a:ext cx="2661920" cy="1088498"/>
-          </a:xfrm>
-          <a:prstGeom prst="roundRect">
-            <a:avLst>
-              <a:gd name="adj" fmla="val 8594"/>
-            </a:avLst>
-          </a:prstGeom>
-          <a:solidFill>
-            <a:srgbClr val="FFFFFF">
-              <a:shade val="85000"/>
-            </a:srgbClr>
-          </a:solidFill>
-          <a:ln>
-            <a:noFill/>
-          </a:ln>
-          <a:effectLst>
-            <a:reflection blurRad="12700" stA="38000" endPos="28000" dist="5000" dir="5400000" sy="-100000" algn="bl" rotWithShape="0"/>
-          </a:effectLst>
-        </p:spPr>
-      </p:pic>
-      <p:sp>
-        <p:nvSpPr>
-          <p:cNvPr id="7" name="Content Placeholder 6">
-            <a:extLst>
-              <a:ext uri="{FF2B5EF4-FFF2-40B4-BE49-F238E27FC236}">
-                <a16:creationId xmlns:a16="http://schemas.microsoft.com/office/drawing/2014/main" id="{B6551868-34DC-0F9A-9179-D8551CBB2B46}"/>
-              </a:ext>
-            </a:extLst>
-          </p:cNvPr>
-          <p:cNvSpPr>
-            <a:spLocks noGrp="1"/>
-          </p:cNvSpPr>
-          <p:nvPr>
-            <p:ph sz="quarter" idx="10"/>
-          </p:nvPr>
-        </p:nvSpPr>
-        <p:spPr>
-          <a:xfrm>
-            <a:off x="3045460" y="5574693"/>
-            <a:ext cx="8750300" cy="1062293"/>
-          </a:xfrm>
-        </p:spPr>
-        <p:txBody>
-          <a:bodyPr anchor="ctr">
-            <a:normAutofit/>
-          </a:bodyPr>
-          <a:lstStyle/>
-          <a:p>
-            <a:r>
-              <a:rPr lang="en-US" sz="4400" b="1" dirty="0">
-                <a:solidFill>
-                  <a:schemeClr val="accent4">
-                    <a:lumMod val="75000"/>
-                  </a:schemeClr>
-                </a:solidFill>
-                <a:latin typeface="72 Black" panose="020B0A04030603020204" pitchFamily="34" charset="0"/>
-                <a:cs typeface="72 Black" panose="020B0A04030603020204" pitchFamily="34" charset="0"/>
-              </a:rPr>
-              <a:t>1. Introduction – First Sample</a:t>
-            </a:r>
-          </a:p>
-        </p:txBody>
-      </p:sp>
-      <p:pic>
-        <p:nvPicPr>
-          <p:cNvPr id="3" name="Picture 2">
-            <a:extLst>
-              <a:ext uri="{FF2B5EF4-FFF2-40B4-BE49-F238E27FC236}">
-                <a16:creationId xmlns:a16="http://schemas.microsoft.com/office/drawing/2014/main" id="{B237E1FF-7FA4-C2F6-B828-778D76B26BEC}"/>
-              </a:ext>
-            </a:extLst>
-          </p:cNvPr>
-          <p:cNvPicPr>
-            <a:picLocks noChangeAspect="1"/>
-          </p:cNvPicPr>
-          <p:nvPr/>
-        </p:nvPicPr>
-        <p:blipFill>
-          <a:blip r:embed="rId3"/>
           <a:stretch>
             <a:fillRect/>
           </a:stretch>
@@ -7291,6 +7408,195 @@
           </a:sp3d>
         </p:spPr>
       </p:pic>
+      <p:sp>
+        <p:nvSpPr>
+          <p:cNvPr id="5" name="Title 4">
+            <a:extLst>
+              <a:ext uri="{FF2B5EF4-FFF2-40B4-BE49-F238E27FC236}">
+                <a16:creationId xmlns:a16="http://schemas.microsoft.com/office/drawing/2014/main" id="{3C265C4B-34A4-06A7-361A-CD8DE288256D}"/>
+              </a:ext>
+            </a:extLst>
+          </p:cNvPr>
+          <p:cNvSpPr>
+            <a:spLocks noGrp="1"/>
+          </p:cNvSpPr>
+          <p:nvPr>
+            <p:ph type="title"/>
+          </p:nvPr>
+        </p:nvSpPr>
+        <p:spPr>
+          <a:xfrm>
+            <a:off x="2174240" y="72887"/>
+            <a:ext cx="9255756" cy="1077003"/>
+          </a:xfrm>
+        </p:spPr>
+        <p:txBody>
+          <a:bodyPr/>
+          <a:lstStyle/>
+          <a:p>
+            <a:pPr algn="ctr"/>
+            <a:r>
+              <a:rPr lang="en-US" dirty="0">
+                <a:solidFill>
+                  <a:schemeClr val="accent4">
+                    <a:lumMod val="75000"/>
+                  </a:schemeClr>
+                </a:solidFill>
+                <a:latin typeface="Aharoni" panose="02010803020104030203" pitchFamily="2" charset="-79"/>
+                <a:cs typeface="Aharoni" panose="02010803020104030203" pitchFamily="2" charset="-79"/>
+              </a:rPr>
+              <a:t>Mastering openpyxl</a:t>
+            </a:r>
+          </a:p>
+        </p:txBody>
+      </p:sp>
+      <p:sp>
+        <p:nvSpPr>
+          <p:cNvPr id="8" name="TextBox 7">
+            <a:extLst>
+              <a:ext uri="{FF2B5EF4-FFF2-40B4-BE49-F238E27FC236}">
+                <a16:creationId xmlns:a16="http://schemas.microsoft.com/office/drawing/2014/main" id="{7B27F947-2888-4BC7-9B20-C115BC483D8A}"/>
+              </a:ext>
+            </a:extLst>
+          </p:cNvPr>
+          <p:cNvSpPr txBox="1"/>
+          <p:nvPr/>
+        </p:nvSpPr>
+        <p:spPr>
+          <a:xfrm>
+            <a:off x="10159" y="19618"/>
+            <a:ext cx="2436707" cy="1446550"/>
+          </a:xfrm>
+          <a:prstGeom prst="rect">
+            <a:avLst/>
+          </a:prstGeom>
+          <a:effectLst>
+            <a:outerShdw blurRad="76200" dist="12700" dir="2700000" sy="-23000" kx="-800400" algn="bl" rotWithShape="0">
+              <a:prstClr val="black">
+                <a:alpha val="20000"/>
+              </a:prstClr>
+            </a:outerShdw>
+          </a:effectLst>
+        </p:spPr>
+        <p:style>
+          <a:lnRef idx="1">
+            <a:schemeClr val="accent6"/>
+          </a:lnRef>
+          <a:fillRef idx="2">
+            <a:schemeClr val="accent6"/>
+          </a:fillRef>
+          <a:effectRef idx="1">
+            <a:schemeClr val="accent6"/>
+          </a:effectRef>
+          <a:fontRef idx="minor">
+            <a:schemeClr val="dk1"/>
+          </a:fontRef>
+        </p:style>
+        <p:txBody>
+          <a:bodyPr wrap="square" rtlCol="0" anchor="ctr">
+            <a:spAutoFit/>
+          </a:bodyPr>
+          <a:lstStyle/>
+          <a:p>
+            <a:pPr algn="ctr"/>
+            <a:r>
+              <a:rPr lang="en-US" sz="8800" dirty="0">
+                <a:solidFill>
+                  <a:schemeClr val="accent5"/>
+                </a:solidFill>
+                <a:latin typeface="Trade Gothic Next Heavy" panose="020F0502020204030204" pitchFamily="34" charset="0"/>
+              </a:rPr>
+              <a:t>003</a:t>
+            </a:r>
+          </a:p>
+        </p:txBody>
+      </p:sp>
+      <p:pic>
+        <p:nvPicPr>
+          <p:cNvPr id="9" name="Picture 8">
+            <a:extLst>
+              <a:ext uri="{FF2B5EF4-FFF2-40B4-BE49-F238E27FC236}">
+                <a16:creationId xmlns:a16="http://schemas.microsoft.com/office/drawing/2014/main" id="{BB91B3BC-A7E9-795C-615E-2747A3C79E59}"/>
+              </a:ext>
+            </a:extLst>
+          </p:cNvPr>
+          <p:cNvPicPr>
+            <a:picLocks noChangeAspect="1"/>
+          </p:cNvPicPr>
+          <p:nvPr/>
+        </p:nvPicPr>
+        <p:blipFill>
+          <a:blip r:embed="rId3"/>
+          <a:stretch>
+            <a:fillRect/>
+          </a:stretch>
+        </p:blipFill>
+        <p:spPr>
+          <a:xfrm>
+            <a:off x="172720" y="5574693"/>
+            <a:ext cx="2661920" cy="1088498"/>
+          </a:xfrm>
+          <a:prstGeom prst="roundRect">
+            <a:avLst>
+              <a:gd name="adj" fmla="val 8594"/>
+            </a:avLst>
+          </a:prstGeom>
+          <a:solidFill>
+            <a:srgbClr val="FFFFFF">
+              <a:shade val="85000"/>
+            </a:srgbClr>
+          </a:solidFill>
+          <a:ln>
+            <a:noFill/>
+          </a:ln>
+          <a:effectLst>
+            <a:reflection blurRad="12700" stA="38000" endPos="28000" dist="5000" dir="5400000" sy="-100000" algn="bl" rotWithShape="0"/>
+          </a:effectLst>
+        </p:spPr>
+      </p:pic>
+      <p:sp>
+        <p:nvSpPr>
+          <p:cNvPr id="7" name="Content Placeholder 6">
+            <a:extLst>
+              <a:ext uri="{FF2B5EF4-FFF2-40B4-BE49-F238E27FC236}">
+                <a16:creationId xmlns:a16="http://schemas.microsoft.com/office/drawing/2014/main" id="{B6551868-34DC-0F9A-9179-D8551CBB2B46}"/>
+              </a:ext>
+            </a:extLst>
+          </p:cNvPr>
+          <p:cNvSpPr>
+            <a:spLocks noGrp="1"/>
+          </p:cNvSpPr>
+          <p:nvPr>
+            <p:ph sz="quarter" idx="10"/>
+          </p:nvPr>
+        </p:nvSpPr>
+        <p:spPr>
+          <a:xfrm>
+            <a:off x="3045460" y="5574693"/>
+            <a:ext cx="8750300" cy="1062293"/>
+          </a:xfrm>
+        </p:spPr>
+        <p:txBody>
+          <a:bodyPr anchor="ctr">
+            <a:normAutofit/>
+          </a:bodyPr>
+          <a:lstStyle/>
+          <a:p>
+            <a:r>
+              <a:rPr lang="en-US" sz="4400" b="1" dirty="0">
+                <a:solidFill>
+                  <a:schemeClr val="accent4">
+                    <a:lumMod val="75000"/>
+                  </a:schemeClr>
+                </a:solidFill>
+                <a:latin typeface="72 Black" panose="020B0A04030603020204" pitchFamily="34" charset="0"/>
+                <a:cs typeface="72 Black" panose="020B0A04030603020204" pitchFamily="34" charset="0"/>
+              </a:rPr>
+              <a:t>1. Introduction – First Sample</a:t>
+            </a:r>
+          </a:p>
+        </p:txBody>
+      </p:sp>
     </p:spTree>
     <p:extLst>
       <p:ext uri="{BB962C8B-B14F-4D97-AF65-F5344CB8AC3E}">
@@ -7305,6 +7611,313 @@
 </file>
 
 <file path=ppt/slides/slide4.xml><?xml version="1.0" encoding="utf-8"?>
+<p:sld xmlns:a="http://schemas.openxmlformats.org/drawingml/2006/main" xmlns:r="http://schemas.openxmlformats.org/officeDocument/2006/relationships" xmlns:p="http://schemas.openxmlformats.org/presentationml/2006/main">
+  <p:cSld>
+    <p:spTree>
+      <p:nvGrpSpPr>
+        <p:cNvPr id="1" name="">
+          <a:extLst>
+            <a:ext uri="{FF2B5EF4-FFF2-40B4-BE49-F238E27FC236}">
+              <a16:creationId xmlns:a16="http://schemas.microsoft.com/office/drawing/2014/main" id="{96293CC8-98AC-C317-99F3-587A6453C1C6}"/>
+            </a:ext>
+          </a:extLst>
+        </p:cNvPr>
+        <p:cNvGrpSpPr/>
+        <p:nvPr/>
+      </p:nvGrpSpPr>
+      <p:grpSpPr>
+        <a:xfrm>
+          <a:off x="0" y="0"/>
+          <a:ext cx="0" cy="0"/>
+          <a:chOff x="0" y="0"/>
+          <a:chExt cx="0" cy="0"/>
+        </a:xfrm>
+      </p:grpSpPr>
+      <p:pic>
+        <p:nvPicPr>
+          <p:cNvPr id="4" name="Picture 3">
+            <a:extLst>
+              <a:ext uri="{FF2B5EF4-FFF2-40B4-BE49-F238E27FC236}">
+                <a16:creationId xmlns:a16="http://schemas.microsoft.com/office/drawing/2014/main" id="{7074A87B-8ACB-FBD0-065C-87B94803BEA4}"/>
+              </a:ext>
+            </a:extLst>
+          </p:cNvPr>
+          <p:cNvPicPr>
+            <a:picLocks noChangeAspect="1"/>
+          </p:cNvPicPr>
+          <p:nvPr/>
+        </p:nvPicPr>
+        <p:blipFill>
+          <a:blip r:embed="rId2"/>
+          <a:stretch>
+            <a:fillRect/>
+          </a:stretch>
+        </p:blipFill>
+        <p:spPr>
+          <a:xfrm>
+            <a:off x="172720" y="487864"/>
+            <a:ext cx="10401300" cy="5374138"/>
+          </a:xfrm>
+          <a:prstGeom prst="roundRect">
+            <a:avLst>
+              <a:gd name="adj" fmla="val 16667"/>
+            </a:avLst>
+          </a:prstGeom>
+          <a:ln>
+            <a:noFill/>
+          </a:ln>
+          <a:effectLst>
+            <a:outerShdw blurRad="152400" dist="12000" dir="900000" sy="98000" kx="110000" ky="200000" algn="tl" rotWithShape="0">
+              <a:srgbClr val="000000">
+                <a:alpha val="30000"/>
+              </a:srgbClr>
+            </a:outerShdw>
+          </a:effectLst>
+          <a:scene3d>
+            <a:camera prst="perspectiveRelaxed">
+              <a:rot lat="19800000" lon="1200000" rev="20820000"/>
+            </a:camera>
+            <a:lightRig rig="threePt" dir="t"/>
+          </a:scene3d>
+          <a:sp3d contourW="6350" prstMaterial="matte">
+            <a:bevelT w="101600" h="101600"/>
+            <a:contourClr>
+              <a:srgbClr val="969696"/>
+            </a:contourClr>
+          </a:sp3d>
+        </p:spPr>
+      </p:pic>
+      <p:sp>
+        <p:nvSpPr>
+          <p:cNvPr id="5" name="Title 4">
+            <a:extLst>
+              <a:ext uri="{FF2B5EF4-FFF2-40B4-BE49-F238E27FC236}">
+                <a16:creationId xmlns:a16="http://schemas.microsoft.com/office/drawing/2014/main" id="{52C9194E-650D-A1E7-128B-F572C734479B}"/>
+              </a:ext>
+            </a:extLst>
+          </p:cNvPr>
+          <p:cNvSpPr>
+            <a:spLocks noGrp="1"/>
+          </p:cNvSpPr>
+          <p:nvPr>
+            <p:ph type="title"/>
+          </p:nvPr>
+        </p:nvSpPr>
+        <p:spPr>
+          <a:xfrm>
+            <a:off x="2174240" y="72887"/>
+            <a:ext cx="9255756" cy="1077003"/>
+          </a:xfrm>
+        </p:spPr>
+        <p:txBody>
+          <a:bodyPr/>
+          <a:lstStyle/>
+          <a:p>
+            <a:pPr algn="ctr"/>
+            <a:r>
+              <a:rPr lang="en-US" dirty="0">
+                <a:solidFill>
+                  <a:schemeClr val="accent4">
+                    <a:lumMod val="75000"/>
+                  </a:schemeClr>
+                </a:solidFill>
+                <a:latin typeface="Aharoni" panose="02010803020104030203" pitchFamily="2" charset="-79"/>
+                <a:cs typeface="Aharoni" panose="02010803020104030203" pitchFamily="2" charset="-79"/>
+              </a:rPr>
+              <a:t>Mastering openpyxl</a:t>
+            </a:r>
+          </a:p>
+        </p:txBody>
+      </p:sp>
+      <p:sp>
+        <p:nvSpPr>
+          <p:cNvPr id="8" name="TextBox 7">
+            <a:extLst>
+              <a:ext uri="{FF2B5EF4-FFF2-40B4-BE49-F238E27FC236}">
+                <a16:creationId xmlns:a16="http://schemas.microsoft.com/office/drawing/2014/main" id="{41270352-951D-5758-0CAA-F35021F3F2FF}"/>
+              </a:ext>
+            </a:extLst>
+          </p:cNvPr>
+          <p:cNvSpPr txBox="1"/>
+          <p:nvPr/>
+        </p:nvSpPr>
+        <p:spPr>
+          <a:xfrm>
+            <a:off x="0" y="4859"/>
+            <a:ext cx="2336800" cy="1446550"/>
+          </a:xfrm>
+          <a:prstGeom prst="rect">
+            <a:avLst/>
+          </a:prstGeom>
+          <a:effectLst>
+            <a:outerShdw blurRad="76200" dist="12700" dir="2700000" sy="-23000" kx="-800400" algn="bl" rotWithShape="0">
+              <a:prstClr val="black">
+                <a:alpha val="20000"/>
+              </a:prstClr>
+            </a:outerShdw>
+          </a:effectLst>
+        </p:spPr>
+        <p:style>
+          <a:lnRef idx="1">
+            <a:schemeClr val="accent6"/>
+          </a:lnRef>
+          <a:fillRef idx="2">
+            <a:schemeClr val="accent6"/>
+          </a:fillRef>
+          <a:effectRef idx="1">
+            <a:schemeClr val="accent6"/>
+          </a:effectRef>
+          <a:fontRef idx="minor">
+            <a:schemeClr val="dk1"/>
+          </a:fontRef>
+        </p:style>
+        <p:txBody>
+          <a:bodyPr wrap="square" rtlCol="0" anchor="ctr">
+            <a:spAutoFit/>
+          </a:bodyPr>
+          <a:lstStyle/>
+          <a:p>
+            <a:pPr algn="ctr"/>
+            <a:r>
+              <a:rPr lang="en-US" sz="8800" dirty="0">
+                <a:solidFill>
+                  <a:schemeClr val="accent5"/>
+                </a:solidFill>
+                <a:latin typeface="Trade Gothic Next Heavy" panose="020F0502020204030204" pitchFamily="34" charset="0"/>
+              </a:rPr>
+              <a:t>004</a:t>
+            </a:r>
+          </a:p>
+        </p:txBody>
+      </p:sp>
+      <p:pic>
+        <p:nvPicPr>
+          <p:cNvPr id="9" name="Picture 8">
+            <a:extLst>
+              <a:ext uri="{FF2B5EF4-FFF2-40B4-BE49-F238E27FC236}">
+                <a16:creationId xmlns:a16="http://schemas.microsoft.com/office/drawing/2014/main" id="{82DAD431-02E9-79BE-5683-E1309F29A7CC}"/>
+              </a:ext>
+            </a:extLst>
+          </p:cNvPr>
+          <p:cNvPicPr>
+            <a:picLocks noChangeAspect="1"/>
+          </p:cNvPicPr>
+          <p:nvPr/>
+        </p:nvPicPr>
+        <p:blipFill>
+          <a:blip r:embed="rId3"/>
+          <a:stretch>
+            <a:fillRect/>
+          </a:stretch>
+        </p:blipFill>
+        <p:spPr>
+          <a:xfrm>
+            <a:off x="172720" y="5574693"/>
+            <a:ext cx="2661920" cy="1088498"/>
+          </a:xfrm>
+          <a:prstGeom prst="roundRect">
+            <a:avLst>
+              <a:gd name="adj" fmla="val 8594"/>
+            </a:avLst>
+          </a:prstGeom>
+          <a:solidFill>
+            <a:srgbClr val="FFFFFF">
+              <a:shade val="85000"/>
+            </a:srgbClr>
+          </a:solidFill>
+          <a:ln>
+            <a:noFill/>
+          </a:ln>
+          <a:effectLst>
+            <a:reflection blurRad="12700" stA="38000" endPos="28000" dist="5000" dir="5400000" sy="-100000" algn="bl" rotWithShape="0"/>
+          </a:effectLst>
+        </p:spPr>
+      </p:pic>
+      <p:sp>
+        <p:nvSpPr>
+          <p:cNvPr id="7" name="Content Placeholder 6">
+            <a:extLst>
+              <a:ext uri="{FF2B5EF4-FFF2-40B4-BE49-F238E27FC236}">
+                <a16:creationId xmlns:a16="http://schemas.microsoft.com/office/drawing/2014/main" id="{B28C6902-78D9-0654-29CE-ED04ACD1FEFD}"/>
+              </a:ext>
+            </a:extLst>
+          </p:cNvPr>
+          <p:cNvSpPr>
+            <a:spLocks noGrp="1"/>
+          </p:cNvSpPr>
+          <p:nvPr>
+            <p:ph sz="quarter" idx="10"/>
+          </p:nvPr>
+        </p:nvSpPr>
+        <p:spPr>
+          <a:xfrm>
+            <a:off x="3032760" y="5076647"/>
+            <a:ext cx="8750300" cy="1781353"/>
+          </a:xfrm>
+        </p:spPr>
+        <p:style>
+          <a:lnRef idx="1">
+            <a:schemeClr val="accent3"/>
+          </a:lnRef>
+          <a:fillRef idx="2">
+            <a:schemeClr val="accent3"/>
+          </a:fillRef>
+          <a:effectRef idx="1">
+            <a:schemeClr val="accent3"/>
+          </a:effectRef>
+          <a:fontRef idx="minor">
+            <a:schemeClr val="dk1"/>
+          </a:fontRef>
+        </p:style>
+        <p:txBody>
+          <a:bodyPr anchor="ctr">
+            <a:normAutofit fontScale="85000" lnSpcReduction="10000"/>
+          </a:bodyPr>
+          <a:lstStyle/>
+          <a:p>
+            <a:r>
+              <a:rPr lang="en-US" sz="4400" b="1" dirty="0">
+                <a:solidFill>
+                  <a:schemeClr val="accent4">
+                    <a:lumMod val="75000"/>
+                  </a:schemeClr>
+                </a:solidFill>
+                <a:latin typeface="72 Black" panose="020B0A04030603020204" pitchFamily="34" charset="0"/>
+                <a:cs typeface="72 Black" panose="020B0A04030603020204" pitchFamily="34" charset="0"/>
+              </a:rPr>
+              <a:t>2. Workbook and Worksheet Objects</a:t>
+            </a:r>
+          </a:p>
+          <a:p>
+            <a:r>
+              <a:rPr lang="en-US" sz="4400" b="1" dirty="0">
+                <a:solidFill>
+                  <a:schemeClr val="accent4">
+                    <a:lumMod val="75000"/>
+                  </a:schemeClr>
+                </a:solidFill>
+                <a:latin typeface="72 Black" panose="020B0A04030603020204" pitchFamily="34" charset="0"/>
+                <a:cs typeface="72 Black" panose="020B0A04030603020204" pitchFamily="34" charset="0"/>
+              </a:rPr>
+              <a:t>2.1 Creating Workbooks</a:t>
+            </a:r>
+          </a:p>
+        </p:txBody>
+      </p:sp>
+    </p:spTree>
+    <p:extLst>
+      <p:ext uri="{BB962C8B-B14F-4D97-AF65-F5344CB8AC3E}">
+        <p14:creationId xmlns:p14="http://schemas.microsoft.com/office/powerpoint/2010/main" val="2249157203"/>
+      </p:ext>
+    </p:extLst>
+  </p:cSld>
+  <p:clrMapOvr>
+    <a:masterClrMapping/>
+  </p:clrMapOvr>
+</p:sld>
+</file>
+
+<file path=ppt/slides/slide5.xml><?xml version="1.0" encoding="utf-8"?>
 <p:sld xmlns:a="http://schemas.openxmlformats.org/drawingml/2006/main" xmlns:r="http://schemas.openxmlformats.org/officeDocument/2006/relationships" xmlns:p="http://schemas.openxmlformats.org/presentationml/2006/main">
   <p:cSld>
     <p:spTree>

--- a/openpyxl/Mastering_Python’s_openpyxl.pptx
+++ b/openpyxl/Mastering_Python’s_openpyxl.pptx
@@ -5,14 +5,15 @@
     <p:sldMasterId id="2147483671" r:id="rId4"/>
   </p:sldMasterIdLst>
   <p:notesMasterIdLst>
-    <p:notesMasterId r:id="rId10"/>
+    <p:notesMasterId r:id="rId11"/>
   </p:notesMasterIdLst>
   <p:sldIdLst>
     <p:sldId id="320" r:id="rId5"/>
     <p:sldId id="322" r:id="rId6"/>
     <p:sldId id="323" r:id="rId7"/>
     <p:sldId id="324" r:id="rId8"/>
-    <p:sldId id="321" r:id="rId9"/>
+    <p:sldId id="325" r:id="rId9"/>
+    <p:sldId id="321" r:id="rId10"/>
   </p:sldIdLst>
   <p:sldSz cx="12192000" cy="6858000"/>
   <p:notesSz cx="6858000" cy="9144000"/>
@@ -123,11 +124,12 @@
           <p14:sldIdLst>
             <p14:sldId id="322"/>
             <p14:sldId id="323"/>
-            <p14:sldId id="324"/>
           </p14:sldIdLst>
         </p14:section>
         <p14:section name="ch2_wb-&amp;-ws" id="{04CB4299-6CCE-4778-AFDE-44CB65391529}">
           <p14:sldIdLst>
+            <p14:sldId id="324"/>
+            <p14:sldId id="325"/>
             <p14:sldId id="321"/>
           </p14:sldIdLst>
         </p14:section>
@@ -7918,6 +7920,337 @@
 </file>
 
 <file path=ppt/slides/slide5.xml><?xml version="1.0" encoding="utf-8"?>
+<p:sld xmlns:a="http://schemas.openxmlformats.org/drawingml/2006/main" xmlns:r="http://schemas.openxmlformats.org/officeDocument/2006/relationships" xmlns:p="http://schemas.openxmlformats.org/presentationml/2006/main">
+  <p:cSld>
+    <p:spTree>
+      <p:nvGrpSpPr>
+        <p:cNvPr id="1" name="">
+          <a:extLst>
+            <a:ext uri="{FF2B5EF4-FFF2-40B4-BE49-F238E27FC236}">
+              <a16:creationId xmlns:a16="http://schemas.microsoft.com/office/drawing/2014/main" id="{8CD77605-BA9D-05C7-E244-8F97BC450C18}"/>
+            </a:ext>
+          </a:extLst>
+        </p:cNvPr>
+        <p:cNvGrpSpPr/>
+        <p:nvPr/>
+      </p:nvGrpSpPr>
+      <p:grpSpPr>
+        <a:xfrm>
+          <a:off x="0" y="0"/>
+          <a:ext cx="0" cy="0"/>
+          <a:chOff x="0" y="0"/>
+          <a:chExt cx="0" cy="0"/>
+        </a:xfrm>
+      </p:grpSpPr>
+      <p:pic>
+        <p:nvPicPr>
+          <p:cNvPr id="3" name="Picture 2">
+            <a:extLst>
+              <a:ext uri="{FF2B5EF4-FFF2-40B4-BE49-F238E27FC236}">
+                <a16:creationId xmlns:a16="http://schemas.microsoft.com/office/drawing/2014/main" id="{1274F6ED-383A-8020-8FA2-E0FD2FEE9304}"/>
+              </a:ext>
+            </a:extLst>
+          </p:cNvPr>
+          <p:cNvPicPr>
+            <a:picLocks noChangeAspect="1"/>
+          </p:cNvPicPr>
+          <p:nvPr/>
+        </p:nvPicPr>
+        <p:blipFill>
+          <a:blip r:embed="rId2"/>
+          <a:stretch>
+            <a:fillRect/>
+          </a:stretch>
+        </p:blipFill>
+        <p:spPr>
+          <a:xfrm>
+            <a:off x="512623" y="441933"/>
+            <a:ext cx="9583487" cy="5742967"/>
+          </a:xfrm>
+          <a:prstGeom prst="roundRect">
+            <a:avLst>
+              <a:gd name="adj" fmla="val 16667"/>
+            </a:avLst>
+          </a:prstGeom>
+          <a:ln>
+            <a:noFill/>
+          </a:ln>
+          <a:effectLst>
+            <a:outerShdw blurRad="152400" dist="12000" dir="900000" sy="98000" kx="110000" ky="200000" algn="tl" rotWithShape="0">
+              <a:srgbClr val="000000">
+                <a:alpha val="30000"/>
+              </a:srgbClr>
+            </a:outerShdw>
+          </a:effectLst>
+          <a:scene3d>
+            <a:camera prst="perspectiveRelaxed">
+              <a:rot lat="19800000" lon="1200000" rev="20820000"/>
+            </a:camera>
+            <a:lightRig rig="threePt" dir="t"/>
+          </a:scene3d>
+          <a:sp3d contourW="6350" prstMaterial="matte">
+            <a:bevelT w="101600" h="101600"/>
+            <a:contourClr>
+              <a:srgbClr val="969696"/>
+            </a:contourClr>
+          </a:sp3d>
+        </p:spPr>
+      </p:pic>
+      <p:sp>
+        <p:nvSpPr>
+          <p:cNvPr id="5" name="Title 4">
+            <a:extLst>
+              <a:ext uri="{FF2B5EF4-FFF2-40B4-BE49-F238E27FC236}">
+                <a16:creationId xmlns:a16="http://schemas.microsoft.com/office/drawing/2014/main" id="{0EF718ED-BB73-6F7F-372B-E50F3542CA90}"/>
+              </a:ext>
+            </a:extLst>
+          </p:cNvPr>
+          <p:cNvSpPr>
+            <a:spLocks noGrp="1"/>
+          </p:cNvSpPr>
+          <p:nvPr>
+            <p:ph type="title"/>
+          </p:nvPr>
+        </p:nvSpPr>
+        <p:spPr>
+          <a:xfrm>
+            <a:off x="2174240" y="72887"/>
+            <a:ext cx="9255756" cy="1077003"/>
+          </a:xfrm>
+        </p:spPr>
+        <p:txBody>
+          <a:bodyPr/>
+          <a:lstStyle/>
+          <a:p>
+            <a:pPr algn="ctr"/>
+            <a:r>
+              <a:rPr lang="en-US" dirty="0">
+                <a:solidFill>
+                  <a:schemeClr val="accent4">
+                    <a:lumMod val="75000"/>
+                  </a:schemeClr>
+                </a:solidFill>
+                <a:latin typeface="Aharoni" panose="02010803020104030203" pitchFamily="2" charset="-79"/>
+                <a:cs typeface="Aharoni" panose="02010803020104030203" pitchFamily="2" charset="-79"/>
+              </a:rPr>
+              <a:t>Mastering openpyxl</a:t>
+            </a:r>
+          </a:p>
+        </p:txBody>
+      </p:sp>
+      <p:sp>
+        <p:nvSpPr>
+          <p:cNvPr id="8" name="TextBox 7">
+            <a:extLst>
+              <a:ext uri="{FF2B5EF4-FFF2-40B4-BE49-F238E27FC236}">
+                <a16:creationId xmlns:a16="http://schemas.microsoft.com/office/drawing/2014/main" id="{990211CD-F11D-8290-76FF-CE84AF517F6A}"/>
+              </a:ext>
+            </a:extLst>
+          </p:cNvPr>
+          <p:cNvSpPr txBox="1"/>
+          <p:nvPr/>
+        </p:nvSpPr>
+        <p:spPr>
+          <a:xfrm>
+            <a:off x="0" y="4859"/>
+            <a:ext cx="2336800" cy="1446550"/>
+          </a:xfrm>
+          <a:prstGeom prst="rect">
+            <a:avLst/>
+          </a:prstGeom>
+          <a:effectLst>
+            <a:outerShdw blurRad="76200" dist="12700" dir="2700000" sy="-23000" kx="-800400" algn="bl" rotWithShape="0">
+              <a:prstClr val="black">
+                <a:alpha val="20000"/>
+              </a:prstClr>
+            </a:outerShdw>
+          </a:effectLst>
+        </p:spPr>
+        <p:style>
+          <a:lnRef idx="1">
+            <a:schemeClr val="accent6"/>
+          </a:lnRef>
+          <a:fillRef idx="2">
+            <a:schemeClr val="accent6"/>
+          </a:fillRef>
+          <a:effectRef idx="1">
+            <a:schemeClr val="accent6"/>
+          </a:effectRef>
+          <a:fontRef idx="minor">
+            <a:schemeClr val="dk1"/>
+          </a:fontRef>
+        </p:style>
+        <p:txBody>
+          <a:bodyPr wrap="square" rtlCol="0" anchor="ctr">
+            <a:spAutoFit/>
+          </a:bodyPr>
+          <a:lstStyle/>
+          <a:p>
+            <a:pPr algn="ctr"/>
+            <a:r>
+              <a:rPr lang="en-US" sz="8800" dirty="0">
+                <a:solidFill>
+                  <a:schemeClr val="accent5"/>
+                </a:solidFill>
+                <a:latin typeface="Trade Gothic Next Heavy" panose="020F0502020204030204" pitchFamily="34" charset="0"/>
+              </a:rPr>
+              <a:t>005</a:t>
+            </a:r>
+          </a:p>
+        </p:txBody>
+      </p:sp>
+      <p:pic>
+        <p:nvPicPr>
+          <p:cNvPr id="9" name="Picture 8">
+            <a:extLst>
+              <a:ext uri="{FF2B5EF4-FFF2-40B4-BE49-F238E27FC236}">
+                <a16:creationId xmlns:a16="http://schemas.microsoft.com/office/drawing/2014/main" id="{B9F7F6CF-D730-32A1-E5E9-66C14E418F9B}"/>
+              </a:ext>
+            </a:extLst>
+          </p:cNvPr>
+          <p:cNvPicPr>
+            <a:picLocks noChangeAspect="1"/>
+          </p:cNvPicPr>
+          <p:nvPr/>
+        </p:nvPicPr>
+        <p:blipFill>
+          <a:blip r:embed="rId3"/>
+          <a:stretch>
+            <a:fillRect/>
+          </a:stretch>
+        </p:blipFill>
+        <p:spPr>
+          <a:xfrm>
+            <a:off x="172720" y="5574693"/>
+            <a:ext cx="2661920" cy="1088498"/>
+          </a:xfrm>
+          <a:prstGeom prst="roundRect">
+            <a:avLst>
+              <a:gd name="adj" fmla="val 8594"/>
+            </a:avLst>
+          </a:prstGeom>
+          <a:solidFill>
+            <a:srgbClr val="FFFFFF">
+              <a:shade val="85000"/>
+            </a:srgbClr>
+          </a:solidFill>
+          <a:ln>
+            <a:noFill/>
+          </a:ln>
+          <a:effectLst>
+            <a:reflection blurRad="12700" stA="38000" endPos="28000" dist="5000" dir="5400000" sy="-100000" algn="bl" rotWithShape="0"/>
+          </a:effectLst>
+        </p:spPr>
+      </p:pic>
+      <p:sp>
+        <p:nvSpPr>
+          <p:cNvPr id="7" name="Content Placeholder 6">
+            <a:extLst>
+              <a:ext uri="{FF2B5EF4-FFF2-40B4-BE49-F238E27FC236}">
+                <a16:creationId xmlns:a16="http://schemas.microsoft.com/office/drawing/2014/main" id="{845647B9-32D5-0E73-0854-941E53892764}"/>
+              </a:ext>
+            </a:extLst>
+          </p:cNvPr>
+          <p:cNvSpPr>
+            <a:spLocks noGrp="1"/>
+          </p:cNvSpPr>
+          <p:nvPr>
+            <p:ph sz="quarter" idx="10"/>
+          </p:nvPr>
+        </p:nvSpPr>
+        <p:spPr>
+          <a:xfrm>
+            <a:off x="3032760" y="5076647"/>
+            <a:ext cx="8750300" cy="1781353"/>
+          </a:xfrm>
+        </p:spPr>
+        <p:style>
+          <a:lnRef idx="1">
+            <a:schemeClr val="accent3"/>
+          </a:lnRef>
+          <a:fillRef idx="2">
+            <a:schemeClr val="accent3"/>
+          </a:fillRef>
+          <a:effectRef idx="1">
+            <a:schemeClr val="accent3"/>
+          </a:effectRef>
+          <a:fontRef idx="minor">
+            <a:schemeClr val="dk1"/>
+          </a:fontRef>
+        </p:style>
+        <p:txBody>
+          <a:bodyPr anchor="ctr">
+            <a:normAutofit fontScale="85000" lnSpcReduction="10000"/>
+          </a:bodyPr>
+          <a:lstStyle/>
+          <a:p>
+            <a:r>
+              <a:rPr lang="en-US" sz="4400" b="1" dirty="0">
+                <a:solidFill>
+                  <a:schemeClr val="accent4">
+                    <a:lumMod val="75000"/>
+                  </a:schemeClr>
+                </a:solidFill>
+                <a:latin typeface="72 Black" panose="020B0A04030603020204" pitchFamily="34" charset="0"/>
+                <a:cs typeface="72 Black" panose="020B0A04030603020204" pitchFamily="34" charset="0"/>
+              </a:rPr>
+              <a:t>2. Workbook and Worksheet Objects</a:t>
+            </a:r>
+          </a:p>
+          <a:p>
+            <a:r>
+              <a:rPr lang="en-US" sz="4400" b="1" dirty="0">
+                <a:solidFill>
+                  <a:schemeClr val="accent4">
+                    <a:lumMod val="75000"/>
+                  </a:schemeClr>
+                </a:solidFill>
+                <a:latin typeface="72 Black" panose="020B0A04030603020204" pitchFamily="34" charset="0"/>
+                <a:cs typeface="72 Black" panose="020B0A04030603020204" pitchFamily="34" charset="0"/>
+              </a:rPr>
+              <a:t>2.2 </a:t>
+            </a:r>
+            <a:r>
+              <a:rPr lang="en-US" altLang="zh-CN" sz="4400" b="1" dirty="0">
+                <a:solidFill>
+                  <a:schemeClr val="accent4">
+                    <a:lumMod val="75000"/>
+                  </a:schemeClr>
+                </a:solidFill>
+                <a:latin typeface="72 Black" panose="020B0A04030603020204" pitchFamily="34" charset="0"/>
+                <a:cs typeface="72 Black" panose="020B0A04030603020204" pitchFamily="34" charset="0"/>
+              </a:rPr>
+              <a:t>Accessing</a:t>
+            </a:r>
+            <a:r>
+              <a:rPr lang="en-US" sz="4400" b="1" dirty="0">
+                <a:solidFill>
+                  <a:schemeClr val="accent4">
+                    <a:lumMod val="75000"/>
+                  </a:schemeClr>
+                </a:solidFill>
+                <a:latin typeface="72 Black" panose="020B0A04030603020204" pitchFamily="34" charset="0"/>
+                <a:cs typeface="72 Black" panose="020B0A04030603020204" pitchFamily="34" charset="0"/>
+              </a:rPr>
+              <a:t> Worksheets</a:t>
+            </a:r>
+          </a:p>
+        </p:txBody>
+      </p:sp>
+    </p:spTree>
+    <p:extLst>
+      <p:ext uri="{BB962C8B-B14F-4D97-AF65-F5344CB8AC3E}">
+        <p14:creationId xmlns:p14="http://schemas.microsoft.com/office/powerpoint/2010/main" val="3338213904"/>
+      </p:ext>
+    </p:extLst>
+  </p:cSld>
+  <p:clrMapOvr>
+    <a:masterClrMapping/>
+  </p:clrMapOvr>
+</p:sld>
+</file>
+
+<file path=ppt/slides/slide6.xml><?xml version="1.0" encoding="utf-8"?>
 <p:sld xmlns:a="http://schemas.openxmlformats.org/drawingml/2006/main" xmlns:r="http://schemas.openxmlformats.org/officeDocument/2006/relationships" xmlns:p="http://schemas.openxmlformats.org/presentationml/2006/main">
   <p:cSld>
     <p:spTree>

--- a/openpyxl/Mastering_Python’s_openpyxl.pptx
+++ b/openpyxl/Mastering_Python’s_openpyxl.pptx
@@ -5,15 +5,16 @@
     <p:sldMasterId id="2147483671" r:id="rId4"/>
   </p:sldMasterIdLst>
   <p:notesMasterIdLst>
-    <p:notesMasterId r:id="rId11"/>
+    <p:notesMasterId r:id="rId12"/>
   </p:notesMasterIdLst>
   <p:sldIdLst>
     <p:sldId id="320" r:id="rId5"/>
     <p:sldId id="322" r:id="rId6"/>
     <p:sldId id="323" r:id="rId7"/>
-    <p:sldId id="324" r:id="rId8"/>
-    <p:sldId id="325" r:id="rId9"/>
-    <p:sldId id="321" r:id="rId10"/>
+    <p:sldId id="326" r:id="rId8"/>
+    <p:sldId id="324" r:id="rId9"/>
+    <p:sldId id="325" r:id="rId10"/>
+    <p:sldId id="321" r:id="rId11"/>
   </p:sldIdLst>
   <p:sldSz cx="12192000" cy="6858000"/>
   <p:notesSz cx="6858000" cy="9144000"/>
@@ -124,6 +125,7 @@
           <p14:sldIdLst>
             <p14:sldId id="322"/>
             <p14:sldId id="323"/>
+            <p14:sldId id="326"/>
           </p14:sldIdLst>
         </p14:section>
         <p14:section name="ch2_wb-&amp;-ws" id="{04CB4299-6CCE-4778-AFDE-44CB65391529}">
@@ -7620,7 +7622,7 @@
         <p:cNvPr id="1" name="">
           <a:extLst>
             <a:ext uri="{FF2B5EF4-FFF2-40B4-BE49-F238E27FC236}">
-              <a16:creationId xmlns:a16="http://schemas.microsoft.com/office/drawing/2014/main" id="{96293CC8-98AC-C317-99F3-587A6453C1C6}"/>
+              <a16:creationId xmlns:a16="http://schemas.microsoft.com/office/drawing/2014/main" id="{DCB245FF-35D8-A612-3794-538AFE5FE38B}"/>
             </a:ext>
           </a:extLst>
         </p:cNvPr>
@@ -7637,10 +7639,10 @@
       </p:grpSpPr>
       <p:pic>
         <p:nvPicPr>
-          <p:cNvPr id="4" name="Picture 3">
-            <a:extLst>
-              <a:ext uri="{FF2B5EF4-FFF2-40B4-BE49-F238E27FC236}">
-                <a16:creationId xmlns:a16="http://schemas.microsoft.com/office/drawing/2014/main" id="{7074A87B-8ACB-FBD0-065C-87B94803BEA4}"/>
+          <p:cNvPr id="6" name="Picture 5">
+            <a:extLst>
+              <a:ext uri="{FF2B5EF4-FFF2-40B4-BE49-F238E27FC236}">
+                <a16:creationId xmlns:a16="http://schemas.microsoft.com/office/drawing/2014/main" id="{CE7C68A0-3860-8D58-6187-6184BE81F6C1}"/>
               </a:ext>
             </a:extLst>
           </p:cNvPr>
@@ -7657,8 +7659,8 @@
         </p:blipFill>
         <p:spPr>
           <a:xfrm>
-            <a:off x="172720" y="487864"/>
-            <a:ext cx="10401300" cy="5374138"/>
+            <a:off x="172720" y="487273"/>
+            <a:ext cx="10424160" cy="5087420"/>
           </a:xfrm>
           <a:prstGeom prst="roundRect">
             <a:avLst>
@@ -7694,7 +7696,7 @@
           <p:cNvPr id="5" name="Title 4">
             <a:extLst>
               <a:ext uri="{FF2B5EF4-FFF2-40B4-BE49-F238E27FC236}">
-                <a16:creationId xmlns:a16="http://schemas.microsoft.com/office/drawing/2014/main" id="{52C9194E-650D-A1E7-128B-F572C734479B}"/>
+                <a16:creationId xmlns:a16="http://schemas.microsoft.com/office/drawing/2014/main" id="{2DB2BC73-E5E2-BFBD-75AA-0042168CC526}"/>
               </a:ext>
             </a:extLst>
           </p:cNvPr>
@@ -7736,7 +7738,7 @@
           <p:cNvPr id="8" name="TextBox 7">
             <a:extLst>
               <a:ext uri="{FF2B5EF4-FFF2-40B4-BE49-F238E27FC236}">
-                <a16:creationId xmlns:a16="http://schemas.microsoft.com/office/drawing/2014/main" id="{41270352-951D-5758-0CAA-F35021F3F2FF}"/>
+                <a16:creationId xmlns:a16="http://schemas.microsoft.com/office/drawing/2014/main" id="{40F721AC-B560-6F2E-4EE4-1BDCE2351F07}"/>
               </a:ext>
             </a:extLst>
           </p:cNvPr>
@@ -7745,8 +7747,8 @@
         </p:nvSpPr>
         <p:spPr>
           <a:xfrm>
-            <a:off x="0" y="4859"/>
-            <a:ext cx="2336800" cy="1446550"/>
+            <a:off x="10159" y="19618"/>
+            <a:ext cx="2436707" cy="1446550"/>
           </a:xfrm>
           <a:prstGeom prst="rect">
             <a:avLst/>
@@ -7797,7 +7799,7 @@
           <p:cNvPr id="9" name="Picture 8">
             <a:extLst>
               <a:ext uri="{FF2B5EF4-FFF2-40B4-BE49-F238E27FC236}">
-                <a16:creationId xmlns:a16="http://schemas.microsoft.com/office/drawing/2014/main" id="{82DAD431-02E9-79BE-5683-E1309F29A7CC}"/>
+                <a16:creationId xmlns:a16="http://schemas.microsoft.com/office/drawing/2014/main" id="{5B3720E0-7D2C-3C3E-35CC-EE8519E02BEF}"/>
               </a:ext>
             </a:extLst>
           </p:cNvPr>
@@ -7840,7 +7842,7 @@
           <p:cNvPr id="7" name="Content Placeholder 6">
             <a:extLst>
               <a:ext uri="{FF2B5EF4-FFF2-40B4-BE49-F238E27FC236}">
-                <a16:creationId xmlns:a16="http://schemas.microsoft.com/office/drawing/2014/main" id="{B28C6902-78D9-0654-29CE-ED04ACD1FEFD}"/>
+                <a16:creationId xmlns:a16="http://schemas.microsoft.com/office/drawing/2014/main" id="{7F05CEA0-1C58-A478-54CF-6A4CE820B0A9}"/>
               </a:ext>
             </a:extLst>
           </p:cNvPr>
@@ -7853,9 +7855,72 @@
         </p:nvSpPr>
         <p:spPr>
           <a:xfrm>
-            <a:off x="3032760" y="5076647"/>
-            <a:ext cx="8750300" cy="1781353"/>
-          </a:xfrm>
+            <a:off x="3045460" y="5574693"/>
+            <a:ext cx="8750300" cy="1062293"/>
+          </a:xfrm>
+        </p:spPr>
+        <p:txBody>
+          <a:bodyPr anchor="ctr">
+            <a:normAutofit/>
+          </a:bodyPr>
+          <a:lstStyle/>
+          <a:p>
+            <a:r>
+              <a:rPr lang="en-US" sz="4400" b="1" dirty="0">
+                <a:solidFill>
+                  <a:schemeClr val="accent4">
+                    <a:lumMod val="75000"/>
+                  </a:schemeClr>
+                </a:solidFill>
+                <a:latin typeface="72 Black" panose="020B0A04030603020204" pitchFamily="34" charset="0"/>
+                <a:cs typeface="72 Black" panose="020B0A04030603020204" pitchFamily="34" charset="0"/>
+              </a:rPr>
+              <a:t>1. Introduction – First </a:t>
+            </a:r>
+            <a:r>
+              <a:rPr lang="en-US" altLang="zh-CN" sz="4400" b="1" dirty="0">
+                <a:solidFill>
+                  <a:schemeClr val="accent4">
+                    <a:lumMod val="75000"/>
+                  </a:schemeClr>
+                </a:solidFill>
+                <a:latin typeface="72 Black" panose="020B0A04030603020204" pitchFamily="34" charset="0"/>
+                <a:cs typeface="72 Black" panose="020B0A04030603020204" pitchFamily="34" charset="0"/>
+              </a:rPr>
+              <a:t>Exercise</a:t>
+            </a:r>
+            <a:endParaRPr lang="en-US" sz="4400" b="1" dirty="0">
+              <a:solidFill>
+                <a:schemeClr val="accent4">
+                  <a:lumMod val="75000"/>
+                </a:schemeClr>
+              </a:solidFill>
+              <a:latin typeface="72 Black" panose="020B0A04030603020204" pitchFamily="34" charset="0"/>
+              <a:cs typeface="72 Black" panose="020B0A04030603020204" pitchFamily="34" charset="0"/>
+            </a:endParaRPr>
+          </a:p>
+        </p:txBody>
+      </p:sp>
+      <p:sp>
+        <p:nvSpPr>
+          <p:cNvPr id="2" name="TextBox 1">
+            <a:extLst>
+              <a:ext uri="{FF2B5EF4-FFF2-40B4-BE49-F238E27FC236}">
+                <a16:creationId xmlns:a16="http://schemas.microsoft.com/office/drawing/2014/main" id="{81FA86E5-7079-8A0F-E21B-6A3A4C842B37}"/>
+              </a:ext>
+            </a:extLst>
+          </p:cNvPr>
+          <p:cNvSpPr txBox="1"/>
+          <p:nvPr/>
+        </p:nvSpPr>
+        <p:spPr>
+          <a:xfrm>
+            <a:off x="667559" y="3235960"/>
+            <a:ext cx="9929321" cy="1323439"/>
+          </a:xfrm>
+          <a:prstGeom prst="rect">
+            <a:avLst/>
+          </a:prstGeom>
         </p:spPr>
         <p:style>
           <a:lnRef idx="1">
@@ -7872,36 +7937,36 @@
           </a:fontRef>
         </p:style>
         <p:txBody>
-          <a:bodyPr anchor="ctr">
-            <a:normAutofit fontScale="85000" lnSpcReduction="10000"/>
+          <a:bodyPr wrap="none" rtlCol="0">
+            <a:spAutoFit/>
           </a:bodyPr>
           <a:lstStyle/>
           <a:p>
             <a:r>
-              <a:rPr lang="en-US" sz="4400" b="1" dirty="0">
+              <a:rPr lang="en-US" sz="4000" b="1" dirty="0">
                 <a:solidFill>
                   <a:schemeClr val="accent4">
                     <a:lumMod val="75000"/>
                   </a:schemeClr>
                 </a:solidFill>
-                <a:latin typeface="72 Black" panose="020B0A04030603020204" pitchFamily="34" charset="0"/>
-                <a:cs typeface="72 Black" panose="020B0A04030603020204" pitchFamily="34" charset="0"/>
+                <a:latin typeface="Aharoni" panose="02010803020104030203" pitchFamily="2" charset="-79"/>
+                <a:cs typeface="Aharoni" panose="02010803020104030203" pitchFamily="2" charset="-79"/>
               </a:rPr>
-              <a:t>2. Workbook and Worksheet Objects</a:t>
-            </a:r>
-          </a:p>
-          <a:p>
-            <a:r>
-              <a:rPr lang="en-US" sz="4400" b="1" dirty="0">
+              <a:t>Question:</a:t>
+            </a:r>
+          </a:p>
+          <a:p>
+            <a:r>
+              <a:rPr lang="en-US" sz="4000" b="1" dirty="0">
                 <a:solidFill>
                   <a:schemeClr val="accent4">
                     <a:lumMod val="75000"/>
                   </a:schemeClr>
                 </a:solidFill>
-                <a:latin typeface="72 Black" panose="020B0A04030603020204" pitchFamily="34" charset="0"/>
-                <a:cs typeface="72 Black" panose="020B0A04030603020204" pitchFamily="34" charset="0"/>
+                <a:latin typeface="Aharoni" panose="02010803020104030203" pitchFamily="2" charset="-79"/>
+                <a:cs typeface="Aharoni" panose="02010803020104030203" pitchFamily="2" charset="-79"/>
               </a:rPr>
-              <a:t>2.1 Creating Workbooks</a:t>
+              <a:t>Write into a new Excel file with iterating</a:t>
             </a:r>
           </a:p>
         </p:txBody>
@@ -7909,7 +7974,7 @@
     </p:spTree>
     <p:extLst>
       <p:ext uri="{BB962C8B-B14F-4D97-AF65-F5344CB8AC3E}">
-        <p14:creationId xmlns:p14="http://schemas.microsoft.com/office/powerpoint/2010/main" val="2249157203"/>
+        <p14:creationId xmlns:p14="http://schemas.microsoft.com/office/powerpoint/2010/main" val="1315626515"/>
       </p:ext>
     </p:extLst>
   </p:cSld>
@@ -7927,7 +7992,7 @@
         <p:cNvPr id="1" name="">
           <a:extLst>
             <a:ext uri="{FF2B5EF4-FFF2-40B4-BE49-F238E27FC236}">
-              <a16:creationId xmlns:a16="http://schemas.microsoft.com/office/drawing/2014/main" id="{8CD77605-BA9D-05C7-E244-8F97BC450C18}"/>
+              <a16:creationId xmlns:a16="http://schemas.microsoft.com/office/drawing/2014/main" id="{96293CC8-98AC-C317-99F3-587A6453C1C6}"/>
             </a:ext>
           </a:extLst>
         </p:cNvPr>
@@ -7944,10 +8009,10 @@
       </p:grpSpPr>
       <p:pic>
         <p:nvPicPr>
-          <p:cNvPr id="3" name="Picture 2">
-            <a:extLst>
-              <a:ext uri="{FF2B5EF4-FFF2-40B4-BE49-F238E27FC236}">
-                <a16:creationId xmlns:a16="http://schemas.microsoft.com/office/drawing/2014/main" id="{1274F6ED-383A-8020-8FA2-E0FD2FEE9304}"/>
+          <p:cNvPr id="4" name="Picture 3">
+            <a:extLst>
+              <a:ext uri="{FF2B5EF4-FFF2-40B4-BE49-F238E27FC236}">
+                <a16:creationId xmlns:a16="http://schemas.microsoft.com/office/drawing/2014/main" id="{7074A87B-8ACB-FBD0-065C-87B94803BEA4}"/>
               </a:ext>
             </a:extLst>
           </p:cNvPr>
@@ -7964,8 +8029,8 @@
         </p:blipFill>
         <p:spPr>
           <a:xfrm>
-            <a:off x="512623" y="441933"/>
-            <a:ext cx="9583487" cy="5742967"/>
+            <a:off x="172720" y="487864"/>
+            <a:ext cx="10401300" cy="5374138"/>
           </a:xfrm>
           <a:prstGeom prst="roundRect">
             <a:avLst>
@@ -8001,7 +8066,7 @@
           <p:cNvPr id="5" name="Title 4">
             <a:extLst>
               <a:ext uri="{FF2B5EF4-FFF2-40B4-BE49-F238E27FC236}">
-                <a16:creationId xmlns:a16="http://schemas.microsoft.com/office/drawing/2014/main" id="{0EF718ED-BB73-6F7F-372B-E50F3542CA90}"/>
+                <a16:creationId xmlns:a16="http://schemas.microsoft.com/office/drawing/2014/main" id="{52C9194E-650D-A1E7-128B-F572C734479B}"/>
               </a:ext>
             </a:extLst>
           </p:cNvPr>
@@ -8043,7 +8108,7 @@
           <p:cNvPr id="8" name="TextBox 7">
             <a:extLst>
               <a:ext uri="{FF2B5EF4-FFF2-40B4-BE49-F238E27FC236}">
-                <a16:creationId xmlns:a16="http://schemas.microsoft.com/office/drawing/2014/main" id="{990211CD-F11D-8290-76FF-CE84AF517F6A}"/>
+                <a16:creationId xmlns:a16="http://schemas.microsoft.com/office/drawing/2014/main" id="{41270352-951D-5758-0CAA-F35021F3F2FF}"/>
               </a:ext>
             </a:extLst>
           </p:cNvPr>
@@ -8104,7 +8169,7 @@
           <p:cNvPr id="9" name="Picture 8">
             <a:extLst>
               <a:ext uri="{FF2B5EF4-FFF2-40B4-BE49-F238E27FC236}">
-                <a16:creationId xmlns:a16="http://schemas.microsoft.com/office/drawing/2014/main" id="{B9F7F6CF-D730-32A1-E5E9-66C14E418F9B}"/>
+                <a16:creationId xmlns:a16="http://schemas.microsoft.com/office/drawing/2014/main" id="{82DAD431-02E9-79BE-5683-E1309F29A7CC}"/>
               </a:ext>
             </a:extLst>
           </p:cNvPr>
@@ -8147,7 +8212,7 @@
           <p:cNvPr id="7" name="Content Placeholder 6">
             <a:extLst>
               <a:ext uri="{FF2B5EF4-FFF2-40B4-BE49-F238E27FC236}">
-                <a16:creationId xmlns:a16="http://schemas.microsoft.com/office/drawing/2014/main" id="{845647B9-32D5-0E73-0854-941E53892764}"/>
+                <a16:creationId xmlns:a16="http://schemas.microsoft.com/office/drawing/2014/main" id="{B28C6902-78D9-0654-29CE-ED04ACD1FEFD}"/>
               </a:ext>
             </a:extLst>
           </p:cNvPr>
@@ -8208,6 +8273,313 @@
                 <a:latin typeface="72 Black" panose="020B0A04030603020204" pitchFamily="34" charset="0"/>
                 <a:cs typeface="72 Black" panose="020B0A04030603020204" pitchFamily="34" charset="0"/>
               </a:rPr>
+              <a:t>2.1 Creating Workbooks</a:t>
+            </a:r>
+          </a:p>
+        </p:txBody>
+      </p:sp>
+    </p:spTree>
+    <p:extLst>
+      <p:ext uri="{BB962C8B-B14F-4D97-AF65-F5344CB8AC3E}">
+        <p14:creationId xmlns:p14="http://schemas.microsoft.com/office/powerpoint/2010/main" val="2249157203"/>
+      </p:ext>
+    </p:extLst>
+  </p:cSld>
+  <p:clrMapOvr>
+    <a:masterClrMapping/>
+  </p:clrMapOvr>
+</p:sld>
+</file>
+
+<file path=ppt/slides/slide6.xml><?xml version="1.0" encoding="utf-8"?>
+<p:sld xmlns:a="http://schemas.openxmlformats.org/drawingml/2006/main" xmlns:r="http://schemas.openxmlformats.org/officeDocument/2006/relationships" xmlns:p="http://schemas.openxmlformats.org/presentationml/2006/main">
+  <p:cSld>
+    <p:spTree>
+      <p:nvGrpSpPr>
+        <p:cNvPr id="1" name="">
+          <a:extLst>
+            <a:ext uri="{FF2B5EF4-FFF2-40B4-BE49-F238E27FC236}">
+              <a16:creationId xmlns:a16="http://schemas.microsoft.com/office/drawing/2014/main" id="{8CD77605-BA9D-05C7-E244-8F97BC450C18}"/>
+            </a:ext>
+          </a:extLst>
+        </p:cNvPr>
+        <p:cNvGrpSpPr/>
+        <p:nvPr/>
+      </p:nvGrpSpPr>
+      <p:grpSpPr>
+        <a:xfrm>
+          <a:off x="0" y="0"/>
+          <a:ext cx="0" cy="0"/>
+          <a:chOff x="0" y="0"/>
+          <a:chExt cx="0" cy="0"/>
+        </a:xfrm>
+      </p:grpSpPr>
+      <p:pic>
+        <p:nvPicPr>
+          <p:cNvPr id="3" name="Picture 2">
+            <a:extLst>
+              <a:ext uri="{FF2B5EF4-FFF2-40B4-BE49-F238E27FC236}">
+                <a16:creationId xmlns:a16="http://schemas.microsoft.com/office/drawing/2014/main" id="{1274F6ED-383A-8020-8FA2-E0FD2FEE9304}"/>
+              </a:ext>
+            </a:extLst>
+          </p:cNvPr>
+          <p:cNvPicPr>
+            <a:picLocks noChangeAspect="1"/>
+          </p:cNvPicPr>
+          <p:nvPr/>
+        </p:nvPicPr>
+        <p:blipFill>
+          <a:blip r:embed="rId2"/>
+          <a:stretch>
+            <a:fillRect/>
+          </a:stretch>
+        </p:blipFill>
+        <p:spPr>
+          <a:xfrm>
+            <a:off x="512623" y="441933"/>
+            <a:ext cx="9583487" cy="5742967"/>
+          </a:xfrm>
+          <a:prstGeom prst="roundRect">
+            <a:avLst>
+              <a:gd name="adj" fmla="val 16667"/>
+            </a:avLst>
+          </a:prstGeom>
+          <a:ln>
+            <a:noFill/>
+          </a:ln>
+          <a:effectLst>
+            <a:outerShdw blurRad="152400" dist="12000" dir="900000" sy="98000" kx="110000" ky="200000" algn="tl" rotWithShape="0">
+              <a:srgbClr val="000000">
+                <a:alpha val="30000"/>
+              </a:srgbClr>
+            </a:outerShdw>
+          </a:effectLst>
+          <a:scene3d>
+            <a:camera prst="perspectiveRelaxed">
+              <a:rot lat="19800000" lon="1200000" rev="20820000"/>
+            </a:camera>
+            <a:lightRig rig="threePt" dir="t"/>
+          </a:scene3d>
+          <a:sp3d contourW="6350" prstMaterial="matte">
+            <a:bevelT w="101600" h="101600"/>
+            <a:contourClr>
+              <a:srgbClr val="969696"/>
+            </a:contourClr>
+          </a:sp3d>
+        </p:spPr>
+      </p:pic>
+      <p:sp>
+        <p:nvSpPr>
+          <p:cNvPr id="5" name="Title 4">
+            <a:extLst>
+              <a:ext uri="{FF2B5EF4-FFF2-40B4-BE49-F238E27FC236}">
+                <a16:creationId xmlns:a16="http://schemas.microsoft.com/office/drawing/2014/main" id="{0EF718ED-BB73-6F7F-372B-E50F3542CA90}"/>
+              </a:ext>
+            </a:extLst>
+          </p:cNvPr>
+          <p:cNvSpPr>
+            <a:spLocks noGrp="1"/>
+          </p:cNvSpPr>
+          <p:nvPr>
+            <p:ph type="title"/>
+          </p:nvPr>
+        </p:nvSpPr>
+        <p:spPr>
+          <a:xfrm>
+            <a:off x="2174240" y="72887"/>
+            <a:ext cx="9255756" cy="1077003"/>
+          </a:xfrm>
+        </p:spPr>
+        <p:txBody>
+          <a:bodyPr/>
+          <a:lstStyle/>
+          <a:p>
+            <a:pPr algn="ctr"/>
+            <a:r>
+              <a:rPr lang="en-US" dirty="0">
+                <a:solidFill>
+                  <a:schemeClr val="accent4">
+                    <a:lumMod val="75000"/>
+                  </a:schemeClr>
+                </a:solidFill>
+                <a:latin typeface="Aharoni" panose="02010803020104030203" pitchFamily="2" charset="-79"/>
+                <a:cs typeface="Aharoni" panose="02010803020104030203" pitchFamily="2" charset="-79"/>
+              </a:rPr>
+              <a:t>Mastering openpyxl</a:t>
+            </a:r>
+          </a:p>
+        </p:txBody>
+      </p:sp>
+      <p:sp>
+        <p:nvSpPr>
+          <p:cNvPr id="8" name="TextBox 7">
+            <a:extLst>
+              <a:ext uri="{FF2B5EF4-FFF2-40B4-BE49-F238E27FC236}">
+                <a16:creationId xmlns:a16="http://schemas.microsoft.com/office/drawing/2014/main" id="{990211CD-F11D-8290-76FF-CE84AF517F6A}"/>
+              </a:ext>
+            </a:extLst>
+          </p:cNvPr>
+          <p:cNvSpPr txBox="1"/>
+          <p:nvPr/>
+        </p:nvSpPr>
+        <p:spPr>
+          <a:xfrm>
+            <a:off x="0" y="4859"/>
+            <a:ext cx="2336800" cy="1446550"/>
+          </a:xfrm>
+          <a:prstGeom prst="rect">
+            <a:avLst/>
+          </a:prstGeom>
+          <a:effectLst>
+            <a:outerShdw blurRad="76200" dist="12700" dir="2700000" sy="-23000" kx="-800400" algn="bl" rotWithShape="0">
+              <a:prstClr val="black">
+                <a:alpha val="20000"/>
+              </a:prstClr>
+            </a:outerShdw>
+          </a:effectLst>
+        </p:spPr>
+        <p:style>
+          <a:lnRef idx="1">
+            <a:schemeClr val="accent6"/>
+          </a:lnRef>
+          <a:fillRef idx="2">
+            <a:schemeClr val="accent6"/>
+          </a:fillRef>
+          <a:effectRef idx="1">
+            <a:schemeClr val="accent6"/>
+          </a:effectRef>
+          <a:fontRef idx="minor">
+            <a:schemeClr val="dk1"/>
+          </a:fontRef>
+        </p:style>
+        <p:txBody>
+          <a:bodyPr wrap="square" rtlCol="0" anchor="ctr">
+            <a:spAutoFit/>
+          </a:bodyPr>
+          <a:lstStyle/>
+          <a:p>
+            <a:pPr algn="ctr"/>
+            <a:r>
+              <a:rPr lang="en-US" sz="8800" dirty="0">
+                <a:solidFill>
+                  <a:schemeClr val="accent5"/>
+                </a:solidFill>
+                <a:latin typeface="Trade Gothic Next Heavy" panose="020F0502020204030204" pitchFamily="34" charset="0"/>
+              </a:rPr>
+              <a:t>006</a:t>
+            </a:r>
+          </a:p>
+        </p:txBody>
+      </p:sp>
+      <p:pic>
+        <p:nvPicPr>
+          <p:cNvPr id="9" name="Picture 8">
+            <a:extLst>
+              <a:ext uri="{FF2B5EF4-FFF2-40B4-BE49-F238E27FC236}">
+                <a16:creationId xmlns:a16="http://schemas.microsoft.com/office/drawing/2014/main" id="{B9F7F6CF-D730-32A1-E5E9-66C14E418F9B}"/>
+              </a:ext>
+            </a:extLst>
+          </p:cNvPr>
+          <p:cNvPicPr>
+            <a:picLocks noChangeAspect="1"/>
+          </p:cNvPicPr>
+          <p:nvPr/>
+        </p:nvPicPr>
+        <p:blipFill>
+          <a:blip r:embed="rId3"/>
+          <a:stretch>
+            <a:fillRect/>
+          </a:stretch>
+        </p:blipFill>
+        <p:spPr>
+          <a:xfrm>
+            <a:off x="172720" y="5574693"/>
+            <a:ext cx="2661920" cy="1088498"/>
+          </a:xfrm>
+          <a:prstGeom prst="roundRect">
+            <a:avLst>
+              <a:gd name="adj" fmla="val 8594"/>
+            </a:avLst>
+          </a:prstGeom>
+          <a:solidFill>
+            <a:srgbClr val="FFFFFF">
+              <a:shade val="85000"/>
+            </a:srgbClr>
+          </a:solidFill>
+          <a:ln>
+            <a:noFill/>
+          </a:ln>
+          <a:effectLst>
+            <a:reflection blurRad="12700" stA="38000" endPos="28000" dist="5000" dir="5400000" sy="-100000" algn="bl" rotWithShape="0"/>
+          </a:effectLst>
+        </p:spPr>
+      </p:pic>
+      <p:sp>
+        <p:nvSpPr>
+          <p:cNvPr id="7" name="Content Placeholder 6">
+            <a:extLst>
+              <a:ext uri="{FF2B5EF4-FFF2-40B4-BE49-F238E27FC236}">
+                <a16:creationId xmlns:a16="http://schemas.microsoft.com/office/drawing/2014/main" id="{845647B9-32D5-0E73-0854-941E53892764}"/>
+              </a:ext>
+            </a:extLst>
+          </p:cNvPr>
+          <p:cNvSpPr>
+            <a:spLocks noGrp="1"/>
+          </p:cNvSpPr>
+          <p:nvPr>
+            <p:ph sz="quarter" idx="10"/>
+          </p:nvPr>
+        </p:nvSpPr>
+        <p:spPr>
+          <a:xfrm>
+            <a:off x="3032760" y="5076647"/>
+            <a:ext cx="8750300" cy="1781353"/>
+          </a:xfrm>
+        </p:spPr>
+        <p:style>
+          <a:lnRef idx="1">
+            <a:schemeClr val="accent3"/>
+          </a:lnRef>
+          <a:fillRef idx="2">
+            <a:schemeClr val="accent3"/>
+          </a:fillRef>
+          <a:effectRef idx="1">
+            <a:schemeClr val="accent3"/>
+          </a:effectRef>
+          <a:fontRef idx="minor">
+            <a:schemeClr val="dk1"/>
+          </a:fontRef>
+        </p:style>
+        <p:txBody>
+          <a:bodyPr anchor="ctr">
+            <a:normAutofit fontScale="85000" lnSpcReduction="10000"/>
+          </a:bodyPr>
+          <a:lstStyle/>
+          <a:p>
+            <a:r>
+              <a:rPr lang="en-US" sz="4400" b="1" dirty="0">
+                <a:solidFill>
+                  <a:schemeClr val="accent4">
+                    <a:lumMod val="75000"/>
+                  </a:schemeClr>
+                </a:solidFill>
+                <a:latin typeface="72 Black" panose="020B0A04030603020204" pitchFamily="34" charset="0"/>
+                <a:cs typeface="72 Black" panose="020B0A04030603020204" pitchFamily="34" charset="0"/>
+              </a:rPr>
+              <a:t>2. Workbook and Worksheet Objects</a:t>
+            </a:r>
+          </a:p>
+          <a:p>
+            <a:r>
+              <a:rPr lang="en-US" sz="4400" b="1" dirty="0">
+                <a:solidFill>
+                  <a:schemeClr val="accent4">
+                    <a:lumMod val="75000"/>
+                  </a:schemeClr>
+                </a:solidFill>
+                <a:latin typeface="72 Black" panose="020B0A04030603020204" pitchFamily="34" charset="0"/>
+                <a:cs typeface="72 Black" panose="020B0A04030603020204" pitchFamily="34" charset="0"/>
+              </a:rPr>
               <a:t>2.2 </a:t>
             </a:r>
             <a:r>
@@ -8250,7 +8622,7 @@
 </p:sld>
 </file>
 
-<file path=ppt/slides/slide6.xml><?xml version="1.0" encoding="utf-8"?>
+<file path=ppt/slides/slide7.xml><?xml version="1.0" encoding="utf-8"?>
 <p:sld xmlns:a="http://schemas.openxmlformats.org/drawingml/2006/main" xmlns:r="http://schemas.openxmlformats.org/officeDocument/2006/relationships" xmlns:p="http://schemas.openxmlformats.org/presentationml/2006/main">
   <p:cSld>
     <p:spTree>

--- a/openpyxl/Mastering_Python’s_openpyxl.pptx
+++ b/openpyxl/Mastering_Python’s_openpyxl.pptx
@@ -7855,7 +7855,7 @@
         </p:nvSpPr>
         <p:spPr>
           <a:xfrm>
-            <a:off x="3045460" y="5574693"/>
+            <a:off x="3045460" y="5145428"/>
             <a:ext cx="8750300" cy="1062293"/>
           </a:xfrm>
         </p:spPr>

--- a/openpyxl/Mastering_Python’s_openpyxl.pptx
+++ b/openpyxl/Mastering_Python’s_openpyxl.pptx
@@ -5,7 +5,7 @@
     <p:sldMasterId id="2147483671" r:id="rId4"/>
   </p:sldMasterIdLst>
   <p:notesMasterIdLst>
-    <p:notesMasterId r:id="rId12"/>
+    <p:notesMasterId r:id="rId17"/>
   </p:notesMasterIdLst>
   <p:sldIdLst>
     <p:sldId id="320" r:id="rId5"/>
@@ -14,7 +14,12 @@
     <p:sldId id="326" r:id="rId8"/>
     <p:sldId id="324" r:id="rId9"/>
     <p:sldId id="325" r:id="rId10"/>
-    <p:sldId id="321" r:id="rId11"/>
+    <p:sldId id="327" r:id="rId11"/>
+    <p:sldId id="328" r:id="rId12"/>
+    <p:sldId id="329" r:id="rId13"/>
+    <p:sldId id="330" r:id="rId14"/>
+    <p:sldId id="331" r:id="rId15"/>
+    <p:sldId id="321" r:id="rId16"/>
   </p:sldIdLst>
   <p:sldSz cx="12192000" cy="6858000"/>
   <p:notesSz cx="6858000" cy="9144000"/>
@@ -132,6 +137,19 @@
           <p14:sldIdLst>
             <p14:sldId id="324"/>
             <p14:sldId id="325"/>
+            <p14:sldId id="327"/>
+            <p14:sldId id="328"/>
+            <p14:sldId id="329"/>
+            <p14:sldId id="330"/>
+          </p14:sldIdLst>
+        </p14:section>
+        <p14:section name="ch3_cell_&amp;_cell_values" id="{1F93CB3F-BB5B-4B8E-AE95-046B6B187FC7}">
+          <p14:sldIdLst>
+            <p14:sldId id="331"/>
+          </p14:sldIdLst>
+        </p14:section>
+        <p14:section name="covers" id="{4F2CDF44-8EA2-4CD8-A232-2646FBA1D618}">
+          <p14:sldIdLst>
             <p14:sldId id="321"/>
           </p14:sldIdLst>
         </p14:section>
@@ -7062,6 +7080,778 @@
 </p:sld>
 </file>
 
+<file path=ppt/slides/slide10.xml><?xml version="1.0" encoding="utf-8"?>
+<p:sld xmlns:a="http://schemas.openxmlformats.org/drawingml/2006/main" xmlns:r="http://schemas.openxmlformats.org/officeDocument/2006/relationships" xmlns:p="http://schemas.openxmlformats.org/presentationml/2006/main">
+  <p:cSld>
+    <p:spTree>
+      <p:nvGrpSpPr>
+        <p:cNvPr id="1" name="">
+          <a:extLst>
+            <a:ext uri="{FF2B5EF4-FFF2-40B4-BE49-F238E27FC236}">
+              <a16:creationId xmlns:a16="http://schemas.microsoft.com/office/drawing/2014/main" id="{F44A4006-32F8-F928-F698-25BECE6976C1}"/>
+            </a:ext>
+          </a:extLst>
+        </p:cNvPr>
+        <p:cNvGrpSpPr/>
+        <p:nvPr/>
+      </p:nvGrpSpPr>
+      <p:grpSpPr>
+        <a:xfrm>
+          <a:off x="0" y="0"/>
+          <a:ext cx="0" cy="0"/>
+          <a:chOff x="0" y="0"/>
+          <a:chExt cx="0" cy="0"/>
+        </a:xfrm>
+      </p:grpSpPr>
+      <p:pic>
+        <p:nvPicPr>
+          <p:cNvPr id="3" name="Picture 2">
+            <a:extLst>
+              <a:ext uri="{FF2B5EF4-FFF2-40B4-BE49-F238E27FC236}">
+                <a16:creationId xmlns:a16="http://schemas.microsoft.com/office/drawing/2014/main" id="{D1B06C24-8A10-8527-602B-D85A3F47045E}"/>
+              </a:ext>
+            </a:extLst>
+          </p:cNvPr>
+          <p:cNvPicPr>
+            <a:picLocks noChangeAspect="1"/>
+          </p:cNvPicPr>
+          <p:nvPr/>
+        </p:nvPicPr>
+        <p:blipFill>
+          <a:blip r:embed="rId2"/>
+          <a:stretch>
+            <a:fillRect/>
+          </a:stretch>
+        </p:blipFill>
+        <p:spPr>
+          <a:xfrm>
+            <a:off x="592116" y="537369"/>
+            <a:ext cx="9255755" cy="5649846"/>
+          </a:xfrm>
+          <a:prstGeom prst="roundRect">
+            <a:avLst>
+              <a:gd name="adj" fmla="val 16667"/>
+            </a:avLst>
+          </a:prstGeom>
+          <a:ln>
+            <a:noFill/>
+          </a:ln>
+          <a:effectLst>
+            <a:outerShdw blurRad="152400" dist="12000" dir="900000" sy="98000" kx="110000" ky="200000" algn="tl" rotWithShape="0">
+              <a:srgbClr val="000000">
+                <a:alpha val="30000"/>
+              </a:srgbClr>
+            </a:outerShdw>
+          </a:effectLst>
+          <a:scene3d>
+            <a:camera prst="perspectiveRelaxed">
+              <a:rot lat="19800000" lon="1200000" rev="20820000"/>
+            </a:camera>
+            <a:lightRig rig="threePt" dir="t"/>
+          </a:scene3d>
+          <a:sp3d contourW="6350" prstMaterial="matte">
+            <a:bevelT w="101600" h="101600"/>
+            <a:contourClr>
+              <a:srgbClr val="969696"/>
+            </a:contourClr>
+          </a:sp3d>
+        </p:spPr>
+      </p:pic>
+      <p:sp>
+        <p:nvSpPr>
+          <p:cNvPr id="5" name="Title 4">
+            <a:extLst>
+              <a:ext uri="{FF2B5EF4-FFF2-40B4-BE49-F238E27FC236}">
+                <a16:creationId xmlns:a16="http://schemas.microsoft.com/office/drawing/2014/main" id="{35091245-35E5-A4AD-B726-40AC4FD69D68}"/>
+              </a:ext>
+            </a:extLst>
+          </p:cNvPr>
+          <p:cNvSpPr>
+            <a:spLocks noGrp="1"/>
+          </p:cNvSpPr>
+          <p:nvPr>
+            <p:ph type="title"/>
+          </p:nvPr>
+        </p:nvSpPr>
+        <p:spPr>
+          <a:xfrm>
+            <a:off x="2174240" y="72887"/>
+            <a:ext cx="9255756" cy="1077003"/>
+          </a:xfrm>
+        </p:spPr>
+        <p:txBody>
+          <a:bodyPr/>
+          <a:lstStyle/>
+          <a:p>
+            <a:pPr algn="ctr"/>
+            <a:r>
+              <a:rPr lang="en-US" dirty="0">
+                <a:solidFill>
+                  <a:schemeClr val="accent4">
+                    <a:lumMod val="75000"/>
+                  </a:schemeClr>
+                </a:solidFill>
+                <a:latin typeface="Aharoni" panose="02010803020104030203" pitchFamily="2" charset="-79"/>
+                <a:cs typeface="Aharoni" panose="02010803020104030203" pitchFamily="2" charset="-79"/>
+              </a:rPr>
+              <a:t>Mastering openpyxl</a:t>
+            </a:r>
+          </a:p>
+        </p:txBody>
+      </p:sp>
+      <p:sp>
+        <p:nvSpPr>
+          <p:cNvPr id="8" name="TextBox 7">
+            <a:extLst>
+              <a:ext uri="{FF2B5EF4-FFF2-40B4-BE49-F238E27FC236}">
+                <a16:creationId xmlns:a16="http://schemas.microsoft.com/office/drawing/2014/main" id="{E1ADEB54-EC53-E0AC-5EDE-48BEE0FD3645}"/>
+              </a:ext>
+            </a:extLst>
+          </p:cNvPr>
+          <p:cNvSpPr txBox="1"/>
+          <p:nvPr/>
+        </p:nvSpPr>
+        <p:spPr>
+          <a:xfrm>
+            <a:off x="0" y="4859"/>
+            <a:ext cx="2336800" cy="1446550"/>
+          </a:xfrm>
+          <a:prstGeom prst="rect">
+            <a:avLst/>
+          </a:prstGeom>
+          <a:effectLst>
+            <a:outerShdw blurRad="76200" dist="12700" dir="2700000" sy="-23000" kx="-800400" algn="bl" rotWithShape="0">
+              <a:prstClr val="black">
+                <a:alpha val="20000"/>
+              </a:prstClr>
+            </a:outerShdw>
+          </a:effectLst>
+        </p:spPr>
+        <p:style>
+          <a:lnRef idx="1">
+            <a:schemeClr val="accent6"/>
+          </a:lnRef>
+          <a:fillRef idx="2">
+            <a:schemeClr val="accent6"/>
+          </a:fillRef>
+          <a:effectRef idx="1">
+            <a:schemeClr val="accent6"/>
+          </a:effectRef>
+          <a:fontRef idx="minor">
+            <a:schemeClr val="dk1"/>
+          </a:fontRef>
+        </p:style>
+        <p:txBody>
+          <a:bodyPr wrap="square" rtlCol="0" anchor="ctr">
+            <a:spAutoFit/>
+          </a:bodyPr>
+          <a:lstStyle/>
+          <a:p>
+            <a:pPr algn="ctr"/>
+            <a:r>
+              <a:rPr lang="en-US" sz="8800" dirty="0">
+                <a:solidFill>
+                  <a:schemeClr val="accent5"/>
+                </a:solidFill>
+                <a:latin typeface="Trade Gothic Next Heavy" panose="020F0502020204030204" pitchFamily="34" charset="0"/>
+              </a:rPr>
+              <a:t>010</a:t>
+            </a:r>
+          </a:p>
+        </p:txBody>
+      </p:sp>
+      <p:pic>
+        <p:nvPicPr>
+          <p:cNvPr id="9" name="Picture 8">
+            <a:extLst>
+              <a:ext uri="{FF2B5EF4-FFF2-40B4-BE49-F238E27FC236}">
+                <a16:creationId xmlns:a16="http://schemas.microsoft.com/office/drawing/2014/main" id="{3D7DAFCD-949F-7BB3-B036-2A1EA9EA0C4D}"/>
+              </a:ext>
+            </a:extLst>
+          </p:cNvPr>
+          <p:cNvPicPr>
+            <a:picLocks noChangeAspect="1"/>
+          </p:cNvPicPr>
+          <p:nvPr/>
+        </p:nvPicPr>
+        <p:blipFill>
+          <a:blip r:embed="rId3"/>
+          <a:stretch>
+            <a:fillRect/>
+          </a:stretch>
+        </p:blipFill>
+        <p:spPr>
+          <a:xfrm>
+            <a:off x="172720" y="5574693"/>
+            <a:ext cx="2661920" cy="1088498"/>
+          </a:xfrm>
+          <a:prstGeom prst="roundRect">
+            <a:avLst>
+              <a:gd name="adj" fmla="val 8594"/>
+            </a:avLst>
+          </a:prstGeom>
+          <a:solidFill>
+            <a:srgbClr val="FFFFFF">
+              <a:shade val="85000"/>
+            </a:srgbClr>
+          </a:solidFill>
+          <a:ln>
+            <a:noFill/>
+          </a:ln>
+          <a:effectLst>
+            <a:reflection blurRad="12700" stA="38000" endPos="28000" dist="5000" dir="5400000" sy="-100000" algn="bl" rotWithShape="0"/>
+          </a:effectLst>
+        </p:spPr>
+      </p:pic>
+      <p:sp>
+        <p:nvSpPr>
+          <p:cNvPr id="7" name="Content Placeholder 6">
+            <a:extLst>
+              <a:ext uri="{FF2B5EF4-FFF2-40B4-BE49-F238E27FC236}">
+                <a16:creationId xmlns:a16="http://schemas.microsoft.com/office/drawing/2014/main" id="{A82E9E7E-713A-8C48-146C-1BEDB7754F82}"/>
+              </a:ext>
+            </a:extLst>
+          </p:cNvPr>
+          <p:cNvSpPr>
+            <a:spLocks noGrp="1"/>
+          </p:cNvSpPr>
+          <p:nvPr>
+            <p:ph sz="quarter" idx="10"/>
+          </p:nvPr>
+        </p:nvSpPr>
+        <p:spPr>
+          <a:xfrm>
+            <a:off x="3032760" y="5076647"/>
+            <a:ext cx="8750300" cy="1781353"/>
+          </a:xfrm>
+        </p:spPr>
+        <p:style>
+          <a:lnRef idx="1">
+            <a:schemeClr val="accent3"/>
+          </a:lnRef>
+          <a:fillRef idx="2">
+            <a:schemeClr val="accent3"/>
+          </a:fillRef>
+          <a:effectRef idx="1">
+            <a:schemeClr val="accent3"/>
+          </a:effectRef>
+          <a:fontRef idx="minor">
+            <a:schemeClr val="dk1"/>
+          </a:fontRef>
+        </p:style>
+        <p:txBody>
+          <a:bodyPr anchor="ctr">
+            <a:normAutofit fontScale="85000" lnSpcReduction="10000"/>
+          </a:bodyPr>
+          <a:lstStyle/>
+          <a:p>
+            <a:r>
+              <a:rPr lang="en-US" sz="4400" b="1" dirty="0">
+                <a:solidFill>
+                  <a:schemeClr val="accent4">
+                    <a:lumMod val="75000"/>
+                  </a:schemeClr>
+                </a:solidFill>
+                <a:latin typeface="72 Black" panose="020B0A04030603020204" pitchFamily="34" charset="0"/>
+                <a:cs typeface="72 Black" panose="020B0A04030603020204" pitchFamily="34" charset="0"/>
+              </a:rPr>
+              <a:t>2. Workbook and Worksheet Objects</a:t>
+            </a:r>
+          </a:p>
+          <a:p>
+            <a:r>
+              <a:rPr lang="en-US" sz="4400" b="1" dirty="0">
+                <a:solidFill>
+                  <a:schemeClr val="accent4">
+                    <a:lumMod val="75000"/>
+                  </a:schemeClr>
+                </a:solidFill>
+                <a:latin typeface="72 Black" panose="020B0A04030603020204" pitchFamily="34" charset="0"/>
+                <a:cs typeface="72 Black" panose="020B0A04030603020204" pitchFamily="34" charset="0"/>
+              </a:rPr>
+              <a:t>2.6 Working w/ Multiple Workbooks</a:t>
+            </a:r>
+          </a:p>
+        </p:txBody>
+      </p:sp>
+    </p:spTree>
+    <p:extLst>
+      <p:ext uri="{BB962C8B-B14F-4D97-AF65-F5344CB8AC3E}">
+        <p14:creationId xmlns:p14="http://schemas.microsoft.com/office/powerpoint/2010/main" val="676379248"/>
+      </p:ext>
+    </p:extLst>
+  </p:cSld>
+  <p:clrMapOvr>
+    <a:masterClrMapping/>
+  </p:clrMapOvr>
+</p:sld>
+</file>
+
+<file path=ppt/slides/slide11.xml><?xml version="1.0" encoding="utf-8"?>
+<p:sld xmlns:a="http://schemas.openxmlformats.org/drawingml/2006/main" xmlns:r="http://schemas.openxmlformats.org/officeDocument/2006/relationships" xmlns:p="http://schemas.openxmlformats.org/presentationml/2006/main">
+  <p:cSld>
+    <p:spTree>
+      <p:nvGrpSpPr>
+        <p:cNvPr id="1" name="">
+          <a:extLst>
+            <a:ext uri="{FF2B5EF4-FFF2-40B4-BE49-F238E27FC236}">
+              <a16:creationId xmlns:a16="http://schemas.microsoft.com/office/drawing/2014/main" id="{578E9284-C39A-0DDE-84A5-5B5F22F8E20C}"/>
+            </a:ext>
+          </a:extLst>
+        </p:cNvPr>
+        <p:cNvGrpSpPr/>
+        <p:nvPr/>
+      </p:nvGrpSpPr>
+      <p:grpSpPr>
+        <a:xfrm>
+          <a:off x="0" y="0"/>
+          <a:ext cx="0" cy="0"/>
+          <a:chOff x="0" y="0"/>
+          <a:chExt cx="0" cy="0"/>
+        </a:xfrm>
+      </p:grpSpPr>
+      <p:pic>
+        <p:nvPicPr>
+          <p:cNvPr id="4" name="Picture 3">
+            <a:extLst>
+              <a:ext uri="{FF2B5EF4-FFF2-40B4-BE49-F238E27FC236}">
+                <a16:creationId xmlns:a16="http://schemas.microsoft.com/office/drawing/2014/main" id="{B02A73F8-9FAB-10D6-0E12-18C61E8302D3}"/>
+              </a:ext>
+            </a:extLst>
+          </p:cNvPr>
+          <p:cNvPicPr>
+            <a:picLocks noChangeAspect="1"/>
+          </p:cNvPicPr>
+          <p:nvPr/>
+        </p:nvPicPr>
+        <p:blipFill>
+          <a:blip r:embed="rId2"/>
+          <a:stretch>
+            <a:fillRect/>
+          </a:stretch>
+        </p:blipFill>
+        <p:spPr>
+          <a:xfrm>
+            <a:off x="762004" y="521563"/>
+            <a:ext cx="8750300" cy="5445760"/>
+          </a:xfrm>
+          <a:prstGeom prst="roundRect">
+            <a:avLst>
+              <a:gd name="adj" fmla="val 16667"/>
+            </a:avLst>
+          </a:prstGeom>
+          <a:ln>
+            <a:noFill/>
+          </a:ln>
+          <a:effectLst>
+            <a:outerShdw blurRad="152400" dist="12000" dir="900000" sy="98000" kx="110000" ky="200000" algn="tl" rotWithShape="0">
+              <a:srgbClr val="000000">
+                <a:alpha val="30000"/>
+              </a:srgbClr>
+            </a:outerShdw>
+          </a:effectLst>
+          <a:scene3d>
+            <a:camera prst="perspectiveRelaxed">
+              <a:rot lat="19800000" lon="1200000" rev="20820000"/>
+            </a:camera>
+            <a:lightRig rig="threePt" dir="t"/>
+          </a:scene3d>
+          <a:sp3d contourW="6350" prstMaterial="matte">
+            <a:bevelT w="101600" h="101600"/>
+            <a:contourClr>
+              <a:srgbClr val="969696"/>
+            </a:contourClr>
+          </a:sp3d>
+        </p:spPr>
+      </p:pic>
+      <p:sp>
+        <p:nvSpPr>
+          <p:cNvPr id="5" name="Title 4">
+            <a:extLst>
+              <a:ext uri="{FF2B5EF4-FFF2-40B4-BE49-F238E27FC236}">
+                <a16:creationId xmlns:a16="http://schemas.microsoft.com/office/drawing/2014/main" id="{6B0DC27E-3F78-35A9-EACB-6138A7AE08F5}"/>
+              </a:ext>
+            </a:extLst>
+          </p:cNvPr>
+          <p:cNvSpPr>
+            <a:spLocks noGrp="1"/>
+          </p:cNvSpPr>
+          <p:nvPr>
+            <p:ph type="title"/>
+          </p:nvPr>
+        </p:nvSpPr>
+        <p:spPr>
+          <a:xfrm>
+            <a:off x="2174240" y="72887"/>
+            <a:ext cx="9255756" cy="1077003"/>
+          </a:xfrm>
+        </p:spPr>
+        <p:txBody>
+          <a:bodyPr/>
+          <a:lstStyle/>
+          <a:p>
+            <a:pPr algn="ctr"/>
+            <a:r>
+              <a:rPr lang="en-US" dirty="0">
+                <a:solidFill>
+                  <a:schemeClr val="accent4">
+                    <a:lumMod val="75000"/>
+                  </a:schemeClr>
+                </a:solidFill>
+                <a:latin typeface="Aharoni" panose="02010803020104030203" pitchFamily="2" charset="-79"/>
+                <a:cs typeface="Aharoni" panose="02010803020104030203" pitchFamily="2" charset="-79"/>
+              </a:rPr>
+              <a:t>Mastering openpyxl</a:t>
+            </a:r>
+          </a:p>
+        </p:txBody>
+      </p:sp>
+      <p:sp>
+        <p:nvSpPr>
+          <p:cNvPr id="8" name="TextBox 7">
+            <a:extLst>
+              <a:ext uri="{FF2B5EF4-FFF2-40B4-BE49-F238E27FC236}">
+                <a16:creationId xmlns:a16="http://schemas.microsoft.com/office/drawing/2014/main" id="{5F6623C4-C5BB-3310-5C85-7220441489BE}"/>
+              </a:ext>
+            </a:extLst>
+          </p:cNvPr>
+          <p:cNvSpPr txBox="1"/>
+          <p:nvPr/>
+        </p:nvSpPr>
+        <p:spPr>
+          <a:xfrm>
+            <a:off x="0" y="4859"/>
+            <a:ext cx="2336800" cy="1446550"/>
+          </a:xfrm>
+          <a:prstGeom prst="rect">
+            <a:avLst/>
+          </a:prstGeom>
+          <a:effectLst>
+            <a:outerShdw blurRad="76200" dist="12700" dir="2700000" sy="-23000" kx="-800400" algn="bl" rotWithShape="0">
+              <a:prstClr val="black">
+                <a:alpha val="20000"/>
+              </a:prstClr>
+            </a:outerShdw>
+          </a:effectLst>
+        </p:spPr>
+        <p:style>
+          <a:lnRef idx="1">
+            <a:schemeClr val="accent6"/>
+          </a:lnRef>
+          <a:fillRef idx="2">
+            <a:schemeClr val="accent6"/>
+          </a:fillRef>
+          <a:effectRef idx="1">
+            <a:schemeClr val="accent6"/>
+          </a:effectRef>
+          <a:fontRef idx="minor">
+            <a:schemeClr val="dk1"/>
+          </a:fontRef>
+        </p:style>
+        <p:txBody>
+          <a:bodyPr wrap="square" rtlCol="0" anchor="ctr">
+            <a:spAutoFit/>
+          </a:bodyPr>
+          <a:lstStyle/>
+          <a:p>
+            <a:pPr algn="ctr"/>
+            <a:r>
+              <a:rPr lang="en-US" sz="8800" dirty="0">
+                <a:solidFill>
+                  <a:schemeClr val="accent5"/>
+                </a:solidFill>
+                <a:latin typeface="Trade Gothic Next Heavy" panose="020F0502020204030204" pitchFamily="34" charset="0"/>
+              </a:rPr>
+              <a:t>011</a:t>
+            </a:r>
+          </a:p>
+        </p:txBody>
+      </p:sp>
+      <p:pic>
+        <p:nvPicPr>
+          <p:cNvPr id="9" name="Picture 8">
+            <a:extLst>
+              <a:ext uri="{FF2B5EF4-FFF2-40B4-BE49-F238E27FC236}">
+                <a16:creationId xmlns:a16="http://schemas.microsoft.com/office/drawing/2014/main" id="{3EFD09BD-CB24-8EC6-B002-B2DCE1924B58}"/>
+              </a:ext>
+            </a:extLst>
+          </p:cNvPr>
+          <p:cNvPicPr>
+            <a:picLocks noChangeAspect="1"/>
+          </p:cNvPicPr>
+          <p:nvPr/>
+        </p:nvPicPr>
+        <p:blipFill>
+          <a:blip r:embed="rId3"/>
+          <a:stretch>
+            <a:fillRect/>
+          </a:stretch>
+        </p:blipFill>
+        <p:spPr>
+          <a:xfrm>
+            <a:off x="172720" y="5574693"/>
+            <a:ext cx="2661920" cy="1088498"/>
+          </a:xfrm>
+          <a:prstGeom prst="roundRect">
+            <a:avLst>
+              <a:gd name="adj" fmla="val 8594"/>
+            </a:avLst>
+          </a:prstGeom>
+          <a:solidFill>
+            <a:srgbClr val="FFFFFF">
+              <a:shade val="85000"/>
+            </a:srgbClr>
+          </a:solidFill>
+          <a:ln>
+            <a:noFill/>
+          </a:ln>
+          <a:effectLst>
+            <a:reflection blurRad="12700" stA="38000" endPos="28000" dist="5000" dir="5400000" sy="-100000" algn="bl" rotWithShape="0"/>
+          </a:effectLst>
+        </p:spPr>
+      </p:pic>
+      <p:sp>
+        <p:nvSpPr>
+          <p:cNvPr id="7" name="Content Placeholder 6">
+            <a:extLst>
+              <a:ext uri="{FF2B5EF4-FFF2-40B4-BE49-F238E27FC236}">
+                <a16:creationId xmlns:a16="http://schemas.microsoft.com/office/drawing/2014/main" id="{4773EB64-E669-F32C-9934-9C84AF4BDA2D}"/>
+              </a:ext>
+            </a:extLst>
+          </p:cNvPr>
+          <p:cNvSpPr>
+            <a:spLocks noGrp="1"/>
+          </p:cNvSpPr>
+          <p:nvPr>
+            <p:ph sz="quarter" idx="10"/>
+          </p:nvPr>
+        </p:nvSpPr>
+        <p:spPr>
+          <a:xfrm>
+            <a:off x="3032760" y="5076647"/>
+            <a:ext cx="8750300" cy="1781353"/>
+          </a:xfrm>
+        </p:spPr>
+        <p:style>
+          <a:lnRef idx="1">
+            <a:schemeClr val="accent3"/>
+          </a:lnRef>
+          <a:fillRef idx="2">
+            <a:schemeClr val="accent3"/>
+          </a:fillRef>
+          <a:effectRef idx="1">
+            <a:schemeClr val="accent3"/>
+          </a:effectRef>
+          <a:fontRef idx="minor">
+            <a:schemeClr val="dk1"/>
+          </a:fontRef>
+        </p:style>
+        <p:txBody>
+          <a:bodyPr anchor="ctr">
+            <a:normAutofit/>
+          </a:bodyPr>
+          <a:lstStyle/>
+          <a:p>
+            <a:r>
+              <a:rPr lang="en-US" sz="4400" b="1" dirty="0">
+                <a:solidFill>
+                  <a:schemeClr val="accent4">
+                    <a:lumMod val="75000"/>
+                  </a:schemeClr>
+                </a:solidFill>
+                <a:latin typeface="72 Black" panose="020B0A04030603020204" pitchFamily="34" charset="0"/>
+                <a:cs typeface="72 Black" panose="020B0A04030603020204" pitchFamily="34" charset="0"/>
+              </a:rPr>
+              <a:t>3. Cells and Cells Values</a:t>
+            </a:r>
+          </a:p>
+          <a:p>
+            <a:r>
+              <a:rPr lang="en-US" sz="4400" b="1" dirty="0">
+                <a:solidFill>
+                  <a:schemeClr val="accent4">
+                    <a:lumMod val="75000"/>
+                  </a:schemeClr>
+                </a:solidFill>
+                <a:latin typeface="72 Black" panose="020B0A04030603020204" pitchFamily="34" charset="0"/>
+                <a:cs typeface="72 Black" panose="020B0A04030603020204" pitchFamily="34" charset="0"/>
+              </a:rPr>
+              <a:t>3.1 Accessing Cell Values</a:t>
+            </a:r>
+          </a:p>
+        </p:txBody>
+      </p:sp>
+    </p:spTree>
+    <p:extLst>
+      <p:ext uri="{BB962C8B-B14F-4D97-AF65-F5344CB8AC3E}">
+        <p14:creationId xmlns:p14="http://schemas.microsoft.com/office/powerpoint/2010/main" val="2042488894"/>
+      </p:ext>
+    </p:extLst>
+  </p:cSld>
+  <p:clrMapOvr>
+    <a:masterClrMapping/>
+  </p:clrMapOvr>
+</p:sld>
+</file>
+
+<file path=ppt/slides/slide12.xml><?xml version="1.0" encoding="utf-8"?>
+<p:sld xmlns:a="http://schemas.openxmlformats.org/drawingml/2006/main" xmlns:r="http://schemas.openxmlformats.org/officeDocument/2006/relationships" xmlns:p="http://schemas.openxmlformats.org/presentationml/2006/main">
+  <p:cSld>
+    <p:spTree>
+      <p:nvGrpSpPr>
+        <p:cNvPr id="1" name="">
+          <a:extLst>
+            <a:ext uri="{FF2B5EF4-FFF2-40B4-BE49-F238E27FC236}">
+              <a16:creationId xmlns:a16="http://schemas.microsoft.com/office/drawing/2014/main" id="{3104DFB7-8F1D-1A57-32E4-62DD43676583}"/>
+            </a:ext>
+          </a:extLst>
+        </p:cNvPr>
+        <p:cNvGrpSpPr/>
+        <p:nvPr/>
+      </p:nvGrpSpPr>
+      <p:grpSpPr>
+        <a:xfrm>
+          <a:off x="0" y="0"/>
+          <a:ext cx="0" cy="0"/>
+          <a:chOff x="0" y="0"/>
+          <a:chExt cx="0" cy="0"/>
+        </a:xfrm>
+      </p:grpSpPr>
+      <p:pic>
+        <p:nvPicPr>
+          <p:cNvPr id="4" name="Picture 3">
+            <a:extLst>
+              <a:ext uri="{FF2B5EF4-FFF2-40B4-BE49-F238E27FC236}">
+                <a16:creationId xmlns:a16="http://schemas.microsoft.com/office/drawing/2014/main" id="{2731E7A0-57F6-9E0F-D37B-13655E9B7A9C}"/>
+              </a:ext>
+            </a:extLst>
+          </p:cNvPr>
+          <p:cNvPicPr>
+            <a:picLocks noChangeAspect="1"/>
+          </p:cNvPicPr>
+          <p:nvPr/>
+        </p:nvPicPr>
+        <p:blipFill>
+          <a:blip r:embed="rId2"/>
+          <a:stretch>
+            <a:fillRect/>
+          </a:stretch>
+        </p:blipFill>
+        <p:spPr>
+          <a:xfrm>
+            <a:off x="632363" y="386080"/>
+            <a:ext cx="4305340" cy="6085840"/>
+          </a:xfrm>
+          <a:prstGeom prst="rect">
+            <a:avLst/>
+          </a:prstGeom>
+          <a:ln>
+            <a:noFill/>
+          </a:ln>
+          <a:effectLst>
+            <a:softEdge rad="112500"/>
+          </a:effectLst>
+        </p:spPr>
+      </p:pic>
+      <p:pic>
+        <p:nvPicPr>
+          <p:cNvPr id="6" name="Picture 5">
+            <a:extLst>
+              <a:ext uri="{FF2B5EF4-FFF2-40B4-BE49-F238E27FC236}">
+                <a16:creationId xmlns:a16="http://schemas.microsoft.com/office/drawing/2014/main" id="{2FEDB76D-9EA4-2778-6B64-2DE8170AC0EF}"/>
+              </a:ext>
+            </a:extLst>
+          </p:cNvPr>
+          <p:cNvPicPr>
+            <a:picLocks noChangeAspect="1"/>
+          </p:cNvPicPr>
+          <p:nvPr/>
+        </p:nvPicPr>
+        <p:blipFill>
+          <a:blip r:embed="rId3"/>
+          <a:stretch>
+            <a:fillRect/>
+          </a:stretch>
+        </p:blipFill>
+        <p:spPr>
+          <a:xfrm>
+            <a:off x="4602371" y="592521"/>
+            <a:ext cx="5776753" cy="2362200"/>
+          </a:xfrm>
+          <a:prstGeom prst="roundRect">
+            <a:avLst>
+              <a:gd name="adj" fmla="val 8594"/>
+            </a:avLst>
+          </a:prstGeom>
+          <a:solidFill>
+            <a:srgbClr val="FFFFFF">
+              <a:shade val="85000"/>
+            </a:srgbClr>
+          </a:solidFill>
+          <a:ln>
+            <a:noFill/>
+          </a:ln>
+          <a:effectLst>
+            <a:reflection blurRad="12700" stA="38000" endPos="28000" dist="5000" dir="5400000" sy="-100000" algn="bl" rotWithShape="0"/>
+          </a:effectLst>
+        </p:spPr>
+      </p:pic>
+      <p:pic>
+        <p:nvPicPr>
+          <p:cNvPr id="8" name="Picture 7" descr="A person sitting on a rock holding a football&#10;&#10;AI-generated content may be incorrect.">
+            <a:extLst>
+              <a:ext uri="{FF2B5EF4-FFF2-40B4-BE49-F238E27FC236}">
+                <a16:creationId xmlns:a16="http://schemas.microsoft.com/office/drawing/2014/main" id="{8EB5F0BD-72CE-A5C9-EA8E-FC9D631BD4E3}"/>
+              </a:ext>
+            </a:extLst>
+          </p:cNvPr>
+          <p:cNvPicPr>
+            <a:picLocks noChangeAspect="1"/>
+          </p:cNvPicPr>
+          <p:nvPr/>
+        </p:nvPicPr>
+        <p:blipFill>
+          <a:blip r:embed="rId4"/>
+          <a:stretch>
+            <a:fillRect/>
+          </a:stretch>
+        </p:blipFill>
+        <p:spPr>
+          <a:xfrm>
+            <a:off x="4251931" y="2883601"/>
+            <a:ext cx="3688137" cy="3903279"/>
+          </a:xfrm>
+          <a:prstGeom prst="roundRect">
+            <a:avLst>
+              <a:gd name="adj" fmla="val 8594"/>
+            </a:avLst>
+          </a:prstGeom>
+          <a:solidFill>
+            <a:srgbClr val="FFFFFF">
+              <a:shade val="85000"/>
+            </a:srgbClr>
+          </a:solidFill>
+          <a:ln>
+            <a:noFill/>
+          </a:ln>
+          <a:effectLst>
+            <a:reflection blurRad="12700" stA="38000" endPos="28000" dist="5000" dir="5400000" sy="-100000" algn="bl" rotWithShape="0"/>
+          </a:effectLst>
+        </p:spPr>
+      </p:pic>
+    </p:spTree>
+    <p:extLst>
+      <p:ext uri="{BB962C8B-B14F-4D97-AF65-F5344CB8AC3E}">
+        <p14:creationId xmlns:p14="http://schemas.microsoft.com/office/powerpoint/2010/main" val="1936473053"/>
+      </p:ext>
+    </p:extLst>
+  </p:cSld>
+  <p:clrMapOvr>
+    <a:masterClrMapping/>
+  </p:clrMapOvr>
+</p:sld>
+</file>
+
 <file path=ppt/slides/slide2.xml><?xml version="1.0" encoding="utf-8"?>
 <p:sld xmlns:a="http://schemas.openxmlformats.org/drawingml/2006/main" xmlns:r="http://schemas.openxmlformats.org/officeDocument/2006/relationships" xmlns:p="http://schemas.openxmlformats.org/presentationml/2006/main">
   <p:cSld>
@@ -8630,7 +9420,7 @@
         <p:cNvPr id="1" name="">
           <a:extLst>
             <a:ext uri="{FF2B5EF4-FFF2-40B4-BE49-F238E27FC236}">
-              <a16:creationId xmlns:a16="http://schemas.microsoft.com/office/drawing/2014/main" id="{3104DFB7-8F1D-1A57-32E4-62DD43676583}"/>
+              <a16:creationId xmlns:a16="http://schemas.microsoft.com/office/drawing/2014/main" id="{E5BCFEDE-06AD-BB16-39E4-9FCBACAC2BFA}"/>
             </a:ext>
           </a:extLst>
         </p:cNvPr>
@@ -8650,7 +9440,7 @@
           <p:cNvPr id="4" name="Picture 3">
             <a:extLst>
               <a:ext uri="{FF2B5EF4-FFF2-40B4-BE49-F238E27FC236}">
-                <a16:creationId xmlns:a16="http://schemas.microsoft.com/office/drawing/2014/main" id="{2731E7A0-57F6-9E0F-D37B-13655E9B7A9C}"/>
+                <a16:creationId xmlns:a16="http://schemas.microsoft.com/office/drawing/2014/main" id="{25A432F0-CFF9-0F80-AFD2-556E5DE9297C}"/>
               </a:ext>
             </a:extLst>
           </p:cNvPr>
@@ -8667,26 +9457,147 @@
         </p:blipFill>
         <p:spPr>
           <a:xfrm>
-            <a:off x="632363" y="386080"/>
-            <a:ext cx="4305340" cy="6085840"/>
-          </a:xfrm>
-          <a:prstGeom prst="rect">
-            <a:avLst/>
+            <a:off x="1126635" y="605975"/>
+            <a:ext cx="8891125" cy="5490026"/>
+          </a:xfrm>
+          <a:prstGeom prst="roundRect">
+            <a:avLst>
+              <a:gd name="adj" fmla="val 16667"/>
+            </a:avLst>
           </a:prstGeom>
           <a:ln>
             <a:noFill/>
           </a:ln>
           <a:effectLst>
-            <a:softEdge rad="112500"/>
+            <a:outerShdw blurRad="152400" dist="12000" dir="900000" sy="98000" kx="110000" ky="200000" algn="tl" rotWithShape="0">
+              <a:srgbClr val="000000">
+                <a:alpha val="30000"/>
+              </a:srgbClr>
+            </a:outerShdw>
           </a:effectLst>
+          <a:scene3d>
+            <a:camera prst="perspectiveRelaxed">
+              <a:rot lat="19800000" lon="1200000" rev="20820000"/>
+            </a:camera>
+            <a:lightRig rig="threePt" dir="t"/>
+          </a:scene3d>
+          <a:sp3d contourW="6350" prstMaterial="matte">
+            <a:bevelT w="101600" h="101600"/>
+            <a:contourClr>
+              <a:srgbClr val="969696"/>
+            </a:contourClr>
+          </a:sp3d>
         </p:spPr>
       </p:pic>
+      <p:sp>
+        <p:nvSpPr>
+          <p:cNvPr id="5" name="Title 4">
+            <a:extLst>
+              <a:ext uri="{FF2B5EF4-FFF2-40B4-BE49-F238E27FC236}">
+                <a16:creationId xmlns:a16="http://schemas.microsoft.com/office/drawing/2014/main" id="{55A319EA-4FA6-A35B-1A80-35FC4FC8BF96}"/>
+              </a:ext>
+            </a:extLst>
+          </p:cNvPr>
+          <p:cNvSpPr>
+            <a:spLocks noGrp="1"/>
+          </p:cNvSpPr>
+          <p:nvPr>
+            <p:ph type="title"/>
+          </p:nvPr>
+        </p:nvSpPr>
+        <p:spPr>
+          <a:xfrm>
+            <a:off x="2174240" y="72887"/>
+            <a:ext cx="9255756" cy="1077003"/>
+          </a:xfrm>
+        </p:spPr>
+        <p:txBody>
+          <a:bodyPr/>
+          <a:lstStyle/>
+          <a:p>
+            <a:pPr algn="ctr"/>
+            <a:r>
+              <a:rPr lang="en-US" dirty="0">
+                <a:solidFill>
+                  <a:schemeClr val="accent4">
+                    <a:lumMod val="75000"/>
+                  </a:schemeClr>
+                </a:solidFill>
+                <a:latin typeface="Aharoni" panose="02010803020104030203" pitchFamily="2" charset="-79"/>
+                <a:cs typeface="Aharoni" panose="02010803020104030203" pitchFamily="2" charset="-79"/>
+              </a:rPr>
+              <a:t>Mastering openpyxl</a:t>
+            </a:r>
+          </a:p>
+        </p:txBody>
+      </p:sp>
+      <p:sp>
+        <p:nvSpPr>
+          <p:cNvPr id="8" name="TextBox 7">
+            <a:extLst>
+              <a:ext uri="{FF2B5EF4-FFF2-40B4-BE49-F238E27FC236}">
+                <a16:creationId xmlns:a16="http://schemas.microsoft.com/office/drawing/2014/main" id="{43B9915F-F8C9-B564-DC99-FD22E01E0D21}"/>
+              </a:ext>
+            </a:extLst>
+          </p:cNvPr>
+          <p:cNvSpPr txBox="1"/>
+          <p:nvPr/>
+        </p:nvSpPr>
+        <p:spPr>
+          <a:xfrm>
+            <a:off x="0" y="4859"/>
+            <a:ext cx="2336800" cy="1446550"/>
+          </a:xfrm>
+          <a:prstGeom prst="rect">
+            <a:avLst/>
+          </a:prstGeom>
+          <a:effectLst>
+            <a:outerShdw blurRad="76200" dist="12700" dir="2700000" sy="-23000" kx="-800400" algn="bl" rotWithShape="0">
+              <a:prstClr val="black">
+                <a:alpha val="20000"/>
+              </a:prstClr>
+            </a:outerShdw>
+          </a:effectLst>
+        </p:spPr>
+        <p:style>
+          <a:lnRef idx="1">
+            <a:schemeClr val="accent6"/>
+          </a:lnRef>
+          <a:fillRef idx="2">
+            <a:schemeClr val="accent6"/>
+          </a:fillRef>
+          <a:effectRef idx="1">
+            <a:schemeClr val="accent6"/>
+          </a:effectRef>
+          <a:fontRef idx="minor">
+            <a:schemeClr val="dk1"/>
+          </a:fontRef>
+        </p:style>
+        <p:txBody>
+          <a:bodyPr wrap="square" rtlCol="0" anchor="ctr">
+            <a:spAutoFit/>
+          </a:bodyPr>
+          <a:lstStyle/>
+          <a:p>
+            <a:pPr algn="ctr"/>
+            <a:r>
+              <a:rPr lang="en-US" sz="8800" dirty="0">
+                <a:solidFill>
+                  <a:schemeClr val="accent5"/>
+                </a:solidFill>
+                <a:latin typeface="Trade Gothic Next Heavy" panose="020F0502020204030204" pitchFamily="34" charset="0"/>
+              </a:rPr>
+              <a:t>007</a:t>
+            </a:r>
+          </a:p>
+        </p:txBody>
+      </p:sp>
       <p:pic>
         <p:nvPicPr>
-          <p:cNvPr id="6" name="Picture 5">
-            <a:extLst>
-              <a:ext uri="{FF2B5EF4-FFF2-40B4-BE49-F238E27FC236}">
-                <a16:creationId xmlns:a16="http://schemas.microsoft.com/office/drawing/2014/main" id="{2FEDB76D-9EA4-2778-6B64-2DE8170AC0EF}"/>
+          <p:cNvPr id="9" name="Picture 8">
+            <a:extLst>
+              <a:ext uri="{FF2B5EF4-FFF2-40B4-BE49-F238E27FC236}">
+                <a16:creationId xmlns:a16="http://schemas.microsoft.com/office/drawing/2014/main" id="{86508A8C-6CA2-AD36-5D13-77A58E8F09D8}"/>
               </a:ext>
             </a:extLst>
           </p:cNvPr>
@@ -8703,8 +9614,8 @@
         </p:blipFill>
         <p:spPr>
           <a:xfrm>
-            <a:off x="4602371" y="592521"/>
-            <a:ext cx="5776753" cy="2362200"/>
+            <a:off x="172720" y="5574693"/>
+            <a:ext cx="2661920" cy="1088498"/>
           </a:xfrm>
           <a:prstGeom prst="roundRect">
             <a:avLst>
@@ -8724,12 +9635,119 @@
           </a:effectLst>
         </p:spPr>
       </p:pic>
+      <p:sp>
+        <p:nvSpPr>
+          <p:cNvPr id="7" name="Content Placeholder 6">
+            <a:extLst>
+              <a:ext uri="{FF2B5EF4-FFF2-40B4-BE49-F238E27FC236}">
+                <a16:creationId xmlns:a16="http://schemas.microsoft.com/office/drawing/2014/main" id="{BAFD4BBA-B0AE-C7AB-FEA1-BDE2DFD94917}"/>
+              </a:ext>
+            </a:extLst>
+          </p:cNvPr>
+          <p:cNvSpPr>
+            <a:spLocks noGrp="1"/>
+          </p:cNvSpPr>
+          <p:nvPr>
+            <p:ph sz="quarter" idx="10"/>
+          </p:nvPr>
+        </p:nvSpPr>
+        <p:spPr>
+          <a:xfrm>
+            <a:off x="3032760" y="5076647"/>
+            <a:ext cx="8750300" cy="1781353"/>
+          </a:xfrm>
+        </p:spPr>
+        <p:style>
+          <a:lnRef idx="1">
+            <a:schemeClr val="accent3"/>
+          </a:lnRef>
+          <a:fillRef idx="2">
+            <a:schemeClr val="accent3"/>
+          </a:fillRef>
+          <a:effectRef idx="1">
+            <a:schemeClr val="accent3"/>
+          </a:effectRef>
+          <a:fontRef idx="minor">
+            <a:schemeClr val="dk1"/>
+          </a:fontRef>
+        </p:style>
+        <p:txBody>
+          <a:bodyPr anchor="ctr">
+            <a:normAutofit fontScale="85000" lnSpcReduction="10000"/>
+          </a:bodyPr>
+          <a:lstStyle/>
+          <a:p>
+            <a:r>
+              <a:rPr lang="en-US" sz="4400" b="1" dirty="0">
+                <a:solidFill>
+                  <a:schemeClr val="accent4">
+                    <a:lumMod val="75000"/>
+                  </a:schemeClr>
+                </a:solidFill>
+                <a:latin typeface="72 Black" panose="020B0A04030603020204" pitchFamily="34" charset="0"/>
+                <a:cs typeface="72 Black" panose="020B0A04030603020204" pitchFamily="34" charset="0"/>
+              </a:rPr>
+              <a:t>2. Workbook and Worksheet Objects</a:t>
+            </a:r>
+          </a:p>
+          <a:p>
+            <a:r>
+              <a:rPr lang="en-US" sz="4400" b="1" dirty="0">
+                <a:solidFill>
+                  <a:schemeClr val="accent4">
+                    <a:lumMod val="75000"/>
+                  </a:schemeClr>
+                </a:solidFill>
+                <a:latin typeface="72 Black" panose="020B0A04030603020204" pitchFamily="34" charset="0"/>
+                <a:cs typeface="72 Black" panose="020B0A04030603020204" pitchFamily="34" charset="0"/>
+              </a:rPr>
+              <a:t>2.3 Creating Worksheets</a:t>
+            </a:r>
+          </a:p>
+        </p:txBody>
+      </p:sp>
+    </p:spTree>
+    <p:extLst>
+      <p:ext uri="{BB962C8B-B14F-4D97-AF65-F5344CB8AC3E}">
+        <p14:creationId xmlns:p14="http://schemas.microsoft.com/office/powerpoint/2010/main" val="1122659168"/>
+      </p:ext>
+    </p:extLst>
+  </p:cSld>
+  <p:clrMapOvr>
+    <a:masterClrMapping/>
+  </p:clrMapOvr>
+</p:sld>
+</file>
+
+<file path=ppt/slides/slide8.xml><?xml version="1.0" encoding="utf-8"?>
+<p:sld xmlns:a="http://schemas.openxmlformats.org/drawingml/2006/main" xmlns:r="http://schemas.openxmlformats.org/officeDocument/2006/relationships" xmlns:p="http://schemas.openxmlformats.org/presentationml/2006/main">
+  <p:cSld>
+    <p:spTree>
+      <p:nvGrpSpPr>
+        <p:cNvPr id="1" name="">
+          <a:extLst>
+            <a:ext uri="{FF2B5EF4-FFF2-40B4-BE49-F238E27FC236}">
+              <a16:creationId xmlns:a16="http://schemas.microsoft.com/office/drawing/2014/main" id="{39BEC206-7971-2607-A76D-6B3318F26C97}"/>
+            </a:ext>
+          </a:extLst>
+        </p:cNvPr>
+        <p:cNvGrpSpPr/>
+        <p:nvPr/>
+      </p:nvGrpSpPr>
+      <p:grpSpPr>
+        <a:xfrm>
+          <a:off x="0" y="0"/>
+          <a:ext cx="0" cy="0"/>
+          <a:chOff x="0" y="0"/>
+          <a:chExt cx="0" cy="0"/>
+        </a:xfrm>
+      </p:grpSpPr>
       <p:pic>
         <p:nvPicPr>
-          <p:cNvPr id="8" name="Picture 7" descr="A person sitting on a rock holding a football&#10;&#10;AI-generated content may be incorrect.">
-            <a:extLst>
-              <a:ext uri="{FF2B5EF4-FFF2-40B4-BE49-F238E27FC236}">
-                <a16:creationId xmlns:a16="http://schemas.microsoft.com/office/drawing/2014/main" id="{8EB5F0BD-72CE-A5C9-EA8E-FC9D631BD4E3}"/>
+          <p:cNvPr id="3" name="Picture 2">
+            <a:extLst>
+              <a:ext uri="{FF2B5EF4-FFF2-40B4-BE49-F238E27FC236}">
+                <a16:creationId xmlns:a16="http://schemas.microsoft.com/office/drawing/2014/main" id="{093E9336-71C8-9E7B-7278-00CC1F32591F}"/>
               </a:ext>
             </a:extLst>
           </p:cNvPr>
@@ -8739,15 +9757,172 @@
           <p:nvPr/>
         </p:nvPicPr>
         <p:blipFill>
-          <a:blip r:embed="rId4"/>
+          <a:blip r:embed="rId2"/>
           <a:stretch>
             <a:fillRect/>
           </a:stretch>
         </p:blipFill>
         <p:spPr>
           <a:xfrm>
-            <a:off x="4251931" y="2883601"/>
-            <a:ext cx="3688137" cy="3903279"/>
+            <a:off x="635574" y="482184"/>
+            <a:ext cx="9453306" cy="5760216"/>
+          </a:xfrm>
+          <a:prstGeom prst="roundRect">
+            <a:avLst>
+              <a:gd name="adj" fmla="val 16667"/>
+            </a:avLst>
+          </a:prstGeom>
+          <a:ln>
+            <a:noFill/>
+          </a:ln>
+          <a:effectLst>
+            <a:outerShdw blurRad="152400" dist="12000" dir="900000" sy="98000" kx="110000" ky="200000" algn="tl" rotWithShape="0">
+              <a:srgbClr val="000000">
+                <a:alpha val="30000"/>
+              </a:srgbClr>
+            </a:outerShdw>
+          </a:effectLst>
+          <a:scene3d>
+            <a:camera prst="perspectiveRelaxed">
+              <a:rot lat="19800000" lon="1200000" rev="20820000"/>
+            </a:camera>
+            <a:lightRig rig="threePt" dir="t"/>
+          </a:scene3d>
+          <a:sp3d contourW="6350" prstMaterial="matte">
+            <a:bevelT w="101600" h="101600"/>
+            <a:contourClr>
+              <a:srgbClr val="969696"/>
+            </a:contourClr>
+          </a:sp3d>
+        </p:spPr>
+      </p:pic>
+      <p:sp>
+        <p:nvSpPr>
+          <p:cNvPr id="5" name="Title 4">
+            <a:extLst>
+              <a:ext uri="{FF2B5EF4-FFF2-40B4-BE49-F238E27FC236}">
+                <a16:creationId xmlns:a16="http://schemas.microsoft.com/office/drawing/2014/main" id="{FFC5F418-5E9E-C8E0-A306-33FD458E3AD5}"/>
+              </a:ext>
+            </a:extLst>
+          </p:cNvPr>
+          <p:cNvSpPr>
+            <a:spLocks noGrp="1"/>
+          </p:cNvSpPr>
+          <p:nvPr>
+            <p:ph type="title"/>
+          </p:nvPr>
+        </p:nvSpPr>
+        <p:spPr>
+          <a:xfrm>
+            <a:off x="2174240" y="72887"/>
+            <a:ext cx="9255756" cy="1077003"/>
+          </a:xfrm>
+        </p:spPr>
+        <p:txBody>
+          <a:bodyPr/>
+          <a:lstStyle/>
+          <a:p>
+            <a:pPr algn="ctr"/>
+            <a:r>
+              <a:rPr lang="en-US" dirty="0">
+                <a:solidFill>
+                  <a:schemeClr val="accent4">
+                    <a:lumMod val="75000"/>
+                  </a:schemeClr>
+                </a:solidFill>
+                <a:latin typeface="Aharoni" panose="02010803020104030203" pitchFamily="2" charset="-79"/>
+                <a:cs typeface="Aharoni" panose="02010803020104030203" pitchFamily="2" charset="-79"/>
+              </a:rPr>
+              <a:t>Mastering openpyxl</a:t>
+            </a:r>
+          </a:p>
+        </p:txBody>
+      </p:sp>
+      <p:sp>
+        <p:nvSpPr>
+          <p:cNvPr id="8" name="TextBox 7">
+            <a:extLst>
+              <a:ext uri="{FF2B5EF4-FFF2-40B4-BE49-F238E27FC236}">
+                <a16:creationId xmlns:a16="http://schemas.microsoft.com/office/drawing/2014/main" id="{8A20CD41-DC4F-0881-EC5F-1D5C278FF692}"/>
+              </a:ext>
+            </a:extLst>
+          </p:cNvPr>
+          <p:cNvSpPr txBox="1"/>
+          <p:nvPr/>
+        </p:nvSpPr>
+        <p:spPr>
+          <a:xfrm>
+            <a:off x="0" y="4859"/>
+            <a:ext cx="2336800" cy="1446550"/>
+          </a:xfrm>
+          <a:prstGeom prst="rect">
+            <a:avLst/>
+          </a:prstGeom>
+          <a:effectLst>
+            <a:outerShdw blurRad="76200" dist="12700" dir="2700000" sy="-23000" kx="-800400" algn="bl" rotWithShape="0">
+              <a:prstClr val="black">
+                <a:alpha val="20000"/>
+              </a:prstClr>
+            </a:outerShdw>
+          </a:effectLst>
+        </p:spPr>
+        <p:style>
+          <a:lnRef idx="1">
+            <a:schemeClr val="accent6"/>
+          </a:lnRef>
+          <a:fillRef idx="2">
+            <a:schemeClr val="accent6"/>
+          </a:fillRef>
+          <a:effectRef idx="1">
+            <a:schemeClr val="accent6"/>
+          </a:effectRef>
+          <a:fontRef idx="minor">
+            <a:schemeClr val="dk1"/>
+          </a:fontRef>
+        </p:style>
+        <p:txBody>
+          <a:bodyPr wrap="square" rtlCol="0" anchor="ctr">
+            <a:spAutoFit/>
+          </a:bodyPr>
+          <a:lstStyle/>
+          <a:p>
+            <a:pPr algn="ctr"/>
+            <a:r>
+              <a:rPr lang="en-US" sz="8800" dirty="0">
+                <a:solidFill>
+                  <a:schemeClr val="accent5"/>
+                </a:solidFill>
+                <a:latin typeface="Trade Gothic Next Heavy" panose="020F0502020204030204" pitchFamily="34" charset="0"/>
+              </a:rPr>
+              <a:t>008</a:t>
+            </a:r>
+          </a:p>
+        </p:txBody>
+      </p:sp>
+      <p:pic>
+        <p:nvPicPr>
+          <p:cNvPr id="9" name="Picture 8">
+            <a:extLst>
+              <a:ext uri="{FF2B5EF4-FFF2-40B4-BE49-F238E27FC236}">
+                <a16:creationId xmlns:a16="http://schemas.microsoft.com/office/drawing/2014/main" id="{CFC96905-AAAB-9EEA-ACDD-49E1C430FED0}"/>
+              </a:ext>
+            </a:extLst>
+          </p:cNvPr>
+          <p:cNvPicPr>
+            <a:picLocks noChangeAspect="1"/>
+          </p:cNvPicPr>
+          <p:nvPr/>
+        </p:nvPicPr>
+        <p:blipFill>
+          <a:blip r:embed="rId3"/>
+          <a:stretch>
+            <a:fillRect/>
+          </a:stretch>
+        </p:blipFill>
+        <p:spPr>
+          <a:xfrm>
+            <a:off x="172720" y="5574693"/>
+            <a:ext cx="2661920" cy="1088498"/>
           </a:xfrm>
           <a:prstGeom prst="roundRect">
             <a:avLst>
@@ -8767,10 +9942,388 @@
           </a:effectLst>
         </p:spPr>
       </p:pic>
+      <p:sp>
+        <p:nvSpPr>
+          <p:cNvPr id="7" name="Content Placeholder 6">
+            <a:extLst>
+              <a:ext uri="{FF2B5EF4-FFF2-40B4-BE49-F238E27FC236}">
+                <a16:creationId xmlns:a16="http://schemas.microsoft.com/office/drawing/2014/main" id="{D856FDAF-A4CD-EDA0-1178-CAA8C54EA01D}"/>
+              </a:ext>
+            </a:extLst>
+          </p:cNvPr>
+          <p:cNvSpPr>
+            <a:spLocks noGrp="1"/>
+          </p:cNvSpPr>
+          <p:nvPr>
+            <p:ph sz="quarter" idx="10"/>
+          </p:nvPr>
+        </p:nvSpPr>
+        <p:spPr>
+          <a:xfrm>
+            <a:off x="3032760" y="5076647"/>
+            <a:ext cx="8750300" cy="1781353"/>
+          </a:xfrm>
+        </p:spPr>
+        <p:style>
+          <a:lnRef idx="1">
+            <a:schemeClr val="accent3"/>
+          </a:lnRef>
+          <a:fillRef idx="2">
+            <a:schemeClr val="accent3"/>
+          </a:fillRef>
+          <a:effectRef idx="1">
+            <a:schemeClr val="accent3"/>
+          </a:effectRef>
+          <a:fontRef idx="minor">
+            <a:schemeClr val="dk1"/>
+          </a:fontRef>
+        </p:style>
+        <p:txBody>
+          <a:bodyPr anchor="ctr">
+            <a:normAutofit fontScale="85000" lnSpcReduction="10000"/>
+          </a:bodyPr>
+          <a:lstStyle/>
+          <a:p>
+            <a:r>
+              <a:rPr lang="en-US" sz="4400" b="1" dirty="0">
+                <a:solidFill>
+                  <a:schemeClr val="accent4">
+                    <a:lumMod val="75000"/>
+                  </a:schemeClr>
+                </a:solidFill>
+                <a:latin typeface="72 Black" panose="020B0A04030603020204" pitchFamily="34" charset="0"/>
+                <a:cs typeface="72 Black" panose="020B0A04030603020204" pitchFamily="34" charset="0"/>
+              </a:rPr>
+              <a:t>2. Workbook and Worksheet Objects</a:t>
+            </a:r>
+          </a:p>
+          <a:p>
+            <a:r>
+              <a:rPr lang="en-US" sz="4400" b="1" dirty="0">
+                <a:solidFill>
+                  <a:schemeClr val="accent4">
+                    <a:lumMod val="75000"/>
+                  </a:schemeClr>
+                </a:solidFill>
+                <a:latin typeface="72 Black" panose="020B0A04030603020204" pitchFamily="34" charset="0"/>
+                <a:cs typeface="72 Black" panose="020B0A04030603020204" pitchFamily="34" charset="0"/>
+              </a:rPr>
+              <a:t>2.4 Deleting Worksheets</a:t>
+            </a:r>
+          </a:p>
+        </p:txBody>
+      </p:sp>
     </p:spTree>
     <p:extLst>
       <p:ext uri="{BB962C8B-B14F-4D97-AF65-F5344CB8AC3E}">
-        <p14:creationId xmlns:p14="http://schemas.microsoft.com/office/powerpoint/2010/main" val="1936473053"/>
+        <p14:creationId xmlns:p14="http://schemas.microsoft.com/office/powerpoint/2010/main" val="118981646"/>
+      </p:ext>
+    </p:extLst>
+  </p:cSld>
+  <p:clrMapOvr>
+    <a:masterClrMapping/>
+  </p:clrMapOvr>
+</p:sld>
+</file>
+
+<file path=ppt/slides/slide9.xml><?xml version="1.0" encoding="utf-8"?>
+<p:sld xmlns:a="http://schemas.openxmlformats.org/drawingml/2006/main" xmlns:r="http://schemas.openxmlformats.org/officeDocument/2006/relationships" xmlns:p="http://schemas.openxmlformats.org/presentationml/2006/main">
+  <p:cSld>
+    <p:spTree>
+      <p:nvGrpSpPr>
+        <p:cNvPr id="1" name="">
+          <a:extLst>
+            <a:ext uri="{FF2B5EF4-FFF2-40B4-BE49-F238E27FC236}">
+              <a16:creationId xmlns:a16="http://schemas.microsoft.com/office/drawing/2014/main" id="{E5493929-FDA3-80E9-BF6B-3ECE908F87E4}"/>
+            </a:ext>
+          </a:extLst>
+        </p:cNvPr>
+        <p:cNvGrpSpPr/>
+        <p:nvPr/>
+      </p:nvGrpSpPr>
+      <p:grpSpPr>
+        <a:xfrm>
+          <a:off x="0" y="0"/>
+          <a:ext cx="0" cy="0"/>
+          <a:chOff x="0" y="0"/>
+          <a:chExt cx="0" cy="0"/>
+        </a:xfrm>
+      </p:grpSpPr>
+      <p:pic>
+        <p:nvPicPr>
+          <p:cNvPr id="4" name="Picture 3">
+            <a:extLst>
+              <a:ext uri="{FF2B5EF4-FFF2-40B4-BE49-F238E27FC236}">
+                <a16:creationId xmlns:a16="http://schemas.microsoft.com/office/drawing/2014/main" id="{72F7E308-12D3-C11B-14A0-617D1992C790}"/>
+              </a:ext>
+            </a:extLst>
+          </p:cNvPr>
+          <p:cNvPicPr>
+            <a:picLocks noChangeAspect="1"/>
+          </p:cNvPicPr>
+          <p:nvPr/>
+        </p:nvPicPr>
+        <p:blipFill>
+          <a:blip r:embed="rId2"/>
+          <a:stretch>
+            <a:fillRect/>
+          </a:stretch>
+        </p:blipFill>
+        <p:spPr>
+          <a:xfrm>
+            <a:off x="870732" y="445722"/>
+            <a:ext cx="9776948" cy="5595478"/>
+          </a:xfrm>
+          <a:prstGeom prst="roundRect">
+            <a:avLst>
+              <a:gd name="adj" fmla="val 16667"/>
+            </a:avLst>
+          </a:prstGeom>
+          <a:ln>
+            <a:noFill/>
+          </a:ln>
+          <a:effectLst>
+            <a:outerShdw blurRad="152400" dist="12000" dir="900000" sy="98000" kx="110000" ky="200000" algn="tl" rotWithShape="0">
+              <a:srgbClr val="000000">
+                <a:alpha val="30000"/>
+              </a:srgbClr>
+            </a:outerShdw>
+          </a:effectLst>
+          <a:scene3d>
+            <a:camera prst="perspectiveRelaxed">
+              <a:rot lat="19800000" lon="1200000" rev="20820000"/>
+            </a:camera>
+            <a:lightRig rig="threePt" dir="t"/>
+          </a:scene3d>
+          <a:sp3d contourW="6350" prstMaterial="matte">
+            <a:bevelT w="101600" h="101600"/>
+            <a:contourClr>
+              <a:srgbClr val="969696"/>
+            </a:contourClr>
+          </a:sp3d>
+        </p:spPr>
+      </p:pic>
+      <p:sp>
+        <p:nvSpPr>
+          <p:cNvPr id="5" name="Title 4">
+            <a:extLst>
+              <a:ext uri="{FF2B5EF4-FFF2-40B4-BE49-F238E27FC236}">
+                <a16:creationId xmlns:a16="http://schemas.microsoft.com/office/drawing/2014/main" id="{BF03366D-9C66-F6F2-7972-7D57F240AEA8}"/>
+              </a:ext>
+            </a:extLst>
+          </p:cNvPr>
+          <p:cNvSpPr>
+            <a:spLocks noGrp="1"/>
+          </p:cNvSpPr>
+          <p:nvPr>
+            <p:ph type="title"/>
+          </p:nvPr>
+        </p:nvSpPr>
+        <p:spPr>
+          <a:xfrm>
+            <a:off x="2174240" y="72887"/>
+            <a:ext cx="9255756" cy="1077003"/>
+          </a:xfrm>
+        </p:spPr>
+        <p:txBody>
+          <a:bodyPr/>
+          <a:lstStyle/>
+          <a:p>
+            <a:pPr algn="ctr"/>
+            <a:r>
+              <a:rPr lang="en-US" dirty="0">
+                <a:solidFill>
+                  <a:schemeClr val="accent4">
+                    <a:lumMod val="75000"/>
+                  </a:schemeClr>
+                </a:solidFill>
+                <a:latin typeface="Aharoni" panose="02010803020104030203" pitchFamily="2" charset="-79"/>
+                <a:cs typeface="Aharoni" panose="02010803020104030203" pitchFamily="2" charset="-79"/>
+              </a:rPr>
+              <a:t>Mastering openpyxl</a:t>
+            </a:r>
+          </a:p>
+        </p:txBody>
+      </p:sp>
+      <p:sp>
+        <p:nvSpPr>
+          <p:cNvPr id="8" name="TextBox 7">
+            <a:extLst>
+              <a:ext uri="{FF2B5EF4-FFF2-40B4-BE49-F238E27FC236}">
+                <a16:creationId xmlns:a16="http://schemas.microsoft.com/office/drawing/2014/main" id="{DB3F3F20-FDA2-C66C-CB11-0099DC96A9DE}"/>
+              </a:ext>
+            </a:extLst>
+          </p:cNvPr>
+          <p:cNvSpPr txBox="1"/>
+          <p:nvPr/>
+        </p:nvSpPr>
+        <p:spPr>
+          <a:xfrm>
+            <a:off x="0" y="4859"/>
+            <a:ext cx="2336800" cy="1446550"/>
+          </a:xfrm>
+          <a:prstGeom prst="rect">
+            <a:avLst/>
+          </a:prstGeom>
+          <a:effectLst>
+            <a:outerShdw blurRad="76200" dist="12700" dir="2700000" sy="-23000" kx="-800400" algn="bl" rotWithShape="0">
+              <a:prstClr val="black">
+                <a:alpha val="20000"/>
+              </a:prstClr>
+            </a:outerShdw>
+          </a:effectLst>
+        </p:spPr>
+        <p:style>
+          <a:lnRef idx="1">
+            <a:schemeClr val="accent6"/>
+          </a:lnRef>
+          <a:fillRef idx="2">
+            <a:schemeClr val="accent6"/>
+          </a:fillRef>
+          <a:effectRef idx="1">
+            <a:schemeClr val="accent6"/>
+          </a:effectRef>
+          <a:fontRef idx="minor">
+            <a:schemeClr val="dk1"/>
+          </a:fontRef>
+        </p:style>
+        <p:txBody>
+          <a:bodyPr wrap="square" rtlCol="0" anchor="ctr">
+            <a:spAutoFit/>
+          </a:bodyPr>
+          <a:lstStyle/>
+          <a:p>
+            <a:pPr algn="ctr"/>
+            <a:r>
+              <a:rPr lang="en-US" sz="8800" dirty="0">
+                <a:solidFill>
+                  <a:schemeClr val="accent5"/>
+                </a:solidFill>
+                <a:latin typeface="Trade Gothic Next Heavy" panose="020F0502020204030204" pitchFamily="34" charset="0"/>
+              </a:rPr>
+              <a:t>009</a:t>
+            </a:r>
+          </a:p>
+        </p:txBody>
+      </p:sp>
+      <p:pic>
+        <p:nvPicPr>
+          <p:cNvPr id="9" name="Picture 8">
+            <a:extLst>
+              <a:ext uri="{FF2B5EF4-FFF2-40B4-BE49-F238E27FC236}">
+                <a16:creationId xmlns:a16="http://schemas.microsoft.com/office/drawing/2014/main" id="{03461414-237C-D6FE-AA5B-0BE8C6CE36CA}"/>
+              </a:ext>
+            </a:extLst>
+          </p:cNvPr>
+          <p:cNvPicPr>
+            <a:picLocks noChangeAspect="1"/>
+          </p:cNvPicPr>
+          <p:nvPr/>
+        </p:nvPicPr>
+        <p:blipFill>
+          <a:blip r:embed="rId3"/>
+          <a:stretch>
+            <a:fillRect/>
+          </a:stretch>
+        </p:blipFill>
+        <p:spPr>
+          <a:xfrm>
+            <a:off x="172720" y="5574693"/>
+            <a:ext cx="2661920" cy="1088498"/>
+          </a:xfrm>
+          <a:prstGeom prst="roundRect">
+            <a:avLst>
+              <a:gd name="adj" fmla="val 8594"/>
+            </a:avLst>
+          </a:prstGeom>
+          <a:solidFill>
+            <a:srgbClr val="FFFFFF">
+              <a:shade val="85000"/>
+            </a:srgbClr>
+          </a:solidFill>
+          <a:ln>
+            <a:noFill/>
+          </a:ln>
+          <a:effectLst>
+            <a:reflection blurRad="12700" stA="38000" endPos="28000" dist="5000" dir="5400000" sy="-100000" algn="bl" rotWithShape="0"/>
+          </a:effectLst>
+        </p:spPr>
+      </p:pic>
+      <p:sp>
+        <p:nvSpPr>
+          <p:cNvPr id="7" name="Content Placeholder 6">
+            <a:extLst>
+              <a:ext uri="{FF2B5EF4-FFF2-40B4-BE49-F238E27FC236}">
+                <a16:creationId xmlns:a16="http://schemas.microsoft.com/office/drawing/2014/main" id="{AB6DE0F0-9171-19DA-AE27-FF19985BEF1A}"/>
+              </a:ext>
+            </a:extLst>
+          </p:cNvPr>
+          <p:cNvSpPr>
+            <a:spLocks noGrp="1"/>
+          </p:cNvSpPr>
+          <p:nvPr>
+            <p:ph sz="quarter" idx="10"/>
+          </p:nvPr>
+        </p:nvSpPr>
+        <p:spPr>
+          <a:xfrm>
+            <a:off x="3032760" y="5076647"/>
+            <a:ext cx="8750300" cy="1781353"/>
+          </a:xfrm>
+        </p:spPr>
+        <p:style>
+          <a:lnRef idx="1">
+            <a:schemeClr val="accent3"/>
+          </a:lnRef>
+          <a:fillRef idx="2">
+            <a:schemeClr val="accent3"/>
+          </a:fillRef>
+          <a:effectRef idx="1">
+            <a:schemeClr val="accent3"/>
+          </a:effectRef>
+          <a:fontRef idx="minor">
+            <a:schemeClr val="dk1"/>
+          </a:fontRef>
+        </p:style>
+        <p:txBody>
+          <a:bodyPr anchor="ctr">
+            <a:normAutofit fontScale="85000" lnSpcReduction="10000"/>
+          </a:bodyPr>
+          <a:lstStyle/>
+          <a:p>
+            <a:r>
+              <a:rPr lang="en-US" sz="4400" b="1" dirty="0">
+                <a:solidFill>
+                  <a:schemeClr val="accent4">
+                    <a:lumMod val="75000"/>
+                  </a:schemeClr>
+                </a:solidFill>
+                <a:latin typeface="72 Black" panose="020B0A04030603020204" pitchFamily="34" charset="0"/>
+                <a:cs typeface="72 Black" panose="020B0A04030603020204" pitchFamily="34" charset="0"/>
+              </a:rPr>
+              <a:t>2. Workbook and Worksheet Objects</a:t>
+            </a:r>
+          </a:p>
+          <a:p>
+            <a:r>
+              <a:rPr lang="en-US" sz="4400" b="1" dirty="0">
+                <a:solidFill>
+                  <a:schemeClr val="accent4">
+                    <a:lumMod val="75000"/>
+                  </a:schemeClr>
+                </a:solidFill>
+                <a:latin typeface="72 Black" panose="020B0A04030603020204" pitchFamily="34" charset="0"/>
+                <a:cs typeface="72 Black" panose="020B0A04030603020204" pitchFamily="34" charset="0"/>
+              </a:rPr>
+              <a:t>2.5 Renaming Worksheets</a:t>
+            </a:r>
+          </a:p>
+        </p:txBody>
+      </p:sp>
+    </p:spTree>
+    <p:extLst>
+      <p:ext uri="{BB962C8B-B14F-4D97-AF65-F5344CB8AC3E}">
+        <p14:creationId xmlns:p14="http://schemas.microsoft.com/office/powerpoint/2010/main" val="3085050071"/>
       </p:ext>
     </p:extLst>
   </p:cSld>
